--- a/case_study_powerpoint.pptx
+++ b/case_study_powerpoint.pptx
@@ -5,27 +5,28 @@
     <p:sldMasterId id="2147483720" r:id="rId1"/>
   </p:sldMasterIdLst>
   <p:notesMasterIdLst>
-    <p:notesMasterId r:id="rId20"/>
+    <p:notesMasterId r:id="rId21"/>
   </p:notesMasterIdLst>
   <p:sldIdLst>
     <p:sldId id="256" r:id="rId2"/>
-    <p:sldId id="268" r:id="rId3"/>
-    <p:sldId id="275" r:id="rId4"/>
-    <p:sldId id="274" r:id="rId5"/>
-    <p:sldId id="257" r:id="rId6"/>
-    <p:sldId id="259" r:id="rId7"/>
-    <p:sldId id="261" r:id="rId8"/>
-    <p:sldId id="262" r:id="rId9"/>
-    <p:sldId id="266" r:id="rId10"/>
-    <p:sldId id="270" r:id="rId11"/>
-    <p:sldId id="265" r:id="rId12"/>
-    <p:sldId id="264" r:id="rId13"/>
-    <p:sldId id="267" r:id="rId14"/>
-    <p:sldId id="269" r:id="rId15"/>
-    <p:sldId id="272" r:id="rId16"/>
-    <p:sldId id="273" r:id="rId17"/>
-    <p:sldId id="276" r:id="rId18"/>
-    <p:sldId id="278" r:id="rId19"/>
+    <p:sldId id="279" r:id="rId3"/>
+    <p:sldId id="268" r:id="rId4"/>
+    <p:sldId id="275" r:id="rId5"/>
+    <p:sldId id="274" r:id="rId6"/>
+    <p:sldId id="257" r:id="rId7"/>
+    <p:sldId id="259" r:id="rId8"/>
+    <p:sldId id="261" r:id="rId9"/>
+    <p:sldId id="262" r:id="rId10"/>
+    <p:sldId id="266" r:id="rId11"/>
+    <p:sldId id="270" r:id="rId12"/>
+    <p:sldId id="265" r:id="rId13"/>
+    <p:sldId id="264" r:id="rId14"/>
+    <p:sldId id="267" r:id="rId15"/>
+    <p:sldId id="269" r:id="rId16"/>
+    <p:sldId id="272" r:id="rId17"/>
+    <p:sldId id="273" r:id="rId18"/>
+    <p:sldId id="276" r:id="rId19"/>
+    <p:sldId id="278" r:id="rId20"/>
   </p:sldIdLst>
   <p:sldSz cx="12192000" cy="6858000"/>
   <p:notesSz cx="6858000" cy="9144000"/>
@@ -127,16 +128,8 @@
 </p:presentation>
 </file>
 
-<file path=ppt/revisionInfo.xml><?xml version="1.0" encoding="utf-8"?>
-<p1510:revInfo xmlns:a="http://schemas.openxmlformats.org/drawingml/2006/main" xmlns:r="http://schemas.openxmlformats.org/officeDocument/2006/relationships" xmlns:p1510="http://schemas.microsoft.com/office/powerpoint/2015/10/main">
-  <p1510:revLst>
-    <p1510:client id="{916CF234-E406-934C-BB24-648D341457D2}" v="65" dt="2022-10-23T23:58:08.273"/>
-  </p1510:revLst>
-</p1510:revInfo>
-</file>
-
 <file path=ppt/diagrams/colors1.xml><?xml version="1.0" encoding="utf-8"?>
-<dgm:colorsDef xmlns:dgm="http://schemas.openxmlformats.org/drawingml/2006/diagram" xmlns:a="http://schemas.openxmlformats.org/drawingml/2006/main" uniqueId="urn:microsoft.com/office/officeart/2018/5/colors/Iconchunking_neutralicon_colorful1">
+<dgm:colorsDef xmlns:dgm="http://schemas.openxmlformats.org/drawingml/2006/diagram" xmlns:a="http://schemas.openxmlformats.org/drawingml/2006/main" uniqueId="urn:microsoft.com/office/officeart/2018/5/colors/Iconchunking_neutralbg_colorful1">
   <dgm:title val=""/>
   <dgm:desc val=""/>
   <dgm:catLst>
@@ -156,7 +149,11 @@
   </dgm:styleLbl>
   <dgm:styleLbl name="node1">
     <dgm:fillClrLst meth="repeat">
-      <a:schemeClr val="bg1"/>
+      <a:schemeClr val="accent2"/>
+      <a:schemeClr val="accent3"/>
+      <a:schemeClr val="accent4"/>
+      <a:schemeClr val="accent5"/>
+      <a:schemeClr val="accent6"/>
     </dgm:fillClrLst>
     <dgm:linClrLst meth="repeat">
       <a:schemeClr val="lt1">
@@ -165,9 +162,7 @@
     </dgm:linClrLst>
     <dgm:effectClrLst/>
     <dgm:txLinClrLst/>
-    <dgm:txFillClrLst meth="repeat">
-      <a:schemeClr val="dk1"/>
-    </dgm:txFillClrLst>
+    <dgm:txFillClrLst/>
     <dgm:txEffectClrLst/>
   </dgm:styleLbl>
   <dgm:styleLbl name="alignNode1">
@@ -970,20 +965,18 @@
   </dgm:styleLbl>
   <dgm:styleLbl name="bgShp">
     <dgm:fillClrLst meth="repeat">
-      <a:schemeClr val="accent2"/>
-      <a:schemeClr val="accent3"/>
-      <a:schemeClr val="accent4"/>
-      <a:schemeClr val="accent5"/>
-      <a:schemeClr val="accent6"/>
+      <a:schemeClr val="bg1">
+        <a:lumMod val="95000"/>
+      </a:schemeClr>
     </dgm:fillClrLst>
     <dgm:linClrLst meth="repeat">
-      <a:schemeClr val="lt1">
-        <a:alpha val="0"/>
-      </a:schemeClr>
+      <a:schemeClr val="dk1"/>
     </dgm:linClrLst>
     <dgm:effectClrLst/>
     <dgm:txLinClrLst/>
-    <dgm:txFillClrLst/>
+    <dgm:txFillClrLst meth="repeat">
+      <a:schemeClr val="dk1"/>
+    </dgm:txFillClrLst>
     <dgm:txEffectClrLst/>
   </dgm:styleLbl>
   <dgm:styleLbl name="dkBgShp">
@@ -1057,6 +1050,927 @@
 </file>
 
 <file path=ppt/diagrams/colors2.xml><?xml version="1.0" encoding="utf-8"?>
+<dgm:colorsDef xmlns:dgm="http://schemas.openxmlformats.org/drawingml/2006/diagram" xmlns:a="http://schemas.openxmlformats.org/drawingml/2006/main" uniqueId="urn:microsoft.com/office/officeart/2018/5/colors/Iconchunking_neutralicon_colorful1">
+  <dgm:title val=""/>
+  <dgm:desc val=""/>
+  <dgm:catLst>
+    <dgm:cat type="colorful" pri="10100"/>
+  </dgm:catLst>
+  <dgm:styleLbl name="node0">
+    <dgm:fillClrLst meth="repeat">
+      <a:schemeClr val="accent1"/>
+    </dgm:fillClrLst>
+    <dgm:linClrLst meth="repeat">
+      <a:schemeClr val="lt1"/>
+    </dgm:linClrLst>
+    <dgm:effectClrLst/>
+    <dgm:txLinClrLst/>
+    <dgm:txFillClrLst/>
+    <dgm:txEffectClrLst/>
+  </dgm:styleLbl>
+  <dgm:styleLbl name="node1">
+    <dgm:fillClrLst meth="repeat">
+      <a:schemeClr val="bg1"/>
+    </dgm:fillClrLst>
+    <dgm:linClrLst meth="repeat">
+      <a:schemeClr val="lt1">
+        <a:alpha val="0"/>
+      </a:schemeClr>
+    </dgm:linClrLst>
+    <dgm:effectClrLst/>
+    <dgm:txLinClrLst/>
+    <dgm:txFillClrLst meth="repeat">
+      <a:schemeClr val="dk1"/>
+    </dgm:txFillClrLst>
+    <dgm:txEffectClrLst/>
+  </dgm:styleLbl>
+  <dgm:styleLbl name="alignNode1">
+    <dgm:fillClrLst meth="repeat">
+      <a:schemeClr val="accent2"/>
+      <a:schemeClr val="accent3"/>
+      <a:schemeClr val="accent4"/>
+      <a:schemeClr val="accent5"/>
+      <a:schemeClr val="accent6"/>
+    </dgm:fillClrLst>
+    <dgm:linClrLst meth="repeat">
+      <a:schemeClr val="accent2"/>
+      <a:schemeClr val="accent3"/>
+      <a:schemeClr val="accent4"/>
+      <a:schemeClr val="accent5"/>
+      <a:schemeClr val="accent6"/>
+    </dgm:linClrLst>
+    <dgm:effectClrLst/>
+    <dgm:txLinClrLst/>
+    <dgm:txFillClrLst/>
+    <dgm:txEffectClrLst/>
+  </dgm:styleLbl>
+  <dgm:styleLbl name="lnNode1">
+    <dgm:fillClrLst meth="repeat">
+      <a:schemeClr val="accent2"/>
+      <a:schemeClr val="accent3"/>
+      <a:schemeClr val="accent4"/>
+      <a:schemeClr val="accent5"/>
+      <a:schemeClr val="accent6"/>
+    </dgm:fillClrLst>
+    <dgm:linClrLst meth="repeat">
+      <a:schemeClr val="lt1"/>
+    </dgm:linClrLst>
+    <dgm:effectClrLst/>
+    <dgm:txLinClrLst/>
+    <dgm:txFillClrLst/>
+    <dgm:txEffectClrLst/>
+  </dgm:styleLbl>
+  <dgm:styleLbl name="vennNode1">
+    <dgm:fillClrLst meth="repeat">
+      <a:schemeClr val="accent2">
+        <a:alpha val="50000"/>
+      </a:schemeClr>
+      <a:schemeClr val="accent3">
+        <a:alpha val="50000"/>
+      </a:schemeClr>
+      <a:schemeClr val="accent4">
+        <a:alpha val="50000"/>
+      </a:schemeClr>
+      <a:schemeClr val="accent5">
+        <a:alpha val="50000"/>
+      </a:schemeClr>
+      <a:schemeClr val="accent6">
+        <a:alpha val="50000"/>
+      </a:schemeClr>
+    </dgm:fillClrLst>
+    <dgm:linClrLst meth="repeat">
+      <a:schemeClr val="lt1"/>
+    </dgm:linClrLst>
+    <dgm:effectClrLst/>
+    <dgm:txLinClrLst/>
+    <dgm:txFillClrLst/>
+    <dgm:txEffectClrLst/>
+  </dgm:styleLbl>
+  <dgm:styleLbl name="node2">
+    <dgm:fillClrLst>
+      <a:schemeClr val="accent2"/>
+    </dgm:fillClrLst>
+    <dgm:linClrLst meth="repeat">
+      <a:schemeClr val="lt1"/>
+    </dgm:linClrLst>
+    <dgm:effectClrLst/>
+    <dgm:txLinClrLst/>
+    <dgm:txFillClrLst/>
+    <dgm:txEffectClrLst/>
+  </dgm:styleLbl>
+  <dgm:styleLbl name="node3">
+    <dgm:fillClrLst>
+      <a:schemeClr val="accent3"/>
+    </dgm:fillClrLst>
+    <dgm:linClrLst meth="repeat">
+      <a:schemeClr val="lt1"/>
+    </dgm:linClrLst>
+    <dgm:effectClrLst/>
+    <dgm:txLinClrLst/>
+    <dgm:txFillClrLst/>
+    <dgm:txEffectClrLst/>
+  </dgm:styleLbl>
+  <dgm:styleLbl name="node4">
+    <dgm:fillClrLst>
+      <a:schemeClr val="accent4"/>
+    </dgm:fillClrLst>
+    <dgm:linClrLst meth="repeat">
+      <a:schemeClr val="lt1"/>
+    </dgm:linClrLst>
+    <dgm:effectClrLst/>
+    <dgm:txLinClrLst/>
+    <dgm:txFillClrLst/>
+    <dgm:txEffectClrLst/>
+  </dgm:styleLbl>
+  <dgm:styleLbl name="fgImgPlace1">
+    <dgm:fillClrLst meth="repeat">
+      <a:schemeClr val="accent2">
+        <a:tint val="50000"/>
+      </a:schemeClr>
+      <a:schemeClr val="accent3">
+        <a:tint val="50000"/>
+      </a:schemeClr>
+      <a:schemeClr val="accent4">
+        <a:tint val="50000"/>
+      </a:schemeClr>
+      <a:schemeClr val="accent5">
+        <a:tint val="50000"/>
+      </a:schemeClr>
+      <a:schemeClr val="accent6">
+        <a:tint val="50000"/>
+      </a:schemeClr>
+    </dgm:fillClrLst>
+    <dgm:linClrLst meth="repeat">
+      <a:schemeClr val="lt1"/>
+    </dgm:linClrLst>
+    <dgm:effectClrLst/>
+    <dgm:txLinClrLst/>
+    <dgm:txFillClrLst meth="repeat">
+      <a:schemeClr val="lt1"/>
+    </dgm:txFillClrLst>
+    <dgm:txEffectClrLst/>
+  </dgm:styleLbl>
+  <dgm:styleLbl name="alignImgPlace1">
+    <dgm:fillClrLst>
+      <a:schemeClr val="accent1">
+        <a:tint val="50000"/>
+      </a:schemeClr>
+      <a:schemeClr val="accent2">
+        <a:tint val="20000"/>
+      </a:schemeClr>
+    </dgm:fillClrLst>
+    <dgm:linClrLst meth="repeat">
+      <a:schemeClr val="lt1"/>
+    </dgm:linClrLst>
+    <dgm:effectClrLst/>
+    <dgm:txLinClrLst/>
+    <dgm:txFillClrLst meth="repeat">
+      <a:schemeClr val="lt1"/>
+    </dgm:txFillClrLst>
+    <dgm:txEffectClrLst/>
+  </dgm:styleLbl>
+  <dgm:styleLbl name="bgImgPlace1">
+    <dgm:fillClrLst>
+      <a:schemeClr val="accent1">
+        <a:tint val="50000"/>
+      </a:schemeClr>
+      <a:schemeClr val="accent2">
+        <a:tint val="20000"/>
+      </a:schemeClr>
+    </dgm:fillClrLst>
+    <dgm:linClrLst meth="repeat">
+      <a:schemeClr val="lt1"/>
+    </dgm:linClrLst>
+    <dgm:effectClrLst/>
+    <dgm:txLinClrLst/>
+    <dgm:txFillClrLst meth="repeat">
+      <a:schemeClr val="lt1"/>
+    </dgm:txFillClrLst>
+    <dgm:txEffectClrLst/>
+  </dgm:styleLbl>
+  <dgm:styleLbl name="sibTrans2D1">
+    <dgm:fillClrLst meth="repeat">
+      <a:schemeClr val="accent2"/>
+      <a:schemeClr val="accent3"/>
+      <a:schemeClr val="accent4"/>
+      <a:schemeClr val="accent5"/>
+      <a:schemeClr val="accent6"/>
+    </dgm:fillClrLst>
+    <dgm:linClrLst meth="cycle">
+      <a:schemeClr val="lt1"/>
+    </dgm:linClrLst>
+    <dgm:effectClrLst/>
+    <dgm:txLinClrLst/>
+    <dgm:txFillClrLst/>
+    <dgm:txEffectClrLst/>
+  </dgm:styleLbl>
+  <dgm:styleLbl name="fgSibTrans2D1">
+    <dgm:fillClrLst meth="repeat">
+      <a:schemeClr val="accent2"/>
+      <a:schemeClr val="accent3"/>
+      <a:schemeClr val="accent4"/>
+      <a:schemeClr val="accent5"/>
+      <a:schemeClr val="accent6"/>
+    </dgm:fillClrLst>
+    <dgm:linClrLst meth="cycle">
+      <a:schemeClr val="lt1"/>
+    </dgm:linClrLst>
+    <dgm:effectClrLst/>
+    <dgm:txLinClrLst/>
+    <dgm:txFillClrLst meth="repeat">
+      <a:schemeClr val="lt1"/>
+    </dgm:txFillClrLst>
+    <dgm:txEffectClrLst/>
+  </dgm:styleLbl>
+  <dgm:styleLbl name="bgSibTrans2D1">
+    <dgm:fillClrLst meth="repeat">
+      <a:schemeClr val="accent2"/>
+      <a:schemeClr val="accent3"/>
+      <a:schemeClr val="accent4"/>
+      <a:schemeClr val="accent5"/>
+      <a:schemeClr val="accent6"/>
+    </dgm:fillClrLst>
+    <dgm:linClrLst meth="cycle">
+      <a:schemeClr val="lt1"/>
+    </dgm:linClrLst>
+    <dgm:effectClrLst/>
+    <dgm:txLinClrLst/>
+    <dgm:txFillClrLst meth="repeat">
+      <a:schemeClr val="lt1"/>
+    </dgm:txFillClrLst>
+    <dgm:txEffectClrLst/>
+  </dgm:styleLbl>
+  <dgm:styleLbl name="sibTrans1D1">
+    <dgm:fillClrLst meth="repeat">
+      <a:schemeClr val="accent2"/>
+      <a:schemeClr val="accent3"/>
+      <a:schemeClr val="accent4"/>
+      <a:schemeClr val="accent5"/>
+      <a:schemeClr val="accent6"/>
+    </dgm:fillClrLst>
+    <dgm:linClrLst meth="repeat">
+      <a:schemeClr val="accent2"/>
+      <a:schemeClr val="accent3"/>
+      <a:schemeClr val="accent4"/>
+      <a:schemeClr val="accent5"/>
+      <a:schemeClr val="accent6"/>
+    </dgm:linClrLst>
+    <dgm:effectClrLst/>
+    <dgm:txLinClrLst/>
+    <dgm:txFillClrLst meth="repeat">
+      <a:schemeClr val="tx1"/>
+    </dgm:txFillClrLst>
+    <dgm:txEffectClrLst/>
+  </dgm:styleLbl>
+  <dgm:styleLbl name="callout">
+    <dgm:fillClrLst meth="repeat">
+      <a:schemeClr val="accent2"/>
+    </dgm:fillClrLst>
+    <dgm:linClrLst meth="repeat">
+      <a:schemeClr val="accent2">
+        <a:tint val="50000"/>
+      </a:schemeClr>
+    </dgm:linClrLst>
+    <dgm:effectClrLst/>
+    <dgm:txLinClrLst/>
+    <dgm:txFillClrLst meth="repeat">
+      <a:schemeClr val="tx1"/>
+    </dgm:txFillClrLst>
+    <dgm:txEffectClrLst/>
+  </dgm:styleLbl>
+  <dgm:styleLbl name="asst0">
+    <dgm:fillClrLst meth="repeat">
+      <a:schemeClr val="accent1"/>
+    </dgm:fillClrLst>
+    <dgm:linClrLst meth="repeat">
+      <a:schemeClr val="lt1"/>
+    </dgm:linClrLst>
+    <dgm:effectClrLst/>
+    <dgm:txLinClrLst/>
+    <dgm:txFillClrLst/>
+    <dgm:txEffectClrLst/>
+  </dgm:styleLbl>
+  <dgm:styleLbl name="asst1">
+    <dgm:fillClrLst meth="repeat">
+      <a:schemeClr val="accent2"/>
+    </dgm:fillClrLst>
+    <dgm:linClrLst meth="repeat">
+      <a:schemeClr val="lt1"/>
+    </dgm:linClrLst>
+    <dgm:effectClrLst/>
+    <dgm:txLinClrLst/>
+    <dgm:txFillClrLst/>
+    <dgm:txEffectClrLst/>
+  </dgm:styleLbl>
+  <dgm:styleLbl name="asst2">
+    <dgm:fillClrLst>
+      <a:schemeClr val="accent3"/>
+    </dgm:fillClrLst>
+    <dgm:linClrLst meth="repeat">
+      <a:schemeClr val="lt1"/>
+    </dgm:linClrLst>
+    <dgm:effectClrLst/>
+    <dgm:txLinClrLst/>
+    <dgm:txFillClrLst/>
+    <dgm:txEffectClrLst/>
+  </dgm:styleLbl>
+  <dgm:styleLbl name="asst3">
+    <dgm:fillClrLst>
+      <a:schemeClr val="accent4"/>
+    </dgm:fillClrLst>
+    <dgm:linClrLst meth="repeat">
+      <a:schemeClr val="lt1"/>
+    </dgm:linClrLst>
+    <dgm:effectClrLst/>
+    <dgm:txLinClrLst/>
+    <dgm:txFillClrLst/>
+    <dgm:txEffectClrLst/>
+  </dgm:styleLbl>
+  <dgm:styleLbl name="asst4">
+    <dgm:fillClrLst>
+      <a:schemeClr val="accent5"/>
+    </dgm:fillClrLst>
+    <dgm:linClrLst meth="repeat">
+      <a:schemeClr val="lt1"/>
+    </dgm:linClrLst>
+    <dgm:effectClrLst/>
+    <dgm:txLinClrLst/>
+    <dgm:txFillClrLst/>
+    <dgm:txEffectClrLst/>
+  </dgm:styleLbl>
+  <dgm:styleLbl name="parChTrans2D1">
+    <dgm:fillClrLst meth="repeat">
+      <a:schemeClr val="accent2"/>
+    </dgm:fillClrLst>
+    <dgm:linClrLst meth="repeat">
+      <a:schemeClr val="lt1"/>
+    </dgm:linClrLst>
+    <dgm:effectClrLst/>
+    <dgm:txLinClrLst/>
+    <dgm:txFillClrLst meth="repeat">
+      <a:schemeClr val="lt1"/>
+    </dgm:txFillClrLst>
+    <dgm:txEffectClrLst/>
+  </dgm:styleLbl>
+  <dgm:styleLbl name="parChTrans2D2">
+    <dgm:fillClrLst meth="repeat">
+      <a:schemeClr val="accent3"/>
+    </dgm:fillClrLst>
+    <dgm:linClrLst meth="repeat">
+      <a:schemeClr val="lt1"/>
+    </dgm:linClrLst>
+    <dgm:effectClrLst/>
+    <dgm:txLinClrLst/>
+    <dgm:txFillClrLst/>
+    <dgm:txEffectClrLst/>
+  </dgm:styleLbl>
+  <dgm:styleLbl name="parChTrans2D3">
+    <dgm:fillClrLst meth="repeat">
+      <a:schemeClr val="accent4"/>
+    </dgm:fillClrLst>
+    <dgm:linClrLst meth="repeat">
+      <a:schemeClr val="lt1"/>
+    </dgm:linClrLst>
+    <dgm:effectClrLst/>
+    <dgm:txLinClrLst/>
+    <dgm:txFillClrLst/>
+    <dgm:txEffectClrLst/>
+  </dgm:styleLbl>
+  <dgm:styleLbl name="parChTrans2D4">
+    <dgm:fillClrLst meth="repeat">
+      <a:schemeClr val="accent5"/>
+    </dgm:fillClrLst>
+    <dgm:linClrLst meth="repeat">
+      <a:schemeClr val="lt1"/>
+    </dgm:linClrLst>
+    <dgm:effectClrLst/>
+    <dgm:txLinClrLst/>
+    <dgm:txFillClrLst meth="repeat">
+      <a:schemeClr val="lt1"/>
+    </dgm:txFillClrLst>
+    <dgm:txEffectClrLst/>
+  </dgm:styleLbl>
+  <dgm:styleLbl name="parChTrans1D1">
+    <dgm:fillClrLst meth="repeat">
+      <a:schemeClr val="accent2"/>
+    </dgm:fillClrLst>
+    <dgm:linClrLst meth="repeat">
+      <a:schemeClr val="accent1"/>
+    </dgm:linClrLst>
+    <dgm:effectClrLst/>
+    <dgm:txLinClrLst/>
+    <dgm:txFillClrLst meth="repeat">
+      <a:schemeClr val="tx1"/>
+    </dgm:txFillClrLst>
+    <dgm:txEffectClrLst/>
+  </dgm:styleLbl>
+  <dgm:styleLbl name="parChTrans1D2">
+    <dgm:fillClrLst meth="repeat">
+      <a:schemeClr val="accent3">
+        <a:tint val="90000"/>
+      </a:schemeClr>
+    </dgm:fillClrLst>
+    <dgm:linClrLst meth="repeat">
+      <a:schemeClr val="accent2"/>
+    </dgm:linClrLst>
+    <dgm:effectClrLst/>
+    <dgm:txLinClrLst/>
+    <dgm:txFillClrLst meth="repeat">
+      <a:schemeClr val="tx1"/>
+    </dgm:txFillClrLst>
+    <dgm:txEffectClrLst/>
+  </dgm:styleLbl>
+  <dgm:styleLbl name="parChTrans1D3">
+    <dgm:fillClrLst meth="repeat">
+      <a:schemeClr val="accent4">
+        <a:tint val="70000"/>
+      </a:schemeClr>
+    </dgm:fillClrLst>
+    <dgm:linClrLst meth="repeat">
+      <a:schemeClr val="accent3"/>
+    </dgm:linClrLst>
+    <dgm:effectClrLst/>
+    <dgm:txLinClrLst/>
+    <dgm:txFillClrLst meth="repeat">
+      <a:schemeClr val="tx1"/>
+    </dgm:txFillClrLst>
+    <dgm:txEffectClrLst/>
+  </dgm:styleLbl>
+  <dgm:styleLbl name="parChTrans1D4">
+    <dgm:fillClrLst meth="repeat">
+      <a:schemeClr val="accent5">
+        <a:tint val="50000"/>
+      </a:schemeClr>
+    </dgm:fillClrLst>
+    <dgm:linClrLst meth="repeat">
+      <a:schemeClr val="accent4"/>
+    </dgm:linClrLst>
+    <dgm:effectClrLst/>
+    <dgm:txLinClrLst/>
+    <dgm:txFillClrLst meth="repeat">
+      <a:schemeClr val="tx1"/>
+    </dgm:txFillClrLst>
+    <dgm:txEffectClrLst/>
+  </dgm:styleLbl>
+  <dgm:styleLbl name="fgAcc1">
+    <dgm:fillClrLst meth="repeat">
+      <a:schemeClr val="lt1">
+        <a:alpha val="90000"/>
+      </a:schemeClr>
+    </dgm:fillClrLst>
+    <dgm:linClrLst meth="repeat">
+      <a:schemeClr val="accent2"/>
+      <a:schemeClr val="accent3"/>
+      <a:schemeClr val="accent4"/>
+      <a:schemeClr val="accent5"/>
+      <a:schemeClr val="accent6"/>
+    </dgm:linClrLst>
+    <dgm:effectClrLst/>
+    <dgm:txLinClrLst/>
+    <dgm:txFillClrLst meth="repeat">
+      <a:schemeClr val="dk1"/>
+    </dgm:txFillClrLst>
+    <dgm:txEffectClrLst/>
+  </dgm:styleLbl>
+  <dgm:styleLbl name="conFgAcc1">
+    <dgm:fillClrLst meth="repeat">
+      <a:schemeClr val="lt1">
+        <a:alpha val="90000"/>
+      </a:schemeClr>
+    </dgm:fillClrLst>
+    <dgm:linClrLst meth="repeat">
+      <a:schemeClr val="accent2"/>
+      <a:schemeClr val="accent3"/>
+      <a:schemeClr val="accent4"/>
+      <a:schemeClr val="accent5"/>
+      <a:schemeClr val="accent6"/>
+    </dgm:linClrLst>
+    <dgm:effectClrLst/>
+    <dgm:txLinClrLst/>
+    <dgm:txFillClrLst meth="repeat">
+      <a:schemeClr val="dk1"/>
+    </dgm:txFillClrLst>
+    <dgm:txEffectClrLst/>
+  </dgm:styleLbl>
+  <dgm:styleLbl name="alignAcc1">
+    <dgm:fillClrLst meth="repeat">
+      <a:schemeClr val="lt1">
+        <a:alpha val="90000"/>
+      </a:schemeClr>
+    </dgm:fillClrLst>
+    <dgm:linClrLst meth="repeat">
+      <a:schemeClr val="accent2"/>
+      <a:schemeClr val="accent3"/>
+      <a:schemeClr val="accent4"/>
+      <a:schemeClr val="accent5"/>
+      <a:schemeClr val="accent6"/>
+    </dgm:linClrLst>
+    <dgm:effectClrLst/>
+    <dgm:txLinClrLst/>
+    <dgm:txFillClrLst meth="repeat">
+      <a:schemeClr val="dk1"/>
+    </dgm:txFillClrLst>
+    <dgm:txEffectClrLst/>
+  </dgm:styleLbl>
+  <dgm:styleLbl name="trAlignAcc1">
+    <dgm:fillClrLst meth="repeat">
+      <a:schemeClr val="lt1">
+        <a:alpha val="40000"/>
+      </a:schemeClr>
+    </dgm:fillClrLst>
+    <dgm:linClrLst meth="repeat">
+      <a:schemeClr val="accent1"/>
+    </dgm:linClrLst>
+    <dgm:effectClrLst/>
+    <dgm:txLinClrLst/>
+    <dgm:txFillClrLst meth="repeat">
+      <a:schemeClr val="dk1"/>
+    </dgm:txFillClrLst>
+    <dgm:txEffectClrLst/>
+  </dgm:styleLbl>
+  <dgm:styleLbl name="bgAcc1">
+    <dgm:fillClrLst meth="repeat">
+      <a:schemeClr val="lt1">
+        <a:alpha val="90000"/>
+      </a:schemeClr>
+    </dgm:fillClrLst>
+    <dgm:linClrLst meth="repeat">
+      <a:schemeClr val="accent2"/>
+      <a:schemeClr val="accent3"/>
+      <a:schemeClr val="accent4"/>
+      <a:schemeClr val="accent5"/>
+      <a:schemeClr val="accent6"/>
+    </dgm:linClrLst>
+    <dgm:effectClrLst/>
+    <dgm:txLinClrLst/>
+    <dgm:txFillClrLst meth="repeat">
+      <a:schemeClr val="dk1"/>
+    </dgm:txFillClrLst>
+    <dgm:txEffectClrLst/>
+  </dgm:styleLbl>
+  <dgm:styleLbl name="solidFgAcc1">
+    <dgm:fillClrLst meth="repeat">
+      <a:schemeClr val="lt1"/>
+    </dgm:fillClrLst>
+    <dgm:linClrLst meth="repeat">
+      <a:schemeClr val="accent2"/>
+      <a:schemeClr val="accent3"/>
+      <a:schemeClr val="accent4"/>
+      <a:schemeClr val="accent5"/>
+      <a:schemeClr val="accent6"/>
+    </dgm:linClrLst>
+    <dgm:effectClrLst/>
+    <dgm:txLinClrLst/>
+    <dgm:txFillClrLst meth="repeat">
+      <a:schemeClr val="dk1"/>
+    </dgm:txFillClrLst>
+    <dgm:txEffectClrLst/>
+  </dgm:styleLbl>
+  <dgm:styleLbl name="solidAlignAcc1">
+    <dgm:fillClrLst meth="repeat">
+      <a:schemeClr val="lt1"/>
+    </dgm:fillClrLst>
+    <dgm:linClrLst meth="repeat">
+      <a:schemeClr val="accent2"/>
+      <a:schemeClr val="accent3"/>
+      <a:schemeClr val="accent4"/>
+      <a:schemeClr val="accent5"/>
+      <a:schemeClr val="accent6"/>
+    </dgm:linClrLst>
+    <dgm:effectClrLst/>
+    <dgm:txLinClrLst/>
+    <dgm:txFillClrLst meth="repeat">
+      <a:schemeClr val="dk1"/>
+    </dgm:txFillClrLst>
+    <dgm:txEffectClrLst/>
+  </dgm:styleLbl>
+  <dgm:styleLbl name="solidBgAcc1">
+    <dgm:fillClrLst meth="repeat">
+      <a:schemeClr val="lt1"/>
+    </dgm:fillClrLst>
+    <dgm:linClrLst meth="repeat">
+      <a:schemeClr val="accent2"/>
+      <a:schemeClr val="accent3"/>
+      <a:schemeClr val="accent4"/>
+      <a:schemeClr val="accent5"/>
+      <a:schemeClr val="accent6"/>
+    </dgm:linClrLst>
+    <dgm:effectClrLst/>
+    <dgm:txLinClrLst/>
+    <dgm:txFillClrLst meth="repeat">
+      <a:schemeClr val="dk1"/>
+    </dgm:txFillClrLst>
+    <dgm:txEffectClrLst/>
+  </dgm:styleLbl>
+  <dgm:styleLbl name="fgAccFollowNode1">
+    <dgm:fillClrLst meth="repeat">
+      <a:schemeClr val="accent2">
+        <a:tint val="40000"/>
+        <a:alpha val="90000"/>
+      </a:schemeClr>
+      <a:schemeClr val="accent3">
+        <a:tint val="40000"/>
+        <a:alpha val="90000"/>
+      </a:schemeClr>
+      <a:schemeClr val="accent4">
+        <a:tint val="40000"/>
+        <a:alpha val="90000"/>
+      </a:schemeClr>
+      <a:schemeClr val="accent5">
+        <a:tint val="40000"/>
+        <a:alpha val="90000"/>
+      </a:schemeClr>
+      <a:schemeClr val="accent6">
+        <a:tint val="40000"/>
+        <a:alpha val="90000"/>
+      </a:schemeClr>
+    </dgm:fillClrLst>
+    <dgm:linClrLst meth="repeat">
+      <a:schemeClr val="accent2">
+        <a:tint val="40000"/>
+        <a:alpha val="90000"/>
+      </a:schemeClr>
+      <a:schemeClr val="accent3">
+        <a:tint val="40000"/>
+        <a:alpha val="90000"/>
+      </a:schemeClr>
+      <a:schemeClr val="accent4">
+        <a:tint val="40000"/>
+        <a:alpha val="90000"/>
+      </a:schemeClr>
+      <a:schemeClr val="accent5">
+        <a:tint val="40000"/>
+        <a:alpha val="90000"/>
+      </a:schemeClr>
+      <a:schemeClr val="accent6">
+        <a:tint val="40000"/>
+        <a:alpha val="90000"/>
+      </a:schemeClr>
+    </dgm:linClrLst>
+    <dgm:effectClrLst/>
+    <dgm:txLinClrLst/>
+    <dgm:txFillClrLst meth="repeat">
+      <a:schemeClr val="dk1"/>
+    </dgm:txFillClrLst>
+    <dgm:txEffectClrLst/>
+  </dgm:styleLbl>
+  <dgm:styleLbl name="alignAccFollowNode1">
+    <dgm:fillClrLst meth="repeat">
+      <a:schemeClr val="accent2">
+        <a:tint val="40000"/>
+        <a:alpha val="90000"/>
+      </a:schemeClr>
+      <a:schemeClr val="accent3">
+        <a:tint val="40000"/>
+        <a:alpha val="90000"/>
+      </a:schemeClr>
+      <a:schemeClr val="accent4">
+        <a:tint val="40000"/>
+        <a:alpha val="90000"/>
+      </a:schemeClr>
+      <a:schemeClr val="accent5">
+        <a:tint val="40000"/>
+        <a:alpha val="90000"/>
+      </a:schemeClr>
+      <a:schemeClr val="accent6">
+        <a:tint val="40000"/>
+        <a:alpha val="90000"/>
+      </a:schemeClr>
+    </dgm:fillClrLst>
+    <dgm:linClrLst meth="repeat">
+      <a:schemeClr val="accent2">
+        <a:tint val="40000"/>
+        <a:alpha val="90000"/>
+      </a:schemeClr>
+      <a:schemeClr val="accent3">
+        <a:tint val="40000"/>
+        <a:alpha val="90000"/>
+      </a:schemeClr>
+      <a:schemeClr val="accent4">
+        <a:tint val="40000"/>
+        <a:alpha val="90000"/>
+      </a:schemeClr>
+      <a:schemeClr val="accent5">
+        <a:tint val="40000"/>
+        <a:alpha val="90000"/>
+      </a:schemeClr>
+      <a:schemeClr val="accent6">
+        <a:tint val="40000"/>
+        <a:alpha val="90000"/>
+      </a:schemeClr>
+    </dgm:linClrLst>
+    <dgm:effectClrLst/>
+    <dgm:txLinClrLst/>
+    <dgm:txFillClrLst meth="repeat">
+      <a:schemeClr val="dk1"/>
+    </dgm:txFillClrLst>
+    <dgm:txEffectClrLst/>
+  </dgm:styleLbl>
+  <dgm:styleLbl name="bgAccFollowNode1">
+    <dgm:fillClrLst meth="repeat">
+      <a:schemeClr val="accent2">
+        <a:tint val="40000"/>
+        <a:alpha val="90000"/>
+      </a:schemeClr>
+      <a:schemeClr val="accent3">
+        <a:tint val="40000"/>
+        <a:alpha val="90000"/>
+      </a:schemeClr>
+      <a:schemeClr val="accent4">
+        <a:tint val="40000"/>
+        <a:alpha val="90000"/>
+      </a:schemeClr>
+      <a:schemeClr val="accent5">
+        <a:tint val="40000"/>
+        <a:alpha val="90000"/>
+      </a:schemeClr>
+      <a:schemeClr val="accent6">
+        <a:tint val="40000"/>
+        <a:alpha val="90000"/>
+      </a:schemeClr>
+    </dgm:fillClrLst>
+    <dgm:linClrLst meth="repeat">
+      <a:schemeClr val="accent2">
+        <a:tint val="40000"/>
+        <a:alpha val="90000"/>
+      </a:schemeClr>
+      <a:schemeClr val="accent3">
+        <a:tint val="40000"/>
+        <a:alpha val="90000"/>
+      </a:schemeClr>
+      <a:schemeClr val="accent4">
+        <a:tint val="40000"/>
+        <a:alpha val="90000"/>
+      </a:schemeClr>
+      <a:schemeClr val="accent5">
+        <a:tint val="40000"/>
+        <a:alpha val="90000"/>
+      </a:schemeClr>
+      <a:schemeClr val="accent6">
+        <a:tint val="40000"/>
+        <a:alpha val="90000"/>
+      </a:schemeClr>
+    </dgm:linClrLst>
+    <dgm:effectClrLst/>
+    <dgm:txLinClrLst/>
+    <dgm:txFillClrLst meth="repeat">
+      <a:schemeClr val="dk1"/>
+    </dgm:txFillClrLst>
+    <dgm:txEffectClrLst/>
+  </dgm:styleLbl>
+  <dgm:styleLbl name="fgAcc0">
+    <dgm:fillClrLst meth="repeat">
+      <a:schemeClr val="lt1">
+        <a:alpha val="90000"/>
+      </a:schemeClr>
+    </dgm:fillClrLst>
+    <dgm:linClrLst>
+      <a:schemeClr val="accent1"/>
+    </dgm:linClrLst>
+    <dgm:effectClrLst/>
+    <dgm:txLinClrLst/>
+    <dgm:txFillClrLst meth="repeat">
+      <a:schemeClr val="dk1"/>
+    </dgm:txFillClrLst>
+    <dgm:txEffectClrLst/>
+  </dgm:styleLbl>
+  <dgm:styleLbl name="fgAcc2">
+    <dgm:fillClrLst meth="repeat">
+      <a:schemeClr val="lt1">
+        <a:alpha val="90000"/>
+      </a:schemeClr>
+    </dgm:fillClrLst>
+    <dgm:linClrLst>
+      <a:schemeClr val="accent2"/>
+    </dgm:linClrLst>
+    <dgm:effectClrLst/>
+    <dgm:txLinClrLst/>
+    <dgm:txFillClrLst meth="repeat">
+      <a:schemeClr val="dk1"/>
+    </dgm:txFillClrLst>
+    <dgm:txEffectClrLst/>
+  </dgm:styleLbl>
+  <dgm:styleLbl name="fgAcc3">
+    <dgm:fillClrLst meth="repeat">
+      <a:schemeClr val="lt1">
+        <a:alpha val="90000"/>
+      </a:schemeClr>
+    </dgm:fillClrLst>
+    <dgm:linClrLst>
+      <a:schemeClr val="accent3"/>
+    </dgm:linClrLst>
+    <dgm:effectClrLst/>
+    <dgm:txLinClrLst/>
+    <dgm:txFillClrLst meth="repeat">
+      <a:schemeClr val="dk1"/>
+    </dgm:txFillClrLst>
+    <dgm:txEffectClrLst/>
+  </dgm:styleLbl>
+  <dgm:styleLbl name="fgAcc4">
+    <dgm:fillClrLst meth="repeat">
+      <a:schemeClr val="lt1">
+        <a:alpha val="90000"/>
+      </a:schemeClr>
+    </dgm:fillClrLst>
+    <dgm:linClrLst>
+      <a:schemeClr val="accent4"/>
+    </dgm:linClrLst>
+    <dgm:effectClrLst/>
+    <dgm:txLinClrLst/>
+    <dgm:txFillClrLst meth="repeat">
+      <a:schemeClr val="dk1"/>
+    </dgm:txFillClrLst>
+    <dgm:txEffectClrLst/>
+  </dgm:styleLbl>
+  <dgm:styleLbl name="bgShp">
+    <dgm:fillClrLst meth="repeat">
+      <a:schemeClr val="accent2"/>
+      <a:schemeClr val="accent3"/>
+      <a:schemeClr val="accent4"/>
+      <a:schemeClr val="accent5"/>
+      <a:schemeClr val="accent6"/>
+    </dgm:fillClrLst>
+    <dgm:linClrLst meth="repeat">
+      <a:schemeClr val="lt1">
+        <a:alpha val="0"/>
+      </a:schemeClr>
+    </dgm:linClrLst>
+    <dgm:effectClrLst/>
+    <dgm:txLinClrLst/>
+    <dgm:txFillClrLst/>
+    <dgm:txEffectClrLst/>
+  </dgm:styleLbl>
+  <dgm:styleLbl name="dkBgShp">
+    <dgm:fillClrLst meth="repeat">
+      <a:schemeClr val="accent2">
+        <a:shade val="90000"/>
+      </a:schemeClr>
+    </dgm:fillClrLst>
+    <dgm:linClrLst meth="repeat">
+      <a:schemeClr val="dk1"/>
+    </dgm:linClrLst>
+    <dgm:effectClrLst/>
+    <dgm:txLinClrLst/>
+    <dgm:txFillClrLst meth="repeat">
+      <a:schemeClr val="lt1"/>
+    </dgm:txFillClrLst>
+    <dgm:txEffectClrLst/>
+  </dgm:styleLbl>
+  <dgm:styleLbl name="trBgShp">
+    <dgm:fillClrLst meth="repeat">
+      <a:schemeClr val="accent1">
+        <a:tint val="50000"/>
+        <a:alpha val="40000"/>
+      </a:schemeClr>
+    </dgm:fillClrLst>
+    <dgm:linClrLst meth="repeat">
+      <a:schemeClr val="accent2"/>
+    </dgm:linClrLst>
+    <dgm:effectClrLst/>
+    <dgm:txLinClrLst/>
+    <dgm:txFillClrLst meth="repeat">
+      <a:schemeClr val="lt1"/>
+    </dgm:txFillClrLst>
+    <dgm:txEffectClrLst/>
+  </dgm:styleLbl>
+  <dgm:styleLbl name="fgShp">
+    <dgm:fillClrLst meth="repeat">
+      <a:schemeClr val="accent2">
+        <a:tint val="40000"/>
+      </a:schemeClr>
+    </dgm:fillClrLst>
+    <dgm:linClrLst meth="repeat">
+      <a:schemeClr val="lt1"/>
+    </dgm:linClrLst>
+    <dgm:effectClrLst/>
+    <dgm:txLinClrLst/>
+    <dgm:txFillClrLst meth="repeat">
+      <a:schemeClr val="dk1"/>
+    </dgm:txFillClrLst>
+    <dgm:txEffectClrLst/>
+  </dgm:styleLbl>
+  <dgm:styleLbl name="revTx">
+    <dgm:fillClrLst meth="repeat">
+      <a:schemeClr val="lt1">
+        <a:alpha val="0"/>
+      </a:schemeClr>
+    </dgm:fillClrLst>
+    <dgm:linClrLst meth="repeat">
+      <a:schemeClr val="dk1">
+        <a:alpha val="0"/>
+      </a:schemeClr>
+    </dgm:linClrLst>
+    <dgm:effectClrLst/>
+    <dgm:txLinClrLst/>
+    <dgm:txFillClrLst meth="repeat">
+      <a:schemeClr val="tx1"/>
+    </dgm:txFillClrLst>
+    <dgm:txEffectClrLst/>
+  </dgm:styleLbl>
+</dgm:colorsDef>
+</file>
+
+<file path=ppt/diagrams/colors3.xml><?xml version="1.0" encoding="utf-8"?>
 <dgm:colorsDef xmlns:dgm="http://schemas.openxmlformats.org/drawingml/2006/diagram" xmlns:a="http://schemas.openxmlformats.org/drawingml/2006/main" uniqueId="urn:microsoft.com/office/officeart/2005/8/colors/colorful2">
   <dgm:title val=""/>
   <dgm:desc val=""/>
@@ -1839,6 +2753,522 @@
 </file>
 
 <file path=ppt/diagrams/data1.xml><?xml version="1.0" encoding="utf-8"?>
+<dgm:dataModel xmlns:dgm="http://schemas.openxmlformats.org/drawingml/2006/diagram" xmlns:a="http://schemas.openxmlformats.org/drawingml/2006/main">
+  <dgm:ptLst>
+    <dgm:pt modelId="{30D8B766-BC8D-4145-BBEA-ACCC91AE6093}" type="doc">
+      <dgm:prSet loTypeId="urn:microsoft.com/office/officeart/2018/2/layout/IconVerticalSolidList" loCatId="icon" qsTypeId="urn:microsoft.com/office/officeart/2005/8/quickstyle/simple1" qsCatId="simple" csTypeId="urn:microsoft.com/office/officeart/2018/5/colors/Iconchunking_neutralbg_colorful1" csCatId="colorful" phldr="1"/>
+      <dgm:spPr/>
+      <dgm:t>
+        <a:bodyPr/>
+        <a:lstStyle/>
+        <a:p>
+          <a:endParaRPr lang="en-US"/>
+        </a:p>
+      </dgm:t>
+    </dgm:pt>
+    <dgm:pt modelId="{86239E10-2870-4B94-B156-6F9FA2275FB1}">
+      <dgm:prSet/>
+      <dgm:spPr/>
+      <dgm:t>
+        <a:bodyPr/>
+        <a:lstStyle/>
+        <a:p>
+          <a:r>
+            <a:rPr lang="en-US"/>
+            <a:t>Summary of insights</a:t>
+          </a:r>
+        </a:p>
+      </dgm:t>
+    </dgm:pt>
+    <dgm:pt modelId="{998D8F94-D0AB-4096-B100-CB78B9EA34B3}" type="parTrans" cxnId="{82D89326-EEB8-478A-A06A-0EC79DE93774}">
+      <dgm:prSet/>
+      <dgm:spPr/>
+      <dgm:t>
+        <a:bodyPr/>
+        <a:lstStyle/>
+        <a:p>
+          <a:endParaRPr lang="en-US"/>
+        </a:p>
+      </dgm:t>
+    </dgm:pt>
+    <dgm:pt modelId="{8DE86BD7-F106-4E79-BD76-612D6DBD6E59}" type="sibTrans" cxnId="{82D89326-EEB8-478A-A06A-0EC79DE93774}">
+      <dgm:prSet/>
+      <dgm:spPr/>
+      <dgm:t>
+        <a:bodyPr/>
+        <a:lstStyle/>
+        <a:p>
+          <a:endParaRPr lang="en-US"/>
+        </a:p>
+      </dgm:t>
+    </dgm:pt>
+    <dgm:pt modelId="{0EEB5826-8D5D-49EB-BB45-01ECD7141E0A}">
+      <dgm:prSet/>
+      <dgm:spPr/>
+      <dgm:t>
+        <a:bodyPr/>
+        <a:lstStyle/>
+        <a:p>
+          <a:r>
+            <a:rPr lang="en-US"/>
+            <a:t>Note on hypothesis testing</a:t>
+          </a:r>
+        </a:p>
+      </dgm:t>
+    </dgm:pt>
+    <dgm:pt modelId="{D53ABE0F-7B53-4DCA-B1A0-000FCB70FEE9}" type="parTrans" cxnId="{8D97E7B0-63BE-4B28-B731-8D6E6E2861D9}">
+      <dgm:prSet/>
+      <dgm:spPr/>
+      <dgm:t>
+        <a:bodyPr/>
+        <a:lstStyle/>
+        <a:p>
+          <a:endParaRPr lang="en-US"/>
+        </a:p>
+      </dgm:t>
+    </dgm:pt>
+    <dgm:pt modelId="{6912FBBE-B908-4E89-93E5-1745C3326035}" type="sibTrans" cxnId="{8D97E7B0-63BE-4B28-B731-8D6E6E2861D9}">
+      <dgm:prSet/>
+      <dgm:spPr/>
+      <dgm:t>
+        <a:bodyPr/>
+        <a:lstStyle/>
+        <a:p>
+          <a:endParaRPr lang="en-US"/>
+        </a:p>
+      </dgm:t>
+    </dgm:pt>
+    <dgm:pt modelId="{2188C7CC-0169-421F-AD55-FC70CC292A4F}">
+      <dgm:prSet/>
+      <dgm:spPr/>
+      <dgm:t>
+        <a:bodyPr/>
+        <a:lstStyle/>
+        <a:p>
+          <a:r>
+            <a:rPr lang="en-US"/>
+            <a:t>More in-depth exploration</a:t>
+          </a:r>
+        </a:p>
+      </dgm:t>
+    </dgm:pt>
+    <dgm:pt modelId="{6FC39A00-1429-49E4-ACF3-F77088F85126}" type="parTrans" cxnId="{6CC33C97-A37F-45C4-B152-A7A6E841B6C9}">
+      <dgm:prSet/>
+      <dgm:spPr/>
+      <dgm:t>
+        <a:bodyPr/>
+        <a:lstStyle/>
+        <a:p>
+          <a:endParaRPr lang="en-US"/>
+        </a:p>
+      </dgm:t>
+    </dgm:pt>
+    <dgm:pt modelId="{BCE68A13-34D1-4820-9718-0211EC0AB237}" type="sibTrans" cxnId="{6CC33C97-A37F-45C4-B152-A7A6E841B6C9}">
+      <dgm:prSet/>
+      <dgm:spPr/>
+      <dgm:t>
+        <a:bodyPr/>
+        <a:lstStyle/>
+        <a:p>
+          <a:endParaRPr lang="en-US"/>
+        </a:p>
+      </dgm:t>
+    </dgm:pt>
+    <dgm:pt modelId="{8D71DBBE-F7A4-413B-BA47-A621C7F58B5F}">
+      <dgm:prSet/>
+      <dgm:spPr/>
+      <dgm:t>
+        <a:bodyPr/>
+        <a:lstStyle/>
+        <a:p>
+          <a:r>
+            <a:rPr lang="en-US"/>
+            <a:t>Business recommendations</a:t>
+          </a:r>
+        </a:p>
+      </dgm:t>
+    </dgm:pt>
+    <dgm:pt modelId="{83F4644D-EDDB-44AD-AEE8-FEFB979FD848}" type="parTrans" cxnId="{4A098326-7A6E-4EB7-B03A-E63AF196F8A7}">
+      <dgm:prSet/>
+      <dgm:spPr/>
+      <dgm:t>
+        <a:bodyPr/>
+        <a:lstStyle/>
+        <a:p>
+          <a:endParaRPr lang="en-US"/>
+        </a:p>
+      </dgm:t>
+    </dgm:pt>
+    <dgm:pt modelId="{D670A28D-F6FF-44B5-8047-149831ABE6D1}" type="sibTrans" cxnId="{4A098326-7A6E-4EB7-B03A-E63AF196F8A7}">
+      <dgm:prSet/>
+      <dgm:spPr/>
+      <dgm:t>
+        <a:bodyPr/>
+        <a:lstStyle/>
+        <a:p>
+          <a:endParaRPr lang="en-US"/>
+        </a:p>
+      </dgm:t>
+    </dgm:pt>
+    <dgm:pt modelId="{A3B430C9-C865-485F-9061-28E89F4D84AA}">
+      <dgm:prSet/>
+      <dgm:spPr/>
+      <dgm:t>
+        <a:bodyPr/>
+        <a:lstStyle/>
+        <a:p>
+          <a:r>
+            <a:rPr lang="en-US"/>
+            <a:t>Further analysis</a:t>
+          </a:r>
+        </a:p>
+      </dgm:t>
+    </dgm:pt>
+    <dgm:pt modelId="{4A6C37BD-DFCB-4DBF-BED5-357318F25514}" type="parTrans" cxnId="{0113D296-245D-4237-8611-F6AA419D69C1}">
+      <dgm:prSet/>
+      <dgm:spPr/>
+      <dgm:t>
+        <a:bodyPr/>
+        <a:lstStyle/>
+        <a:p>
+          <a:endParaRPr lang="en-US"/>
+        </a:p>
+      </dgm:t>
+    </dgm:pt>
+    <dgm:pt modelId="{80356ADD-E579-41F6-A600-02D1CD20C047}" type="sibTrans" cxnId="{0113D296-245D-4237-8611-F6AA419D69C1}">
+      <dgm:prSet/>
+      <dgm:spPr/>
+      <dgm:t>
+        <a:bodyPr/>
+        <a:lstStyle/>
+        <a:p>
+          <a:endParaRPr lang="en-US"/>
+        </a:p>
+      </dgm:t>
+    </dgm:pt>
+    <dgm:pt modelId="{5F482B44-1435-4C16-AD66-F75E203CD060}" type="pres">
+      <dgm:prSet presAssocID="{30D8B766-BC8D-4145-BBEA-ACCC91AE6093}" presName="root" presStyleCnt="0">
+        <dgm:presLayoutVars>
+          <dgm:dir/>
+          <dgm:resizeHandles val="exact"/>
+        </dgm:presLayoutVars>
+      </dgm:prSet>
+      <dgm:spPr/>
+    </dgm:pt>
+    <dgm:pt modelId="{247BFB8F-1B44-45D0-975E-F7FD0D321048}" type="pres">
+      <dgm:prSet presAssocID="{86239E10-2870-4B94-B156-6F9FA2275FB1}" presName="compNode" presStyleCnt="0"/>
+      <dgm:spPr/>
+    </dgm:pt>
+    <dgm:pt modelId="{9D996388-3385-4AF6-8AEC-C4912C8964E0}" type="pres">
+      <dgm:prSet presAssocID="{86239E10-2870-4B94-B156-6F9FA2275FB1}" presName="bgRect" presStyleLbl="bgShp" presStyleIdx="0" presStyleCnt="5"/>
+      <dgm:spPr/>
+    </dgm:pt>
+    <dgm:pt modelId="{B5081207-56A2-4CC3-8B5F-FA1FED4B5649}" type="pres">
+      <dgm:prSet presAssocID="{86239E10-2870-4B94-B156-6F9FA2275FB1}" presName="iconRect" presStyleLbl="node1" presStyleIdx="0" presStyleCnt="5"/>
+      <dgm:spPr>
+        <a:blipFill>
+          <a:blip xmlns:r="http://schemas.openxmlformats.org/officeDocument/2006/relationships" r:embed="rId1">
+            <a:extLst>
+              <a:ext uri="{28A0092B-C50C-407E-A947-70E740481C1C}">
+                <a14:useLocalDpi xmlns:a14="http://schemas.microsoft.com/office/drawing/2010/main" val="0"/>
+              </a:ext>
+              <a:ext uri="{96DAC541-7B7A-43D3-8B79-37D633B846F1}">
+                <asvg:svgBlip xmlns:asvg="http://schemas.microsoft.com/office/drawing/2016/SVG/main" r:embed="rId2"/>
+              </a:ext>
+            </a:extLst>
+          </a:blip>
+          <a:stretch>
+            <a:fillRect/>
+          </a:stretch>
+        </a:blipFill>
+        <a:ln>
+          <a:noFill/>
+        </a:ln>
+      </dgm:spPr>
+      <dgm:extLst>
+        <a:ext uri="{E40237B7-FDA0-4F09-8148-C483321AD2D9}">
+          <dgm14:cNvPr xmlns:dgm14="http://schemas.microsoft.com/office/drawing/2010/diagram" id="0" name="" descr="Lightbulb"/>
+        </a:ext>
+      </dgm:extLst>
+    </dgm:pt>
+    <dgm:pt modelId="{24BA4D8A-ABF5-40A2-B027-1C789675AC7B}" type="pres">
+      <dgm:prSet presAssocID="{86239E10-2870-4B94-B156-6F9FA2275FB1}" presName="spaceRect" presStyleCnt="0"/>
+      <dgm:spPr/>
+    </dgm:pt>
+    <dgm:pt modelId="{11685EE5-372C-408E-A289-ABC3C64725C7}" type="pres">
+      <dgm:prSet presAssocID="{86239E10-2870-4B94-B156-6F9FA2275FB1}" presName="parTx" presStyleLbl="revTx" presStyleIdx="0" presStyleCnt="5">
+        <dgm:presLayoutVars>
+          <dgm:chMax val="0"/>
+          <dgm:chPref val="0"/>
+        </dgm:presLayoutVars>
+      </dgm:prSet>
+      <dgm:spPr/>
+    </dgm:pt>
+    <dgm:pt modelId="{B7B334B2-33E4-4F84-819D-2FDBD55D277C}" type="pres">
+      <dgm:prSet presAssocID="{8DE86BD7-F106-4E79-BD76-612D6DBD6E59}" presName="sibTrans" presStyleCnt="0"/>
+      <dgm:spPr/>
+    </dgm:pt>
+    <dgm:pt modelId="{0F3D5C6B-A566-433E-A9BF-309D54A24A17}" type="pres">
+      <dgm:prSet presAssocID="{0EEB5826-8D5D-49EB-BB45-01ECD7141E0A}" presName="compNode" presStyleCnt="0"/>
+      <dgm:spPr/>
+    </dgm:pt>
+    <dgm:pt modelId="{78DB5E75-4BD6-4A40-B6D2-4C0D4827FC80}" type="pres">
+      <dgm:prSet presAssocID="{0EEB5826-8D5D-49EB-BB45-01ECD7141E0A}" presName="bgRect" presStyleLbl="bgShp" presStyleIdx="1" presStyleCnt="5"/>
+      <dgm:spPr/>
+    </dgm:pt>
+    <dgm:pt modelId="{065AB200-1811-4204-83EF-6F3D734EA05A}" type="pres">
+      <dgm:prSet presAssocID="{0EEB5826-8D5D-49EB-BB45-01ECD7141E0A}" presName="iconRect" presStyleLbl="node1" presStyleIdx="1" presStyleCnt="5"/>
+      <dgm:spPr>
+        <a:blipFill>
+          <a:blip xmlns:r="http://schemas.openxmlformats.org/officeDocument/2006/relationships" r:embed="rId3">
+            <a:extLst>
+              <a:ext uri="{28A0092B-C50C-407E-A947-70E740481C1C}">
+                <a14:useLocalDpi xmlns:a14="http://schemas.microsoft.com/office/drawing/2010/main" val="0"/>
+              </a:ext>
+              <a:ext uri="{96DAC541-7B7A-43D3-8B79-37D633B846F1}">
+                <asvg:svgBlip xmlns:asvg="http://schemas.microsoft.com/office/drawing/2016/SVG/main" r:embed="rId4"/>
+              </a:ext>
+            </a:extLst>
+          </a:blip>
+          <a:srcRect/>
+          <a:stretch>
+            <a:fillRect/>
+          </a:stretch>
+        </a:blipFill>
+        <a:ln>
+          <a:noFill/>
+        </a:ln>
+      </dgm:spPr>
+      <dgm:extLst>
+        <a:ext uri="{E40237B7-FDA0-4F09-8148-C483321AD2D9}">
+          <dgm14:cNvPr xmlns:dgm14="http://schemas.microsoft.com/office/drawing/2010/diagram" id="0" name="" descr="Normal Distribution with solid fill"/>
+        </a:ext>
+      </dgm:extLst>
+    </dgm:pt>
+    <dgm:pt modelId="{F4933B56-C7AF-422A-9F1D-6A9A757C2449}" type="pres">
+      <dgm:prSet presAssocID="{0EEB5826-8D5D-49EB-BB45-01ECD7141E0A}" presName="spaceRect" presStyleCnt="0"/>
+      <dgm:spPr/>
+    </dgm:pt>
+    <dgm:pt modelId="{BBF5E5FB-26C1-4B3D-A28B-F8BF50D9BB08}" type="pres">
+      <dgm:prSet presAssocID="{0EEB5826-8D5D-49EB-BB45-01ECD7141E0A}" presName="parTx" presStyleLbl="revTx" presStyleIdx="1" presStyleCnt="5">
+        <dgm:presLayoutVars>
+          <dgm:chMax val="0"/>
+          <dgm:chPref val="0"/>
+        </dgm:presLayoutVars>
+      </dgm:prSet>
+      <dgm:spPr/>
+    </dgm:pt>
+    <dgm:pt modelId="{933A9439-A2E0-421C-9271-61418B3C44FB}" type="pres">
+      <dgm:prSet presAssocID="{6912FBBE-B908-4E89-93E5-1745C3326035}" presName="sibTrans" presStyleCnt="0"/>
+      <dgm:spPr/>
+    </dgm:pt>
+    <dgm:pt modelId="{ADBEB403-1444-4C39-BC3B-03D87786E93A}" type="pres">
+      <dgm:prSet presAssocID="{2188C7CC-0169-421F-AD55-FC70CC292A4F}" presName="compNode" presStyleCnt="0"/>
+      <dgm:spPr/>
+    </dgm:pt>
+    <dgm:pt modelId="{28DF5AD0-4DFB-4D8C-AF54-1E60C059C703}" type="pres">
+      <dgm:prSet presAssocID="{2188C7CC-0169-421F-AD55-FC70CC292A4F}" presName="bgRect" presStyleLbl="bgShp" presStyleIdx="2" presStyleCnt="5"/>
+      <dgm:spPr/>
+    </dgm:pt>
+    <dgm:pt modelId="{97AC2FF8-C491-443C-859A-84DA4FEC488F}" type="pres">
+      <dgm:prSet presAssocID="{2188C7CC-0169-421F-AD55-FC70CC292A4F}" presName="iconRect" presStyleLbl="node1" presStyleIdx="2" presStyleCnt="5"/>
+      <dgm:spPr>
+        <a:blipFill>
+          <a:blip xmlns:r="http://schemas.openxmlformats.org/officeDocument/2006/relationships" r:embed="rId5">
+            <a:extLst>
+              <a:ext uri="{96DAC541-7B7A-43D3-8B79-37D633B846F1}">
+                <asvg:svgBlip xmlns:asvg="http://schemas.microsoft.com/office/drawing/2016/SVG/main" r:embed="rId6"/>
+              </a:ext>
+            </a:extLst>
+          </a:blip>
+          <a:srcRect/>
+          <a:stretch>
+            <a:fillRect/>
+          </a:stretch>
+        </a:blipFill>
+        <a:ln>
+          <a:noFill/>
+        </a:ln>
+      </dgm:spPr>
+      <dgm:extLst>
+        <a:ext uri="{E40237B7-FDA0-4F09-8148-C483321AD2D9}">
+          <dgm14:cNvPr xmlns:dgm14="http://schemas.microsoft.com/office/drawing/2010/diagram" id="0" name="" descr="Astronaut male with solid fill"/>
+        </a:ext>
+      </dgm:extLst>
+    </dgm:pt>
+    <dgm:pt modelId="{41E787CF-AA43-4823-81DC-8BC477383FCB}" type="pres">
+      <dgm:prSet presAssocID="{2188C7CC-0169-421F-AD55-FC70CC292A4F}" presName="spaceRect" presStyleCnt="0"/>
+      <dgm:spPr/>
+    </dgm:pt>
+    <dgm:pt modelId="{5179AD35-6017-4414-912F-71E52A9B558D}" type="pres">
+      <dgm:prSet presAssocID="{2188C7CC-0169-421F-AD55-FC70CC292A4F}" presName="parTx" presStyleLbl="revTx" presStyleIdx="2" presStyleCnt="5">
+        <dgm:presLayoutVars>
+          <dgm:chMax val="0"/>
+          <dgm:chPref val="0"/>
+        </dgm:presLayoutVars>
+      </dgm:prSet>
+      <dgm:spPr/>
+    </dgm:pt>
+    <dgm:pt modelId="{07FCF0EE-4EC5-4DFD-A697-D483DCF959BE}" type="pres">
+      <dgm:prSet presAssocID="{BCE68A13-34D1-4820-9718-0211EC0AB237}" presName="sibTrans" presStyleCnt="0"/>
+      <dgm:spPr/>
+    </dgm:pt>
+    <dgm:pt modelId="{ADEE31DD-3F43-4A62-8899-3361B960089C}" type="pres">
+      <dgm:prSet presAssocID="{8D71DBBE-F7A4-413B-BA47-A621C7F58B5F}" presName="compNode" presStyleCnt="0"/>
+      <dgm:spPr/>
+    </dgm:pt>
+    <dgm:pt modelId="{2F015876-FF9C-4511-B027-DEEC3BD40286}" type="pres">
+      <dgm:prSet presAssocID="{8D71DBBE-F7A4-413B-BA47-A621C7F58B5F}" presName="bgRect" presStyleLbl="bgShp" presStyleIdx="3" presStyleCnt="5"/>
+      <dgm:spPr/>
+    </dgm:pt>
+    <dgm:pt modelId="{A90C21C4-3F91-42AA-B021-50E7538527DC}" type="pres">
+      <dgm:prSet presAssocID="{8D71DBBE-F7A4-413B-BA47-A621C7F58B5F}" presName="iconRect" presStyleLbl="node1" presStyleIdx="3" presStyleCnt="5"/>
+      <dgm:spPr>
+        <a:blipFill>
+          <a:blip xmlns:r="http://schemas.openxmlformats.org/officeDocument/2006/relationships" r:embed="rId7">
+            <a:extLst>
+              <a:ext uri="{28A0092B-C50C-407E-A947-70E740481C1C}">
+                <a14:useLocalDpi xmlns:a14="http://schemas.microsoft.com/office/drawing/2010/main" val="0"/>
+              </a:ext>
+              <a:ext uri="{96DAC541-7B7A-43D3-8B79-37D633B846F1}">
+                <asvg:svgBlip xmlns:asvg="http://schemas.microsoft.com/office/drawing/2016/SVG/main" r:embed="rId8"/>
+              </a:ext>
+            </a:extLst>
+          </a:blip>
+          <a:stretch>
+            <a:fillRect/>
+          </a:stretch>
+        </a:blipFill>
+        <a:ln>
+          <a:noFill/>
+        </a:ln>
+      </dgm:spPr>
+      <dgm:extLst>
+        <a:ext uri="{E40237B7-FDA0-4F09-8148-C483321AD2D9}">
+          <dgm14:cNvPr xmlns:dgm14="http://schemas.microsoft.com/office/drawing/2010/diagram" id="0" name="" descr="Handshake"/>
+        </a:ext>
+      </dgm:extLst>
+    </dgm:pt>
+    <dgm:pt modelId="{FA74DB93-7873-407B-8091-6094E879C77B}" type="pres">
+      <dgm:prSet presAssocID="{8D71DBBE-F7A4-413B-BA47-A621C7F58B5F}" presName="spaceRect" presStyleCnt="0"/>
+      <dgm:spPr/>
+    </dgm:pt>
+    <dgm:pt modelId="{A36CBB9A-9E90-43A4-A894-3EEAD5566B2F}" type="pres">
+      <dgm:prSet presAssocID="{8D71DBBE-F7A4-413B-BA47-A621C7F58B5F}" presName="parTx" presStyleLbl="revTx" presStyleIdx="3" presStyleCnt="5">
+        <dgm:presLayoutVars>
+          <dgm:chMax val="0"/>
+          <dgm:chPref val="0"/>
+        </dgm:presLayoutVars>
+      </dgm:prSet>
+      <dgm:spPr/>
+    </dgm:pt>
+    <dgm:pt modelId="{53988061-61FD-455C-A6BE-5F745AF02ACF}" type="pres">
+      <dgm:prSet presAssocID="{D670A28D-F6FF-44B5-8047-149831ABE6D1}" presName="sibTrans" presStyleCnt="0"/>
+      <dgm:spPr/>
+    </dgm:pt>
+    <dgm:pt modelId="{60539E35-77BB-4AD5-90FA-80976088AEAA}" type="pres">
+      <dgm:prSet presAssocID="{A3B430C9-C865-485F-9061-28E89F4D84AA}" presName="compNode" presStyleCnt="0"/>
+      <dgm:spPr/>
+    </dgm:pt>
+    <dgm:pt modelId="{EFD9F347-EA25-42CD-8BCD-EB852E723A24}" type="pres">
+      <dgm:prSet presAssocID="{A3B430C9-C865-485F-9061-28E89F4D84AA}" presName="bgRect" presStyleLbl="bgShp" presStyleIdx="4" presStyleCnt="5"/>
+      <dgm:spPr/>
+    </dgm:pt>
+    <dgm:pt modelId="{6545561C-8C4A-4CD5-87C1-5055FD3D19C0}" type="pres">
+      <dgm:prSet presAssocID="{A3B430C9-C865-485F-9061-28E89F4D84AA}" presName="iconRect" presStyleLbl="node1" presStyleIdx="4" presStyleCnt="5"/>
+      <dgm:spPr>
+        <a:blipFill>
+          <a:blip xmlns:r="http://schemas.openxmlformats.org/officeDocument/2006/relationships" r:embed="rId9">
+            <a:extLst>
+              <a:ext uri="{28A0092B-C50C-407E-A947-70E740481C1C}">
+                <a14:useLocalDpi xmlns:a14="http://schemas.microsoft.com/office/drawing/2010/main" val="0"/>
+              </a:ext>
+              <a:ext uri="{96DAC541-7B7A-43D3-8B79-37D633B846F1}">
+                <asvg:svgBlip xmlns:asvg="http://schemas.microsoft.com/office/drawing/2016/SVG/main" r:embed="rId10"/>
+              </a:ext>
+            </a:extLst>
+          </a:blip>
+          <a:stretch>
+            <a:fillRect/>
+          </a:stretch>
+        </a:blipFill>
+        <a:ln>
+          <a:noFill/>
+        </a:ln>
+      </dgm:spPr>
+      <dgm:extLst>
+        <a:ext uri="{E40237B7-FDA0-4F09-8148-C483321AD2D9}">
+          <dgm14:cNvPr xmlns:dgm14="http://schemas.microsoft.com/office/drawing/2010/diagram" id="0" name="" descr="Bar chart"/>
+        </a:ext>
+      </dgm:extLst>
+    </dgm:pt>
+    <dgm:pt modelId="{4A5AD449-1DE3-4880-B2DD-8AFF9CFE8B14}" type="pres">
+      <dgm:prSet presAssocID="{A3B430C9-C865-485F-9061-28E89F4D84AA}" presName="spaceRect" presStyleCnt="0"/>
+      <dgm:spPr/>
+    </dgm:pt>
+    <dgm:pt modelId="{2F47A78A-AE1B-4723-8C1B-C5C896431F71}" type="pres">
+      <dgm:prSet presAssocID="{A3B430C9-C865-485F-9061-28E89F4D84AA}" presName="parTx" presStyleLbl="revTx" presStyleIdx="4" presStyleCnt="5">
+        <dgm:presLayoutVars>
+          <dgm:chMax val="0"/>
+          <dgm:chPref val="0"/>
+        </dgm:presLayoutVars>
+      </dgm:prSet>
+      <dgm:spPr/>
+    </dgm:pt>
+  </dgm:ptLst>
+  <dgm:cxnLst>
+    <dgm:cxn modelId="{4A098326-7A6E-4EB7-B03A-E63AF196F8A7}" srcId="{30D8B766-BC8D-4145-BBEA-ACCC91AE6093}" destId="{8D71DBBE-F7A4-413B-BA47-A621C7F58B5F}" srcOrd="3" destOrd="0" parTransId="{83F4644D-EDDB-44AD-AEE8-FEFB979FD848}" sibTransId="{D670A28D-F6FF-44B5-8047-149831ABE6D1}"/>
+    <dgm:cxn modelId="{82D89326-EEB8-478A-A06A-0EC79DE93774}" srcId="{30D8B766-BC8D-4145-BBEA-ACCC91AE6093}" destId="{86239E10-2870-4B94-B156-6F9FA2275FB1}" srcOrd="0" destOrd="0" parTransId="{998D8F94-D0AB-4096-B100-CB78B9EA34B3}" sibTransId="{8DE86BD7-F106-4E79-BD76-612D6DBD6E59}"/>
+    <dgm:cxn modelId="{2E30722B-553F-403A-92C3-5739572F57E8}" type="presOf" srcId="{8D71DBBE-F7A4-413B-BA47-A621C7F58B5F}" destId="{A36CBB9A-9E90-43A4-A894-3EEAD5566B2F}" srcOrd="0" destOrd="0" presId="urn:microsoft.com/office/officeart/2018/2/layout/IconVerticalSolidList"/>
+    <dgm:cxn modelId="{2C1E492F-72AB-429C-ABB3-14BB4B7937BE}" type="presOf" srcId="{A3B430C9-C865-485F-9061-28E89F4D84AA}" destId="{2F47A78A-AE1B-4723-8C1B-C5C896431F71}" srcOrd="0" destOrd="0" presId="urn:microsoft.com/office/officeart/2018/2/layout/IconVerticalSolidList"/>
+    <dgm:cxn modelId="{E265B834-4237-435B-9A4B-13326F5DC114}" type="presOf" srcId="{86239E10-2870-4B94-B156-6F9FA2275FB1}" destId="{11685EE5-372C-408E-A289-ABC3C64725C7}" srcOrd="0" destOrd="0" presId="urn:microsoft.com/office/officeart/2018/2/layout/IconVerticalSolidList"/>
+    <dgm:cxn modelId="{979A494B-52D9-4A5B-8957-903E51379814}" type="presOf" srcId="{30D8B766-BC8D-4145-BBEA-ACCC91AE6093}" destId="{5F482B44-1435-4C16-AD66-F75E203CD060}" srcOrd="0" destOrd="0" presId="urn:microsoft.com/office/officeart/2018/2/layout/IconVerticalSolidList"/>
+    <dgm:cxn modelId="{0113D296-245D-4237-8611-F6AA419D69C1}" srcId="{30D8B766-BC8D-4145-BBEA-ACCC91AE6093}" destId="{A3B430C9-C865-485F-9061-28E89F4D84AA}" srcOrd="4" destOrd="0" parTransId="{4A6C37BD-DFCB-4DBF-BED5-357318F25514}" sibTransId="{80356ADD-E579-41F6-A600-02D1CD20C047}"/>
+    <dgm:cxn modelId="{6CC33C97-A37F-45C4-B152-A7A6E841B6C9}" srcId="{30D8B766-BC8D-4145-BBEA-ACCC91AE6093}" destId="{2188C7CC-0169-421F-AD55-FC70CC292A4F}" srcOrd="2" destOrd="0" parTransId="{6FC39A00-1429-49E4-ACF3-F77088F85126}" sibTransId="{BCE68A13-34D1-4820-9718-0211EC0AB237}"/>
+    <dgm:cxn modelId="{8D97E7B0-63BE-4B28-B731-8D6E6E2861D9}" srcId="{30D8B766-BC8D-4145-BBEA-ACCC91AE6093}" destId="{0EEB5826-8D5D-49EB-BB45-01ECD7141E0A}" srcOrd="1" destOrd="0" parTransId="{D53ABE0F-7B53-4DCA-B1A0-000FCB70FEE9}" sibTransId="{6912FBBE-B908-4E89-93E5-1745C3326035}"/>
+    <dgm:cxn modelId="{CFB9B0D3-E9E4-47FA-83E9-ED7AEAFD43C3}" type="presOf" srcId="{2188C7CC-0169-421F-AD55-FC70CC292A4F}" destId="{5179AD35-6017-4414-912F-71E52A9B558D}" srcOrd="0" destOrd="0" presId="urn:microsoft.com/office/officeart/2018/2/layout/IconVerticalSolidList"/>
+    <dgm:cxn modelId="{27F2FFD9-36AD-4C75-BD2A-85DE613EEA2F}" type="presOf" srcId="{0EEB5826-8D5D-49EB-BB45-01ECD7141E0A}" destId="{BBF5E5FB-26C1-4B3D-A28B-F8BF50D9BB08}" srcOrd="0" destOrd="0" presId="urn:microsoft.com/office/officeart/2018/2/layout/IconVerticalSolidList"/>
+    <dgm:cxn modelId="{5FB91BE5-C086-4ABF-80CA-E89131954BA2}" type="presParOf" srcId="{5F482B44-1435-4C16-AD66-F75E203CD060}" destId="{247BFB8F-1B44-45D0-975E-F7FD0D321048}" srcOrd="0" destOrd="0" presId="urn:microsoft.com/office/officeart/2018/2/layout/IconVerticalSolidList"/>
+    <dgm:cxn modelId="{01BCF18A-5C56-4DC8-B74B-3D0106203607}" type="presParOf" srcId="{247BFB8F-1B44-45D0-975E-F7FD0D321048}" destId="{9D996388-3385-4AF6-8AEC-C4912C8964E0}" srcOrd="0" destOrd="0" presId="urn:microsoft.com/office/officeart/2018/2/layout/IconVerticalSolidList"/>
+    <dgm:cxn modelId="{828FCE0D-C31C-4942-8D4C-712B53F5B934}" type="presParOf" srcId="{247BFB8F-1B44-45D0-975E-F7FD0D321048}" destId="{B5081207-56A2-4CC3-8B5F-FA1FED4B5649}" srcOrd="1" destOrd="0" presId="urn:microsoft.com/office/officeart/2018/2/layout/IconVerticalSolidList"/>
+    <dgm:cxn modelId="{9ED26012-B6E0-48A4-836A-9495B163DA98}" type="presParOf" srcId="{247BFB8F-1B44-45D0-975E-F7FD0D321048}" destId="{24BA4D8A-ABF5-40A2-B027-1C789675AC7B}" srcOrd="2" destOrd="0" presId="urn:microsoft.com/office/officeart/2018/2/layout/IconVerticalSolidList"/>
+    <dgm:cxn modelId="{7B7C60E0-96F9-4CC0-9D1B-6680B0D6E949}" type="presParOf" srcId="{247BFB8F-1B44-45D0-975E-F7FD0D321048}" destId="{11685EE5-372C-408E-A289-ABC3C64725C7}" srcOrd="3" destOrd="0" presId="urn:microsoft.com/office/officeart/2018/2/layout/IconVerticalSolidList"/>
+    <dgm:cxn modelId="{E6BBE5C1-0798-4B39-97B2-700F02F2D580}" type="presParOf" srcId="{5F482B44-1435-4C16-AD66-F75E203CD060}" destId="{B7B334B2-33E4-4F84-819D-2FDBD55D277C}" srcOrd="1" destOrd="0" presId="urn:microsoft.com/office/officeart/2018/2/layout/IconVerticalSolidList"/>
+    <dgm:cxn modelId="{683657EE-B767-4348-9655-60E8F815A603}" type="presParOf" srcId="{5F482B44-1435-4C16-AD66-F75E203CD060}" destId="{0F3D5C6B-A566-433E-A9BF-309D54A24A17}" srcOrd="2" destOrd="0" presId="urn:microsoft.com/office/officeart/2018/2/layout/IconVerticalSolidList"/>
+    <dgm:cxn modelId="{4623CFA5-1595-4382-A029-8FD7647643A6}" type="presParOf" srcId="{0F3D5C6B-A566-433E-A9BF-309D54A24A17}" destId="{78DB5E75-4BD6-4A40-B6D2-4C0D4827FC80}" srcOrd="0" destOrd="0" presId="urn:microsoft.com/office/officeart/2018/2/layout/IconVerticalSolidList"/>
+    <dgm:cxn modelId="{AC9DB189-87A8-41F9-A4B2-F34096664CD6}" type="presParOf" srcId="{0F3D5C6B-A566-433E-A9BF-309D54A24A17}" destId="{065AB200-1811-4204-83EF-6F3D734EA05A}" srcOrd="1" destOrd="0" presId="urn:microsoft.com/office/officeart/2018/2/layout/IconVerticalSolidList"/>
+    <dgm:cxn modelId="{92A1ADF6-384C-427A-9021-8537AD7D260E}" type="presParOf" srcId="{0F3D5C6B-A566-433E-A9BF-309D54A24A17}" destId="{F4933B56-C7AF-422A-9F1D-6A9A757C2449}" srcOrd="2" destOrd="0" presId="urn:microsoft.com/office/officeart/2018/2/layout/IconVerticalSolidList"/>
+    <dgm:cxn modelId="{64351804-B39D-485F-9111-A390F36B6DEC}" type="presParOf" srcId="{0F3D5C6B-A566-433E-A9BF-309D54A24A17}" destId="{BBF5E5FB-26C1-4B3D-A28B-F8BF50D9BB08}" srcOrd="3" destOrd="0" presId="urn:microsoft.com/office/officeart/2018/2/layout/IconVerticalSolidList"/>
+    <dgm:cxn modelId="{771416C4-6FD5-48F4-B526-BA4BB72E97C0}" type="presParOf" srcId="{5F482B44-1435-4C16-AD66-F75E203CD060}" destId="{933A9439-A2E0-421C-9271-61418B3C44FB}" srcOrd="3" destOrd="0" presId="urn:microsoft.com/office/officeart/2018/2/layout/IconVerticalSolidList"/>
+    <dgm:cxn modelId="{E7DFA2DF-BBC6-496D-85E7-3472CF4EE984}" type="presParOf" srcId="{5F482B44-1435-4C16-AD66-F75E203CD060}" destId="{ADBEB403-1444-4C39-BC3B-03D87786E93A}" srcOrd="4" destOrd="0" presId="urn:microsoft.com/office/officeart/2018/2/layout/IconVerticalSolidList"/>
+    <dgm:cxn modelId="{FA0378EB-0C1D-4C97-9849-459ADE6AFD6E}" type="presParOf" srcId="{ADBEB403-1444-4C39-BC3B-03D87786E93A}" destId="{28DF5AD0-4DFB-4D8C-AF54-1E60C059C703}" srcOrd="0" destOrd="0" presId="urn:microsoft.com/office/officeart/2018/2/layout/IconVerticalSolidList"/>
+    <dgm:cxn modelId="{9E4B01F7-FC32-47E9-AD21-ACAD6FC73B38}" type="presParOf" srcId="{ADBEB403-1444-4C39-BC3B-03D87786E93A}" destId="{97AC2FF8-C491-443C-859A-84DA4FEC488F}" srcOrd="1" destOrd="0" presId="urn:microsoft.com/office/officeart/2018/2/layout/IconVerticalSolidList"/>
+    <dgm:cxn modelId="{0589872B-57D7-42BE-B805-9AC0CF574D62}" type="presParOf" srcId="{ADBEB403-1444-4C39-BC3B-03D87786E93A}" destId="{41E787CF-AA43-4823-81DC-8BC477383FCB}" srcOrd="2" destOrd="0" presId="urn:microsoft.com/office/officeart/2018/2/layout/IconVerticalSolidList"/>
+    <dgm:cxn modelId="{B38B3821-B79C-498A-AE6E-320A7225ACAE}" type="presParOf" srcId="{ADBEB403-1444-4C39-BC3B-03D87786E93A}" destId="{5179AD35-6017-4414-912F-71E52A9B558D}" srcOrd="3" destOrd="0" presId="urn:microsoft.com/office/officeart/2018/2/layout/IconVerticalSolidList"/>
+    <dgm:cxn modelId="{19C36AC8-F08D-4C62-A28B-79E733C0DBBD}" type="presParOf" srcId="{5F482B44-1435-4C16-AD66-F75E203CD060}" destId="{07FCF0EE-4EC5-4DFD-A697-D483DCF959BE}" srcOrd="5" destOrd="0" presId="urn:microsoft.com/office/officeart/2018/2/layout/IconVerticalSolidList"/>
+    <dgm:cxn modelId="{383EBA25-46A0-465A-88AB-4EA19E917435}" type="presParOf" srcId="{5F482B44-1435-4C16-AD66-F75E203CD060}" destId="{ADEE31DD-3F43-4A62-8899-3361B960089C}" srcOrd="6" destOrd="0" presId="urn:microsoft.com/office/officeart/2018/2/layout/IconVerticalSolidList"/>
+    <dgm:cxn modelId="{B83C9C2F-7EEC-42E9-B422-C735B65AF7F9}" type="presParOf" srcId="{ADEE31DD-3F43-4A62-8899-3361B960089C}" destId="{2F015876-FF9C-4511-B027-DEEC3BD40286}" srcOrd="0" destOrd="0" presId="urn:microsoft.com/office/officeart/2018/2/layout/IconVerticalSolidList"/>
+    <dgm:cxn modelId="{B277D1CD-E2F8-4766-BFFC-683DF6C56AD2}" type="presParOf" srcId="{ADEE31DD-3F43-4A62-8899-3361B960089C}" destId="{A90C21C4-3F91-42AA-B021-50E7538527DC}" srcOrd="1" destOrd="0" presId="urn:microsoft.com/office/officeart/2018/2/layout/IconVerticalSolidList"/>
+    <dgm:cxn modelId="{10542740-C9BB-4DF1-A5F4-B394BFAC1920}" type="presParOf" srcId="{ADEE31DD-3F43-4A62-8899-3361B960089C}" destId="{FA74DB93-7873-407B-8091-6094E879C77B}" srcOrd="2" destOrd="0" presId="urn:microsoft.com/office/officeart/2018/2/layout/IconVerticalSolidList"/>
+    <dgm:cxn modelId="{3915D0C9-A868-48B8-90FF-35D13B8AEA89}" type="presParOf" srcId="{ADEE31DD-3F43-4A62-8899-3361B960089C}" destId="{A36CBB9A-9E90-43A4-A894-3EEAD5566B2F}" srcOrd="3" destOrd="0" presId="urn:microsoft.com/office/officeart/2018/2/layout/IconVerticalSolidList"/>
+    <dgm:cxn modelId="{A7D67907-2859-42A6-BA91-5D01342E412B}" type="presParOf" srcId="{5F482B44-1435-4C16-AD66-F75E203CD060}" destId="{53988061-61FD-455C-A6BE-5F745AF02ACF}" srcOrd="7" destOrd="0" presId="urn:microsoft.com/office/officeart/2018/2/layout/IconVerticalSolidList"/>
+    <dgm:cxn modelId="{8FF23311-8190-45C7-A02A-58C762333E45}" type="presParOf" srcId="{5F482B44-1435-4C16-AD66-F75E203CD060}" destId="{60539E35-77BB-4AD5-90FA-80976088AEAA}" srcOrd="8" destOrd="0" presId="urn:microsoft.com/office/officeart/2018/2/layout/IconVerticalSolidList"/>
+    <dgm:cxn modelId="{B3FB7CE8-4EDB-4763-B088-786FB73CC294}" type="presParOf" srcId="{60539E35-77BB-4AD5-90FA-80976088AEAA}" destId="{EFD9F347-EA25-42CD-8BCD-EB852E723A24}" srcOrd="0" destOrd="0" presId="urn:microsoft.com/office/officeart/2018/2/layout/IconVerticalSolidList"/>
+    <dgm:cxn modelId="{03FE64A4-9CE4-43F3-B9AE-555E2F19DF04}" type="presParOf" srcId="{60539E35-77BB-4AD5-90FA-80976088AEAA}" destId="{6545561C-8C4A-4CD5-87C1-5055FD3D19C0}" srcOrd="1" destOrd="0" presId="urn:microsoft.com/office/officeart/2018/2/layout/IconVerticalSolidList"/>
+    <dgm:cxn modelId="{E44B0F69-E2F7-4B09-AB3C-334605374F1C}" type="presParOf" srcId="{60539E35-77BB-4AD5-90FA-80976088AEAA}" destId="{4A5AD449-1DE3-4880-B2DD-8AFF9CFE8B14}" srcOrd="2" destOrd="0" presId="urn:microsoft.com/office/officeart/2018/2/layout/IconVerticalSolidList"/>
+    <dgm:cxn modelId="{9E3F886E-97D4-494D-AEDD-608FCA4B89C3}" type="presParOf" srcId="{60539E35-77BB-4AD5-90FA-80976088AEAA}" destId="{2F47A78A-AE1B-4723-8C1B-C5C896431F71}" srcOrd="3" destOrd="0" presId="urn:microsoft.com/office/officeart/2018/2/layout/IconVerticalSolidList"/>
+  </dgm:cxnLst>
+  <dgm:bg/>
+  <dgm:whole/>
+  <dgm:extLst>
+    <a:ext uri="http://schemas.microsoft.com/office/drawing/2008/diagram">
+      <dsp:dataModelExt xmlns:dsp="http://schemas.microsoft.com/office/drawing/2008/diagram" relId="rId7" minVer="http://schemas.openxmlformats.org/drawingml/2006/diagram"/>
+    </a:ext>
+  </dgm:extLst>
+</dgm:dataModel>
+</file>
+
+<file path=ppt/diagrams/data2.xml><?xml version="1.0" encoding="utf-8"?>
 <dgm:dataModel xmlns:dgm="http://schemas.openxmlformats.org/drawingml/2006/diagram" xmlns:a="http://schemas.openxmlformats.org/drawingml/2006/main">
   <dgm:ptLst>
     <dgm:pt modelId="{16E28651-CF54-423E-A106-8C76DC0ECFF2}" type="doc">
@@ -2195,7 +3625,7 @@
 </dgm:dataModel>
 </file>
 
-<file path=ppt/diagrams/data2.xml><?xml version="1.0" encoding="utf-8"?>
+<file path=ppt/diagrams/data3.xml><?xml version="1.0" encoding="utf-8"?>
 <dgm:dataModel xmlns:dgm="http://schemas.openxmlformats.org/drawingml/2006/diagram" xmlns:a="http://schemas.openxmlformats.org/drawingml/2006/main">
   <dgm:ptLst>
     <dgm:pt modelId="{BC41E5EB-7189-49E2-9DB6-1F262BBC02FA}" type="doc">
@@ -2254,15 +3684,7 @@
         <a:p>
           <a:r>
             <a:rPr lang="en-US" dirty="0"/>
-            <a:t>Given the “Super Region” associated with </a:t>
-          </a:r>
-          <a:r>
-            <a:rPr lang="en-US"/>
-            <a:t>each “Property Country”, </a:t>
-          </a:r>
-          <a:r>
-            <a:rPr lang="en-US" dirty="0"/>
-            <a:t>could investigate whether customers booking through mobile devices are more/less likely to travel within the same region or outside of it</a:t>
+            <a:t>Given the “Super Region” associated with each “Property Country”, could investigate whether customers booking through mobile devices are more/less likely to travel within the same region or outside of it</a:t>
           </a:r>
         </a:p>
       </dgm:t>
@@ -2378,6 +3800,772 @@
 </file>
 
 <file path=ppt/diagrams/drawing1.xml><?xml version="1.0" encoding="utf-8"?>
+<dsp:drawing xmlns:dgm="http://schemas.openxmlformats.org/drawingml/2006/diagram" xmlns:dsp="http://schemas.microsoft.com/office/drawing/2008/diagram" xmlns:a="http://schemas.openxmlformats.org/drawingml/2006/main">
+  <dsp:spTree>
+    <dsp:nvGrpSpPr>
+      <dsp:cNvPr id="0" name=""/>
+      <dsp:cNvGrpSpPr/>
+    </dsp:nvGrpSpPr>
+    <dsp:grpSpPr/>
+    <dsp:sp modelId="{9D996388-3385-4AF6-8AEC-C4912C8964E0}">
+      <dsp:nvSpPr>
+        <dsp:cNvPr id="0" name=""/>
+        <dsp:cNvSpPr/>
+      </dsp:nvSpPr>
+      <dsp:spPr>
+        <a:xfrm>
+          <a:off x="0" y="4122"/>
+          <a:ext cx="6151562" cy="878100"/>
+        </a:xfrm>
+        <a:prstGeom prst="roundRect">
+          <a:avLst>
+            <a:gd name="adj" fmla="val 10000"/>
+          </a:avLst>
+        </a:prstGeom>
+        <a:solidFill>
+          <a:schemeClr val="bg1">
+            <a:lumMod val="95000"/>
+            <a:hueOff val="0"/>
+            <a:satOff val="0"/>
+            <a:lumOff val="0"/>
+            <a:alphaOff val="0"/>
+          </a:schemeClr>
+        </a:solidFill>
+        <a:ln>
+          <a:noFill/>
+        </a:ln>
+        <a:effectLst/>
+      </dsp:spPr>
+      <dsp:style>
+        <a:lnRef idx="0">
+          <a:scrgbClr r="0" g="0" b="0"/>
+        </a:lnRef>
+        <a:fillRef idx="1">
+          <a:scrgbClr r="0" g="0" b="0"/>
+        </a:fillRef>
+        <a:effectRef idx="0">
+          <a:scrgbClr r="0" g="0" b="0"/>
+        </a:effectRef>
+        <a:fontRef idx="minor"/>
+      </dsp:style>
+    </dsp:sp>
+    <dsp:sp modelId="{B5081207-56A2-4CC3-8B5F-FA1FED4B5649}">
+      <dsp:nvSpPr>
+        <dsp:cNvPr id="0" name=""/>
+        <dsp:cNvSpPr/>
+      </dsp:nvSpPr>
+      <dsp:spPr>
+        <a:xfrm>
+          <a:off x="265625" y="201695"/>
+          <a:ext cx="482955" cy="482955"/>
+        </a:xfrm>
+        <a:prstGeom prst="rect">
+          <a:avLst/>
+        </a:prstGeom>
+        <a:blipFill>
+          <a:blip xmlns:r="http://schemas.openxmlformats.org/officeDocument/2006/relationships" r:embed="rId1">
+            <a:extLst>
+              <a:ext uri="{28A0092B-C50C-407E-A947-70E740481C1C}">
+                <a14:useLocalDpi xmlns:a14="http://schemas.microsoft.com/office/drawing/2010/main" val="0"/>
+              </a:ext>
+              <a:ext uri="{96DAC541-7B7A-43D3-8B79-37D633B846F1}">
+                <asvg:svgBlip xmlns:asvg="http://schemas.microsoft.com/office/drawing/2016/SVG/main" r:embed="rId2"/>
+              </a:ext>
+            </a:extLst>
+          </a:blip>
+          <a:stretch>
+            <a:fillRect/>
+          </a:stretch>
+        </a:blipFill>
+        <a:ln w="12700" cap="flat" cmpd="sng" algn="ctr">
+          <a:noFill/>
+          <a:prstDash val="solid"/>
+        </a:ln>
+        <a:effectLst/>
+      </dsp:spPr>
+      <dsp:style>
+        <a:lnRef idx="2">
+          <a:scrgbClr r="0" g="0" b="0"/>
+        </a:lnRef>
+        <a:fillRef idx="1">
+          <a:scrgbClr r="0" g="0" b="0"/>
+        </a:fillRef>
+        <a:effectRef idx="0">
+          <a:scrgbClr r="0" g="0" b="0"/>
+        </a:effectRef>
+        <a:fontRef idx="minor">
+          <a:schemeClr val="lt1"/>
+        </a:fontRef>
+      </dsp:style>
+    </dsp:sp>
+    <dsp:sp modelId="{11685EE5-372C-408E-A289-ABC3C64725C7}">
+      <dsp:nvSpPr>
+        <dsp:cNvPr id="0" name=""/>
+        <dsp:cNvSpPr/>
+      </dsp:nvSpPr>
+      <dsp:spPr>
+        <a:xfrm>
+          <a:off x="1014206" y="4122"/>
+          <a:ext cx="5137356" cy="878100"/>
+        </a:xfrm>
+        <a:prstGeom prst="rect">
+          <a:avLst/>
+        </a:prstGeom>
+        <a:noFill/>
+        <a:ln>
+          <a:noFill/>
+        </a:ln>
+        <a:effectLst/>
+      </dsp:spPr>
+      <dsp:style>
+        <a:lnRef idx="0">
+          <a:scrgbClr r="0" g="0" b="0"/>
+        </a:lnRef>
+        <a:fillRef idx="0">
+          <a:scrgbClr r="0" g="0" b="0"/>
+        </a:fillRef>
+        <a:effectRef idx="0">
+          <a:scrgbClr r="0" g="0" b="0"/>
+        </a:effectRef>
+        <a:fontRef idx="minor"/>
+      </dsp:style>
+      <dsp:txBody>
+        <a:bodyPr spcFirstLastPara="0" vert="horz" wrap="square" lIns="92932" tIns="92932" rIns="92932" bIns="92932" numCol="1" spcCol="1270" anchor="ctr" anchorCtr="0">
+          <a:noAutofit/>
+        </a:bodyPr>
+        <a:lstStyle/>
+        <a:p>
+          <a:pPr marL="0" lvl="0" indent="0" algn="l" defTabSz="844550">
+            <a:lnSpc>
+              <a:spcPct val="90000"/>
+            </a:lnSpc>
+            <a:spcBef>
+              <a:spcPct val="0"/>
+            </a:spcBef>
+            <a:spcAft>
+              <a:spcPct val="35000"/>
+            </a:spcAft>
+            <a:buNone/>
+          </a:pPr>
+          <a:r>
+            <a:rPr lang="en-US" sz="1900" kern="1200"/>
+            <a:t>Summary of insights</a:t>
+          </a:r>
+        </a:p>
+      </dsp:txBody>
+      <dsp:txXfrm>
+        <a:off x="1014206" y="4122"/>
+        <a:ext cx="5137356" cy="878100"/>
+      </dsp:txXfrm>
+    </dsp:sp>
+    <dsp:sp modelId="{78DB5E75-4BD6-4A40-B6D2-4C0D4827FC80}">
+      <dsp:nvSpPr>
+        <dsp:cNvPr id="0" name=""/>
+        <dsp:cNvSpPr/>
+      </dsp:nvSpPr>
+      <dsp:spPr>
+        <a:xfrm>
+          <a:off x="0" y="1101748"/>
+          <a:ext cx="6151562" cy="878100"/>
+        </a:xfrm>
+        <a:prstGeom prst="roundRect">
+          <a:avLst>
+            <a:gd name="adj" fmla="val 10000"/>
+          </a:avLst>
+        </a:prstGeom>
+        <a:solidFill>
+          <a:schemeClr val="bg1">
+            <a:lumMod val="95000"/>
+            <a:hueOff val="0"/>
+            <a:satOff val="0"/>
+            <a:lumOff val="0"/>
+            <a:alphaOff val="0"/>
+          </a:schemeClr>
+        </a:solidFill>
+        <a:ln>
+          <a:noFill/>
+        </a:ln>
+        <a:effectLst/>
+      </dsp:spPr>
+      <dsp:style>
+        <a:lnRef idx="0">
+          <a:scrgbClr r="0" g="0" b="0"/>
+        </a:lnRef>
+        <a:fillRef idx="1">
+          <a:scrgbClr r="0" g="0" b="0"/>
+        </a:fillRef>
+        <a:effectRef idx="0">
+          <a:scrgbClr r="0" g="0" b="0"/>
+        </a:effectRef>
+        <a:fontRef idx="minor"/>
+      </dsp:style>
+    </dsp:sp>
+    <dsp:sp modelId="{065AB200-1811-4204-83EF-6F3D734EA05A}">
+      <dsp:nvSpPr>
+        <dsp:cNvPr id="0" name=""/>
+        <dsp:cNvSpPr/>
+      </dsp:nvSpPr>
+      <dsp:spPr>
+        <a:xfrm>
+          <a:off x="265625" y="1299321"/>
+          <a:ext cx="482955" cy="482955"/>
+        </a:xfrm>
+        <a:prstGeom prst="rect">
+          <a:avLst/>
+        </a:prstGeom>
+        <a:blipFill>
+          <a:blip xmlns:r="http://schemas.openxmlformats.org/officeDocument/2006/relationships" r:embed="rId3">
+            <a:extLst>
+              <a:ext uri="{28A0092B-C50C-407E-A947-70E740481C1C}">
+                <a14:useLocalDpi xmlns:a14="http://schemas.microsoft.com/office/drawing/2010/main" val="0"/>
+              </a:ext>
+              <a:ext uri="{96DAC541-7B7A-43D3-8B79-37D633B846F1}">
+                <asvg:svgBlip xmlns:asvg="http://schemas.microsoft.com/office/drawing/2016/SVG/main" r:embed="rId4"/>
+              </a:ext>
+            </a:extLst>
+          </a:blip>
+          <a:srcRect/>
+          <a:stretch>
+            <a:fillRect/>
+          </a:stretch>
+        </a:blipFill>
+        <a:ln w="12700" cap="flat" cmpd="sng" algn="ctr">
+          <a:noFill/>
+          <a:prstDash val="solid"/>
+        </a:ln>
+        <a:effectLst/>
+      </dsp:spPr>
+      <dsp:style>
+        <a:lnRef idx="2">
+          <a:scrgbClr r="0" g="0" b="0"/>
+        </a:lnRef>
+        <a:fillRef idx="1">
+          <a:scrgbClr r="0" g="0" b="0"/>
+        </a:fillRef>
+        <a:effectRef idx="0">
+          <a:scrgbClr r="0" g="0" b="0"/>
+        </a:effectRef>
+        <a:fontRef idx="minor">
+          <a:schemeClr val="lt1"/>
+        </a:fontRef>
+      </dsp:style>
+    </dsp:sp>
+    <dsp:sp modelId="{BBF5E5FB-26C1-4B3D-A28B-F8BF50D9BB08}">
+      <dsp:nvSpPr>
+        <dsp:cNvPr id="0" name=""/>
+        <dsp:cNvSpPr/>
+      </dsp:nvSpPr>
+      <dsp:spPr>
+        <a:xfrm>
+          <a:off x="1014206" y="1101748"/>
+          <a:ext cx="5137356" cy="878100"/>
+        </a:xfrm>
+        <a:prstGeom prst="rect">
+          <a:avLst/>
+        </a:prstGeom>
+        <a:noFill/>
+        <a:ln>
+          <a:noFill/>
+        </a:ln>
+        <a:effectLst/>
+      </dsp:spPr>
+      <dsp:style>
+        <a:lnRef idx="0">
+          <a:scrgbClr r="0" g="0" b="0"/>
+        </a:lnRef>
+        <a:fillRef idx="0">
+          <a:scrgbClr r="0" g="0" b="0"/>
+        </a:fillRef>
+        <a:effectRef idx="0">
+          <a:scrgbClr r="0" g="0" b="0"/>
+        </a:effectRef>
+        <a:fontRef idx="minor"/>
+      </dsp:style>
+      <dsp:txBody>
+        <a:bodyPr spcFirstLastPara="0" vert="horz" wrap="square" lIns="92932" tIns="92932" rIns="92932" bIns="92932" numCol="1" spcCol="1270" anchor="ctr" anchorCtr="0">
+          <a:noAutofit/>
+        </a:bodyPr>
+        <a:lstStyle/>
+        <a:p>
+          <a:pPr marL="0" lvl="0" indent="0" algn="l" defTabSz="844550">
+            <a:lnSpc>
+              <a:spcPct val="90000"/>
+            </a:lnSpc>
+            <a:spcBef>
+              <a:spcPct val="0"/>
+            </a:spcBef>
+            <a:spcAft>
+              <a:spcPct val="35000"/>
+            </a:spcAft>
+            <a:buNone/>
+          </a:pPr>
+          <a:r>
+            <a:rPr lang="en-US" sz="1900" kern="1200"/>
+            <a:t>Note on hypothesis testing</a:t>
+          </a:r>
+        </a:p>
+      </dsp:txBody>
+      <dsp:txXfrm>
+        <a:off x="1014206" y="1101748"/>
+        <a:ext cx="5137356" cy="878100"/>
+      </dsp:txXfrm>
+    </dsp:sp>
+    <dsp:sp modelId="{28DF5AD0-4DFB-4D8C-AF54-1E60C059C703}">
+      <dsp:nvSpPr>
+        <dsp:cNvPr id="0" name=""/>
+        <dsp:cNvSpPr/>
+      </dsp:nvSpPr>
+      <dsp:spPr>
+        <a:xfrm>
+          <a:off x="0" y="2199374"/>
+          <a:ext cx="6151562" cy="878100"/>
+        </a:xfrm>
+        <a:prstGeom prst="roundRect">
+          <a:avLst>
+            <a:gd name="adj" fmla="val 10000"/>
+          </a:avLst>
+        </a:prstGeom>
+        <a:solidFill>
+          <a:schemeClr val="bg1">
+            <a:lumMod val="95000"/>
+            <a:hueOff val="0"/>
+            <a:satOff val="0"/>
+            <a:lumOff val="0"/>
+            <a:alphaOff val="0"/>
+          </a:schemeClr>
+        </a:solidFill>
+        <a:ln>
+          <a:noFill/>
+        </a:ln>
+        <a:effectLst/>
+      </dsp:spPr>
+      <dsp:style>
+        <a:lnRef idx="0">
+          <a:scrgbClr r="0" g="0" b="0"/>
+        </a:lnRef>
+        <a:fillRef idx="1">
+          <a:scrgbClr r="0" g="0" b="0"/>
+        </a:fillRef>
+        <a:effectRef idx="0">
+          <a:scrgbClr r="0" g="0" b="0"/>
+        </a:effectRef>
+        <a:fontRef idx="minor"/>
+      </dsp:style>
+    </dsp:sp>
+    <dsp:sp modelId="{97AC2FF8-C491-443C-859A-84DA4FEC488F}">
+      <dsp:nvSpPr>
+        <dsp:cNvPr id="0" name=""/>
+        <dsp:cNvSpPr/>
+      </dsp:nvSpPr>
+      <dsp:spPr>
+        <a:xfrm>
+          <a:off x="265625" y="2396947"/>
+          <a:ext cx="482955" cy="482955"/>
+        </a:xfrm>
+        <a:prstGeom prst="rect">
+          <a:avLst/>
+        </a:prstGeom>
+        <a:blipFill>
+          <a:blip xmlns:r="http://schemas.openxmlformats.org/officeDocument/2006/relationships" r:embed="rId5">
+            <a:extLst>
+              <a:ext uri="{96DAC541-7B7A-43D3-8B79-37D633B846F1}">
+                <asvg:svgBlip xmlns:asvg="http://schemas.microsoft.com/office/drawing/2016/SVG/main" r:embed="rId6"/>
+              </a:ext>
+            </a:extLst>
+          </a:blip>
+          <a:srcRect/>
+          <a:stretch>
+            <a:fillRect/>
+          </a:stretch>
+        </a:blipFill>
+        <a:ln w="12700" cap="flat" cmpd="sng" algn="ctr">
+          <a:noFill/>
+          <a:prstDash val="solid"/>
+        </a:ln>
+        <a:effectLst/>
+      </dsp:spPr>
+      <dsp:style>
+        <a:lnRef idx="2">
+          <a:scrgbClr r="0" g="0" b="0"/>
+        </a:lnRef>
+        <a:fillRef idx="1">
+          <a:scrgbClr r="0" g="0" b="0"/>
+        </a:fillRef>
+        <a:effectRef idx="0">
+          <a:scrgbClr r="0" g="0" b="0"/>
+        </a:effectRef>
+        <a:fontRef idx="minor">
+          <a:schemeClr val="lt1"/>
+        </a:fontRef>
+      </dsp:style>
+    </dsp:sp>
+    <dsp:sp modelId="{5179AD35-6017-4414-912F-71E52A9B558D}">
+      <dsp:nvSpPr>
+        <dsp:cNvPr id="0" name=""/>
+        <dsp:cNvSpPr/>
+      </dsp:nvSpPr>
+      <dsp:spPr>
+        <a:xfrm>
+          <a:off x="1014206" y="2199374"/>
+          <a:ext cx="5137356" cy="878100"/>
+        </a:xfrm>
+        <a:prstGeom prst="rect">
+          <a:avLst/>
+        </a:prstGeom>
+        <a:noFill/>
+        <a:ln>
+          <a:noFill/>
+        </a:ln>
+        <a:effectLst/>
+      </dsp:spPr>
+      <dsp:style>
+        <a:lnRef idx="0">
+          <a:scrgbClr r="0" g="0" b="0"/>
+        </a:lnRef>
+        <a:fillRef idx="0">
+          <a:scrgbClr r="0" g="0" b="0"/>
+        </a:fillRef>
+        <a:effectRef idx="0">
+          <a:scrgbClr r="0" g="0" b="0"/>
+        </a:effectRef>
+        <a:fontRef idx="minor"/>
+      </dsp:style>
+      <dsp:txBody>
+        <a:bodyPr spcFirstLastPara="0" vert="horz" wrap="square" lIns="92932" tIns="92932" rIns="92932" bIns="92932" numCol="1" spcCol="1270" anchor="ctr" anchorCtr="0">
+          <a:noAutofit/>
+        </a:bodyPr>
+        <a:lstStyle/>
+        <a:p>
+          <a:pPr marL="0" lvl="0" indent="0" algn="l" defTabSz="844550">
+            <a:lnSpc>
+              <a:spcPct val="90000"/>
+            </a:lnSpc>
+            <a:spcBef>
+              <a:spcPct val="0"/>
+            </a:spcBef>
+            <a:spcAft>
+              <a:spcPct val="35000"/>
+            </a:spcAft>
+            <a:buNone/>
+          </a:pPr>
+          <a:r>
+            <a:rPr lang="en-US" sz="1900" kern="1200"/>
+            <a:t>More in-depth exploration</a:t>
+          </a:r>
+        </a:p>
+      </dsp:txBody>
+      <dsp:txXfrm>
+        <a:off x="1014206" y="2199374"/>
+        <a:ext cx="5137356" cy="878100"/>
+      </dsp:txXfrm>
+    </dsp:sp>
+    <dsp:sp modelId="{2F015876-FF9C-4511-B027-DEEC3BD40286}">
+      <dsp:nvSpPr>
+        <dsp:cNvPr id="0" name=""/>
+        <dsp:cNvSpPr/>
+      </dsp:nvSpPr>
+      <dsp:spPr>
+        <a:xfrm>
+          <a:off x="0" y="3297000"/>
+          <a:ext cx="6151562" cy="878100"/>
+        </a:xfrm>
+        <a:prstGeom prst="roundRect">
+          <a:avLst>
+            <a:gd name="adj" fmla="val 10000"/>
+          </a:avLst>
+        </a:prstGeom>
+        <a:solidFill>
+          <a:schemeClr val="bg1">
+            <a:lumMod val="95000"/>
+            <a:hueOff val="0"/>
+            <a:satOff val="0"/>
+            <a:lumOff val="0"/>
+            <a:alphaOff val="0"/>
+          </a:schemeClr>
+        </a:solidFill>
+        <a:ln>
+          <a:noFill/>
+        </a:ln>
+        <a:effectLst/>
+      </dsp:spPr>
+      <dsp:style>
+        <a:lnRef idx="0">
+          <a:scrgbClr r="0" g="0" b="0"/>
+        </a:lnRef>
+        <a:fillRef idx="1">
+          <a:scrgbClr r="0" g="0" b="0"/>
+        </a:fillRef>
+        <a:effectRef idx="0">
+          <a:scrgbClr r="0" g="0" b="0"/>
+        </a:effectRef>
+        <a:fontRef idx="minor"/>
+      </dsp:style>
+    </dsp:sp>
+    <dsp:sp modelId="{A90C21C4-3F91-42AA-B021-50E7538527DC}">
+      <dsp:nvSpPr>
+        <dsp:cNvPr id="0" name=""/>
+        <dsp:cNvSpPr/>
+      </dsp:nvSpPr>
+      <dsp:spPr>
+        <a:xfrm>
+          <a:off x="265625" y="3494573"/>
+          <a:ext cx="482955" cy="482955"/>
+        </a:xfrm>
+        <a:prstGeom prst="rect">
+          <a:avLst/>
+        </a:prstGeom>
+        <a:blipFill>
+          <a:blip xmlns:r="http://schemas.openxmlformats.org/officeDocument/2006/relationships" r:embed="rId7">
+            <a:extLst>
+              <a:ext uri="{28A0092B-C50C-407E-A947-70E740481C1C}">
+                <a14:useLocalDpi xmlns:a14="http://schemas.microsoft.com/office/drawing/2010/main" val="0"/>
+              </a:ext>
+              <a:ext uri="{96DAC541-7B7A-43D3-8B79-37D633B846F1}">
+                <asvg:svgBlip xmlns:asvg="http://schemas.microsoft.com/office/drawing/2016/SVG/main" r:embed="rId8"/>
+              </a:ext>
+            </a:extLst>
+          </a:blip>
+          <a:stretch>
+            <a:fillRect/>
+          </a:stretch>
+        </a:blipFill>
+        <a:ln w="12700" cap="flat" cmpd="sng" algn="ctr">
+          <a:noFill/>
+          <a:prstDash val="solid"/>
+        </a:ln>
+        <a:effectLst/>
+      </dsp:spPr>
+      <dsp:style>
+        <a:lnRef idx="2">
+          <a:scrgbClr r="0" g="0" b="0"/>
+        </a:lnRef>
+        <a:fillRef idx="1">
+          <a:scrgbClr r="0" g="0" b="0"/>
+        </a:fillRef>
+        <a:effectRef idx="0">
+          <a:scrgbClr r="0" g="0" b="0"/>
+        </a:effectRef>
+        <a:fontRef idx="minor">
+          <a:schemeClr val="lt1"/>
+        </a:fontRef>
+      </dsp:style>
+    </dsp:sp>
+    <dsp:sp modelId="{A36CBB9A-9E90-43A4-A894-3EEAD5566B2F}">
+      <dsp:nvSpPr>
+        <dsp:cNvPr id="0" name=""/>
+        <dsp:cNvSpPr/>
+      </dsp:nvSpPr>
+      <dsp:spPr>
+        <a:xfrm>
+          <a:off x="1014206" y="3297000"/>
+          <a:ext cx="5137356" cy="878100"/>
+        </a:xfrm>
+        <a:prstGeom prst="rect">
+          <a:avLst/>
+        </a:prstGeom>
+        <a:noFill/>
+        <a:ln>
+          <a:noFill/>
+        </a:ln>
+        <a:effectLst/>
+      </dsp:spPr>
+      <dsp:style>
+        <a:lnRef idx="0">
+          <a:scrgbClr r="0" g="0" b="0"/>
+        </a:lnRef>
+        <a:fillRef idx="0">
+          <a:scrgbClr r="0" g="0" b="0"/>
+        </a:fillRef>
+        <a:effectRef idx="0">
+          <a:scrgbClr r="0" g="0" b="0"/>
+        </a:effectRef>
+        <a:fontRef idx="minor"/>
+      </dsp:style>
+      <dsp:txBody>
+        <a:bodyPr spcFirstLastPara="0" vert="horz" wrap="square" lIns="92932" tIns="92932" rIns="92932" bIns="92932" numCol="1" spcCol="1270" anchor="ctr" anchorCtr="0">
+          <a:noAutofit/>
+        </a:bodyPr>
+        <a:lstStyle/>
+        <a:p>
+          <a:pPr marL="0" lvl="0" indent="0" algn="l" defTabSz="844550">
+            <a:lnSpc>
+              <a:spcPct val="90000"/>
+            </a:lnSpc>
+            <a:spcBef>
+              <a:spcPct val="0"/>
+            </a:spcBef>
+            <a:spcAft>
+              <a:spcPct val="35000"/>
+            </a:spcAft>
+            <a:buNone/>
+          </a:pPr>
+          <a:r>
+            <a:rPr lang="en-US" sz="1900" kern="1200"/>
+            <a:t>Business recommendations</a:t>
+          </a:r>
+        </a:p>
+      </dsp:txBody>
+      <dsp:txXfrm>
+        <a:off x="1014206" y="3297000"/>
+        <a:ext cx="5137356" cy="878100"/>
+      </dsp:txXfrm>
+    </dsp:sp>
+    <dsp:sp modelId="{EFD9F347-EA25-42CD-8BCD-EB852E723A24}">
+      <dsp:nvSpPr>
+        <dsp:cNvPr id="0" name=""/>
+        <dsp:cNvSpPr/>
+      </dsp:nvSpPr>
+      <dsp:spPr>
+        <a:xfrm>
+          <a:off x="0" y="4394626"/>
+          <a:ext cx="6151562" cy="878100"/>
+        </a:xfrm>
+        <a:prstGeom prst="roundRect">
+          <a:avLst>
+            <a:gd name="adj" fmla="val 10000"/>
+          </a:avLst>
+        </a:prstGeom>
+        <a:solidFill>
+          <a:schemeClr val="bg1">
+            <a:lumMod val="95000"/>
+            <a:hueOff val="0"/>
+            <a:satOff val="0"/>
+            <a:lumOff val="0"/>
+            <a:alphaOff val="0"/>
+          </a:schemeClr>
+        </a:solidFill>
+        <a:ln>
+          <a:noFill/>
+        </a:ln>
+        <a:effectLst/>
+      </dsp:spPr>
+      <dsp:style>
+        <a:lnRef idx="0">
+          <a:scrgbClr r="0" g="0" b="0"/>
+        </a:lnRef>
+        <a:fillRef idx="1">
+          <a:scrgbClr r="0" g="0" b="0"/>
+        </a:fillRef>
+        <a:effectRef idx="0">
+          <a:scrgbClr r="0" g="0" b="0"/>
+        </a:effectRef>
+        <a:fontRef idx="minor"/>
+      </dsp:style>
+    </dsp:sp>
+    <dsp:sp modelId="{6545561C-8C4A-4CD5-87C1-5055FD3D19C0}">
+      <dsp:nvSpPr>
+        <dsp:cNvPr id="0" name=""/>
+        <dsp:cNvSpPr/>
+      </dsp:nvSpPr>
+      <dsp:spPr>
+        <a:xfrm>
+          <a:off x="265625" y="4592199"/>
+          <a:ext cx="482955" cy="482955"/>
+        </a:xfrm>
+        <a:prstGeom prst="rect">
+          <a:avLst/>
+        </a:prstGeom>
+        <a:blipFill>
+          <a:blip xmlns:r="http://schemas.openxmlformats.org/officeDocument/2006/relationships" r:embed="rId9">
+            <a:extLst>
+              <a:ext uri="{28A0092B-C50C-407E-A947-70E740481C1C}">
+                <a14:useLocalDpi xmlns:a14="http://schemas.microsoft.com/office/drawing/2010/main" val="0"/>
+              </a:ext>
+              <a:ext uri="{96DAC541-7B7A-43D3-8B79-37D633B846F1}">
+                <asvg:svgBlip xmlns:asvg="http://schemas.microsoft.com/office/drawing/2016/SVG/main" r:embed="rId10"/>
+              </a:ext>
+            </a:extLst>
+          </a:blip>
+          <a:stretch>
+            <a:fillRect/>
+          </a:stretch>
+        </a:blipFill>
+        <a:ln w="12700" cap="flat" cmpd="sng" algn="ctr">
+          <a:noFill/>
+          <a:prstDash val="solid"/>
+        </a:ln>
+        <a:effectLst/>
+      </dsp:spPr>
+      <dsp:style>
+        <a:lnRef idx="2">
+          <a:scrgbClr r="0" g="0" b="0"/>
+        </a:lnRef>
+        <a:fillRef idx="1">
+          <a:scrgbClr r="0" g="0" b="0"/>
+        </a:fillRef>
+        <a:effectRef idx="0">
+          <a:scrgbClr r="0" g="0" b="0"/>
+        </a:effectRef>
+        <a:fontRef idx="minor">
+          <a:schemeClr val="lt1"/>
+        </a:fontRef>
+      </dsp:style>
+    </dsp:sp>
+    <dsp:sp modelId="{2F47A78A-AE1B-4723-8C1B-C5C896431F71}">
+      <dsp:nvSpPr>
+        <dsp:cNvPr id="0" name=""/>
+        <dsp:cNvSpPr/>
+      </dsp:nvSpPr>
+      <dsp:spPr>
+        <a:xfrm>
+          <a:off x="1014206" y="4394626"/>
+          <a:ext cx="5137356" cy="878100"/>
+        </a:xfrm>
+        <a:prstGeom prst="rect">
+          <a:avLst/>
+        </a:prstGeom>
+        <a:noFill/>
+        <a:ln>
+          <a:noFill/>
+        </a:ln>
+        <a:effectLst/>
+      </dsp:spPr>
+      <dsp:style>
+        <a:lnRef idx="0">
+          <a:scrgbClr r="0" g="0" b="0"/>
+        </a:lnRef>
+        <a:fillRef idx="0">
+          <a:scrgbClr r="0" g="0" b="0"/>
+        </a:fillRef>
+        <a:effectRef idx="0">
+          <a:scrgbClr r="0" g="0" b="0"/>
+        </a:effectRef>
+        <a:fontRef idx="minor"/>
+      </dsp:style>
+      <dsp:txBody>
+        <a:bodyPr spcFirstLastPara="0" vert="horz" wrap="square" lIns="92932" tIns="92932" rIns="92932" bIns="92932" numCol="1" spcCol="1270" anchor="ctr" anchorCtr="0">
+          <a:noAutofit/>
+        </a:bodyPr>
+        <a:lstStyle/>
+        <a:p>
+          <a:pPr marL="0" lvl="0" indent="0" algn="l" defTabSz="844550">
+            <a:lnSpc>
+              <a:spcPct val="90000"/>
+            </a:lnSpc>
+            <a:spcBef>
+              <a:spcPct val="0"/>
+            </a:spcBef>
+            <a:spcAft>
+              <a:spcPct val="35000"/>
+            </a:spcAft>
+            <a:buNone/>
+          </a:pPr>
+          <a:r>
+            <a:rPr lang="en-US" sz="1900" kern="1200"/>
+            <a:t>Further analysis</a:t>
+          </a:r>
+        </a:p>
+      </dsp:txBody>
+      <dsp:txXfrm>
+        <a:off x="1014206" y="4394626"/>
+        <a:ext cx="5137356" cy="878100"/>
+      </dsp:txXfrm>
+    </dsp:sp>
+  </dsp:spTree>
+</dsp:drawing>
+</file>
+
+<file path=ppt/diagrams/drawing2.xml><?xml version="1.0" encoding="utf-8"?>
 <dsp:drawing xmlns:dgm="http://schemas.openxmlformats.org/drawingml/2006/diagram" xmlns:dsp="http://schemas.microsoft.com/office/drawing/2008/diagram" xmlns:a="http://schemas.openxmlformats.org/drawingml/2006/main">
   <dsp:spTree>
     <dsp:nvGrpSpPr>
@@ -2891,7 +5079,7 @@
 </dsp:drawing>
 </file>
 
-<file path=ppt/diagrams/drawing2.xml><?xml version="1.0" encoding="utf-8"?>
+<file path=ppt/diagrams/drawing3.xml><?xml version="1.0" encoding="utf-8"?>
 <dsp:drawing xmlns:dgm="http://schemas.openxmlformats.org/drawingml/2006/diagram" xmlns:dsp="http://schemas.microsoft.com/office/drawing/2008/diagram" xmlns:a="http://schemas.openxmlformats.org/drawingml/2006/main">
   <dsp:spTree>
     <dsp:nvGrpSpPr>
@@ -3148,15 +5336,7 @@
           </a:pPr>
           <a:r>
             <a:rPr lang="en-US" sz="2300" kern="1200" dirty="0"/>
-            <a:t>Given the “Super Region” associated with </a:t>
-          </a:r>
-          <a:r>
-            <a:rPr lang="en-US" sz="2300" kern="1200"/>
-            <a:t>each “Property Country”, </a:t>
-          </a:r>
-          <a:r>
-            <a:rPr lang="en-US" sz="2300" kern="1200" dirty="0"/>
-            <a:t>could investigate whether customers booking through mobile devices are more/less likely to travel within the same region or outside of it</a:t>
+            <a:t>Given the “Super Region” associated with each “Property Country”, could investigate whether customers booking through mobile devices are more/less likely to travel within the same region or outside of it</a:t>
           </a:r>
         </a:p>
       </dsp:txBody>
@@ -3170,6 +5350,300 @@
 </file>
 
 <file path=ppt/diagrams/layout1.xml><?xml version="1.0" encoding="utf-8"?>
+<dgm:layoutDef xmlns:dgm="http://schemas.openxmlformats.org/drawingml/2006/diagram" xmlns:a="http://schemas.openxmlformats.org/drawingml/2006/main" uniqueId="urn:microsoft.com/office/officeart/2018/2/layout/IconVerticalSolidList">
+  <dgm:title val="Icon Vertical Solid List"/>
+  <dgm:desc val="Use to show a series of visuals from top to bottom with Level 1 or Level 1 and Level 2 text grouped in a shape. Works best with icons or small pictures with lengthier descriptions."/>
+  <dgm:catLst>
+    <dgm:cat type="icon" pri="500"/>
+  </dgm:catLst>
+  <dgm:sampData useDef="1">
+    <dgm:dataModel>
+      <dgm:ptLst/>
+      <dgm:bg/>
+      <dgm:whole/>
+    </dgm:dataModel>
+  </dgm:sampData>
+  <dgm:styleData useDef="1">
+    <dgm:dataModel>
+      <dgm:ptLst/>
+      <dgm:bg/>
+      <dgm:whole/>
+    </dgm:dataModel>
+  </dgm:styleData>
+  <dgm:clrData useDef="1">
+    <dgm:dataModel>
+      <dgm:ptLst/>
+      <dgm:bg/>
+      <dgm:whole/>
+    </dgm:dataModel>
+  </dgm:clrData>
+  <dgm:layoutNode name="root">
+    <dgm:varLst>
+      <dgm:dir/>
+      <dgm:resizeHandles val="exact"/>
+    </dgm:varLst>
+    <dgm:choose name="Name0">
+      <dgm:if name="Name1" axis="self" func="var" arg="dir" op="equ" val="norm">
+        <dgm:alg type="lin">
+          <dgm:param type="linDir" val="fromT"/>
+          <dgm:param type="nodeHorzAlign" val="l"/>
+        </dgm:alg>
+      </dgm:if>
+      <dgm:else name="Name2">
+        <dgm:alg type="lin">
+          <dgm:param type="linDir" val="fromT"/>
+          <dgm:param type="nodeHorzAlign" val="r"/>
+        </dgm:alg>
+      </dgm:else>
+    </dgm:choose>
+    <dgm:shape xmlns:r="http://schemas.openxmlformats.org/officeDocument/2006/relationships" r:blip="">
+      <dgm:adjLst/>
+    </dgm:shape>
+    <dgm:presOf/>
+    <dgm:choose name="Name3">
+      <dgm:if name="Name4" axis="ch" ptType="node" func="cnt" op="lte" val="3">
+        <dgm:constrLst>
+          <dgm:constr type="h" for="ch" forName="compNode" refType="h" fact="0.3"/>
+          <dgm:constr type="w" for="ch" forName="compNode" refType="w"/>
+          <dgm:constr type="h" for="ch" forName="sibTrans" refType="h" refFor="ch" refForName="compNode" fact="0.25"/>
+          <dgm:constr type="primFontSz" for="des" forName="parTx" val="25"/>
+          <dgm:constr type="primFontSz" for="des" forName="desTx" refType="primFontSz" refFor="des" refForName="parTx" op="lte" fact="0.75"/>
+          <dgm:constr type="h" for="des" forName="compNode" op="equ"/>
+          <dgm:constr type="h" for="des" forName="bgRect" op="equ"/>
+          <dgm:constr type="h" for="des" forName="iconRect" op="equ"/>
+          <dgm:constr type="w" for="des" forName="iconRect" op="equ"/>
+          <dgm:constr type="h" for="des" forName="spaceRect" op="equ"/>
+          <dgm:constr type="h" for="des" forName="parTx" op="equ"/>
+          <dgm:constr type="h" for="des" forName="desTx" op="equ"/>
+        </dgm:constrLst>
+      </dgm:if>
+      <dgm:if name="Name5" axis="ch" ptType="node" func="cnt" op="lte" val="4">
+        <dgm:constrLst>
+          <dgm:constr type="h" for="ch" forName="compNode" refType="h" fact="0.3"/>
+          <dgm:constr type="w" for="ch" forName="compNode" refType="w"/>
+          <dgm:constr type="h" for="ch" forName="sibTrans" refType="h" refFor="ch" refForName="compNode" fact="0.25"/>
+          <dgm:constr type="primFontSz" for="des" forName="parTx" val="22"/>
+          <dgm:constr type="primFontSz" for="des" forName="desTx" refType="primFontSz" refFor="des" refForName="parTx" op="lte" fact="0.75"/>
+          <dgm:constr type="h" for="des" forName="compNode" op="equ"/>
+          <dgm:constr type="h" for="des" forName="bgRect" op="equ"/>
+          <dgm:constr type="h" for="des" forName="iconRect" op="equ"/>
+          <dgm:constr type="w" for="des" forName="iconRect" op="equ"/>
+          <dgm:constr type="h" for="des" forName="spaceRect" op="equ"/>
+          <dgm:constr type="h" for="des" forName="parTx" op="equ"/>
+          <dgm:constr type="h" for="des" forName="desTx" op="equ"/>
+        </dgm:constrLst>
+      </dgm:if>
+      <dgm:if name="Name6" axis="ch" ptType="node" func="cnt" op="lte" val="6">
+        <dgm:constrLst>
+          <dgm:constr type="h" for="ch" forName="compNode" refType="h" fact="0.3"/>
+          <dgm:constr type="w" for="ch" forName="compNode" refType="w"/>
+          <dgm:constr type="h" for="ch" forName="sibTrans" refType="h" refFor="ch" refForName="compNode" fact="0.25"/>
+          <dgm:constr type="primFontSz" for="des" forName="parTx" val="19"/>
+          <dgm:constr type="primFontSz" for="des" forName="desTx" refType="primFontSz" refFor="des" refForName="parTx" op="lte" fact="0.75"/>
+          <dgm:constr type="h" for="des" forName="compNode" op="equ"/>
+          <dgm:constr type="h" for="des" forName="bgRect" op="equ"/>
+          <dgm:constr type="h" for="des" forName="iconRect" op="equ"/>
+          <dgm:constr type="w" for="des" forName="iconRect" op="equ"/>
+          <dgm:constr type="h" for="des" forName="spaceRect" op="equ"/>
+          <dgm:constr type="h" for="des" forName="parTx" op="equ"/>
+          <dgm:constr type="h" for="des" forName="desTx" op="equ"/>
+        </dgm:constrLst>
+      </dgm:if>
+      <dgm:else name="Name7">
+        <dgm:constrLst>
+          <dgm:constr type="h" for="ch" forName="compNode" refType="h" fact="0.3"/>
+          <dgm:constr type="w" for="ch" forName="compNode" refType="w"/>
+          <dgm:constr type="h" for="ch" forName="sibTrans" refType="h" refFor="ch" refForName="compNode" fact="0.25"/>
+          <dgm:constr type="primFontSz" for="des" forName="parTx" val="16"/>
+          <dgm:constr type="primFontSz" for="des" forName="desTx" refType="primFontSz" refFor="des" refForName="parTx" op="lte" fact="0.75"/>
+          <dgm:constr type="h" for="des" forName="compNode" op="equ"/>
+          <dgm:constr type="h" for="des" forName="bgRect" op="equ"/>
+          <dgm:constr type="h" for="des" forName="iconRect" op="equ"/>
+          <dgm:constr type="w" for="des" forName="iconRect" op="equ"/>
+          <dgm:constr type="h" for="des" forName="spaceRect" op="equ"/>
+          <dgm:constr type="h" for="des" forName="parTx" op="equ"/>
+          <dgm:constr type="h" for="des" forName="desTx" op="equ"/>
+        </dgm:constrLst>
+      </dgm:else>
+    </dgm:choose>
+    <dgm:ruleLst>
+      <dgm:rule type="h" for="ch" forName="compNode" val="0" fact="NaN" max="NaN"/>
+    </dgm:ruleLst>
+    <dgm:forEach name="Name8" axis="ch" ptType="node">
+      <dgm:layoutNode name="compNode">
+        <dgm:alg type="composite"/>
+        <dgm:shape xmlns:r="http://schemas.openxmlformats.org/officeDocument/2006/relationships" r:blip="">
+          <dgm:adjLst/>
+        </dgm:shape>
+        <dgm:presOf axis="self"/>
+        <dgm:choose name="Name9">
+          <dgm:if name="Name10" axis="ch" ptType="node" func="cnt" op="gte" val="1">
+            <dgm:constrLst>
+              <dgm:constr type="w" for="ch" forName="bgRect" refType="w"/>
+              <dgm:constr type="h" for="ch" forName="bgRect" refType="h"/>
+              <dgm:constr type="l" for="ch" forName="bgRect"/>
+              <dgm:constr type="t" for="ch" forName="bgRect"/>
+              <dgm:constr type="h" for="ch" forName="iconRect" refType="h" fact="0.55"/>
+              <dgm:constr type="w" for="ch" forName="iconRect" refType="h" refFor="ch" refForName="iconRect"/>
+              <dgm:constr type="l" for="ch" forName="iconRect" refType="h" refFor="ch" refForName="iconRect" fact="0.55"/>
+              <dgm:constr type="ctrY" for="ch" forName="iconRect" refType="ctrY" refFor="ch" refForName="bgRect"/>
+              <dgm:constr type="w" for="ch" forName="spaceRect" refType="l" refFor="ch" refForName="iconRect"/>
+              <dgm:constr type="h" for="ch" forName="spaceRect" refType="h"/>
+              <dgm:constr type="l" for="ch" forName="spaceRect" refType="r" refFor="ch" refForName="iconRect"/>
+              <dgm:constr type="t" for="ch" forName="spaceRect"/>
+              <dgm:constr type="w" for="ch" forName="parTx" refType="w" fact="0.45"/>
+              <dgm:constr type="h" for="ch" forName="parTx" refType="h"/>
+              <dgm:constr type="l" for="ch" forName="parTx" refType="r" refFor="ch" refForName="spaceRect"/>
+              <dgm:constr type="t" for="ch" forName="parTx"/>
+              <dgm:constr type="h" for="ch" forName="desTx" refType="h"/>
+              <dgm:constr type="l" for="ch" forName="desTx" refType="r" refFor="ch" refForName="parTx"/>
+              <dgm:constr type="t" for="ch" forName="desTx"/>
+            </dgm:constrLst>
+          </dgm:if>
+          <dgm:else name="Name11">
+            <dgm:constrLst>
+              <dgm:constr type="w" for="ch" forName="bgRect" refType="w"/>
+              <dgm:constr type="h" for="ch" forName="bgRect" refType="h"/>
+              <dgm:constr type="l" for="ch" forName="bgRect"/>
+              <dgm:constr type="t" for="ch" forName="bgRect"/>
+              <dgm:constr type="h" for="ch" forName="iconRect" refType="h" fact="0.55"/>
+              <dgm:constr type="w" for="ch" forName="iconRect" refType="h" refFor="ch" refForName="iconRect"/>
+              <dgm:constr type="l" for="ch" forName="iconRect" refType="h" refFor="ch" refForName="iconRect" fact="0.55"/>
+              <dgm:constr type="ctrY" for="ch" forName="iconRect" refType="ctrY" refFor="ch" refForName="bgRect"/>
+              <dgm:constr type="w" for="ch" forName="spaceRect" refType="l" refFor="ch" refForName="iconRect"/>
+              <dgm:constr type="h" for="ch" forName="spaceRect" refType="h"/>
+              <dgm:constr type="l" for="ch" forName="spaceRect" refType="r" refFor="ch" refForName="iconRect"/>
+              <dgm:constr type="t" for="ch" forName="spaceRect"/>
+              <dgm:constr type="h" for="ch" forName="parTx" refType="h"/>
+              <dgm:constr type="l" for="ch" forName="parTx" refType="r" refFor="ch" refForName="spaceRect"/>
+              <dgm:constr type="t" for="ch" forName="parTx"/>
+            </dgm:constrLst>
+          </dgm:else>
+        </dgm:choose>
+        <dgm:ruleLst>
+          <dgm:rule type="h" val="INF" fact="NaN" max="NaN"/>
+        </dgm:ruleLst>
+        <dgm:layoutNode name="bgRect" styleLbl="bgShp">
+          <dgm:alg type="sp"/>
+          <dgm:shape xmlns:r="http://schemas.openxmlformats.org/officeDocument/2006/relationships" type="roundRect" r:blip="">
+            <dgm:adjLst>
+              <dgm:adj idx="1" val="0.1"/>
+            </dgm:adjLst>
+          </dgm:shape>
+          <dgm:presOf/>
+          <dgm:constrLst/>
+          <dgm:ruleLst/>
+        </dgm:layoutNode>
+        <dgm:layoutNode name="iconRect" styleLbl="node1">
+          <dgm:alg type="sp"/>
+          <dgm:shape xmlns:r="http://schemas.openxmlformats.org/officeDocument/2006/relationships" type="rect" r:blip="" blipPhldr="1">
+            <dgm:adjLst/>
+          </dgm:shape>
+          <dgm:presOf/>
+          <dgm:constrLst/>
+          <dgm:ruleLst/>
+        </dgm:layoutNode>
+        <dgm:layoutNode name="spaceRect">
+          <dgm:alg type="sp"/>
+          <dgm:shape xmlns:r="http://schemas.openxmlformats.org/officeDocument/2006/relationships" r:blip="">
+            <dgm:adjLst/>
+          </dgm:shape>
+          <dgm:presOf/>
+          <dgm:constrLst/>
+          <dgm:ruleLst/>
+        </dgm:layoutNode>
+        <dgm:layoutNode name="parTx" styleLbl="revTx">
+          <dgm:varLst>
+            <dgm:chMax val="0"/>
+            <dgm:chPref val="0"/>
+          </dgm:varLst>
+          <dgm:alg type="tx">
+            <dgm:param type="txAnchorVert" val="mid"/>
+            <dgm:param type="parTxLTRAlign" val="l"/>
+            <dgm:param type="shpTxLTRAlignCh" val="l"/>
+            <dgm:param type="parTxRTLAlign" val="r"/>
+            <dgm:param type="shpTxRTLAlignCh" val="r"/>
+          </dgm:alg>
+          <dgm:shape xmlns:r="http://schemas.openxmlformats.org/officeDocument/2006/relationships" type="rect" r:blip="">
+            <dgm:adjLst/>
+          </dgm:shape>
+          <dgm:presOf axis="self" ptType="node"/>
+          <dgm:constrLst>
+            <dgm:constr type="lMarg" refType="h" fact="0.3"/>
+            <dgm:constr type="rMarg" refType="h" fact="0.3"/>
+            <dgm:constr type="tMarg" refType="h" fact="0.3"/>
+            <dgm:constr type="bMarg" refType="h" fact="0.3"/>
+          </dgm:constrLst>
+          <dgm:ruleLst>
+            <dgm:rule type="primFontSz" val="14" fact="NaN" max="NaN"/>
+            <dgm:rule type="h" val="INF" fact="NaN" max="NaN"/>
+          </dgm:ruleLst>
+        </dgm:layoutNode>
+        <dgm:choose name="Name12">
+          <dgm:if name="Name13" axis="ch" ptType="node" func="cnt" op="gte" val="1">
+            <dgm:layoutNode name="desTx" styleLbl="revTx">
+              <dgm:varLst/>
+              <dgm:alg type="tx">
+                <dgm:param type="txAnchorVertCh" val="mid"/>
+                <dgm:param type="parTxLTRAlign" val="l"/>
+                <dgm:param type="shpTxLTRAlignCh" val="l"/>
+                <dgm:param type="parTxRTLAlign" val="r"/>
+                <dgm:param type="shpTxRTLAlignCh" val="r"/>
+                <dgm:param type="stBulletLvl" val="0"/>
+              </dgm:alg>
+              <dgm:shape xmlns:r="http://schemas.openxmlformats.org/officeDocument/2006/relationships" type="rect" r:blip="">
+                <dgm:adjLst/>
+              </dgm:shape>
+              <dgm:presOf axis="des" ptType="node"/>
+              <dgm:constrLst>
+                <dgm:constr type="primFontSz" val="18"/>
+                <dgm:constr type="secFontSz" refType="primFontSz"/>
+                <dgm:constr type="lMarg" refType="h" fact="0.3"/>
+                <dgm:constr type="rMarg" refType="h" fact="0.3"/>
+                <dgm:constr type="tMarg" refType="h" fact="0.3"/>
+                <dgm:constr type="bMarg" refType="h" fact="0.3"/>
+              </dgm:constrLst>
+              <dgm:ruleLst>
+                <dgm:rule type="primFontSz" val="11" fact="NaN" max="NaN"/>
+              </dgm:ruleLst>
+            </dgm:layoutNode>
+          </dgm:if>
+          <dgm:else name="Name14"/>
+        </dgm:choose>
+      </dgm:layoutNode>
+      <dgm:forEach name="Name15" axis="followSib" ptType="sibTrans" cnt="1">
+        <dgm:layoutNode name="sibTrans">
+          <dgm:alg type="sp"/>
+          <dgm:shape xmlns:r="http://schemas.openxmlformats.org/officeDocument/2006/relationships" r:blip="">
+            <dgm:adjLst/>
+          </dgm:shape>
+          <dgm:presOf axis="self"/>
+          <dgm:constrLst/>
+          <dgm:ruleLst/>
+        </dgm:layoutNode>
+      </dgm:forEach>
+    </dgm:forEach>
+  </dgm:layoutNode>
+  <dgm:extLst>
+    <a:ext uri="{68A01E43-0DF5-4B5B-8FA6-DAF915123BFB}">
+      <dgm1612:lstStyle xmlns:dgm1612="http://schemas.microsoft.com/office/drawing/2016/12/diagram">
+        <a:lvl1pPr>
+          <a:lnSpc>
+            <a:spcPct val="100000"/>
+          </a:lnSpc>
+        </a:lvl1pPr>
+        <a:lvl2pPr>
+          <a:lnSpc>
+            <a:spcPct val="100000"/>
+          </a:lnSpc>
+        </a:lvl2pPr>
+      </dgm1612:lstStyle>
+    </a:ext>
+  </dgm:extLst>
+</dgm:layoutDef>
+</file>
+
+<file path=ppt/diagrams/layout2.xml><?xml version="1.0" encoding="utf-8"?>
 <dgm:layoutDef xmlns:dgm="http://schemas.openxmlformats.org/drawingml/2006/diagram" xmlns:a="http://schemas.openxmlformats.org/drawingml/2006/main" uniqueId="urn:microsoft.com/office/officeart/2018/5/layout/IconCircleLabelList">
   <dgm:title val="Icon Circle Label List"/>
   <dgm:desc val="Use to show non-sequential or grouped chunks of information accompanied by a related visuals. Works best with icons or small pictures with short text captions."/>
@@ -3384,7 +5858,7 @@
 </dgm:layoutDef>
 </file>
 
-<file path=ppt/diagrams/layout2.xml><?xml version="1.0" encoding="utf-8"?>
+<file path=ppt/diagrams/layout3.xml><?xml version="1.0" encoding="utf-8"?>
 <dgm:layoutDef xmlns:dgm="http://schemas.openxmlformats.org/drawingml/2006/diagram" xmlns:a="http://schemas.openxmlformats.org/drawingml/2006/main" uniqueId="urn:microsoft.com/office/officeart/2005/8/layout/hierarchy1">
   <dgm:title val=""/>
   <dgm:desc val=""/>
@@ -6015,6 +8489,1040 @@
 </dgm:styleDef>
 </file>
 
+<file path=ppt/diagrams/quickStyle3.xml><?xml version="1.0" encoding="utf-8"?>
+<dgm:styleDef xmlns:dgm="http://schemas.openxmlformats.org/drawingml/2006/diagram" xmlns:a="http://schemas.openxmlformats.org/drawingml/2006/main" uniqueId="urn:microsoft.com/office/officeart/2005/8/quickstyle/simple1">
+  <dgm:title val=""/>
+  <dgm:desc val=""/>
+  <dgm:catLst>
+    <dgm:cat type="simple" pri="10100"/>
+  </dgm:catLst>
+  <dgm:scene3d>
+    <a:camera prst="orthographicFront"/>
+    <a:lightRig rig="threePt" dir="t"/>
+  </dgm:scene3d>
+  <dgm:styleLbl name="node0">
+    <dgm:scene3d>
+      <a:camera prst="orthographicFront"/>
+      <a:lightRig rig="threePt" dir="t"/>
+    </dgm:scene3d>
+    <dgm:sp3d/>
+    <dgm:txPr/>
+    <dgm:style>
+      <a:lnRef idx="2">
+        <a:scrgbClr r="0" g="0" b="0"/>
+      </a:lnRef>
+      <a:fillRef idx="1">
+        <a:scrgbClr r="0" g="0" b="0"/>
+      </a:fillRef>
+      <a:effectRef idx="0">
+        <a:scrgbClr r="0" g="0" b="0"/>
+      </a:effectRef>
+      <a:fontRef idx="minor">
+        <a:schemeClr val="lt1"/>
+      </a:fontRef>
+    </dgm:style>
+  </dgm:styleLbl>
+  <dgm:styleLbl name="lnNode1">
+    <dgm:scene3d>
+      <a:camera prst="orthographicFront"/>
+      <a:lightRig rig="threePt" dir="t"/>
+    </dgm:scene3d>
+    <dgm:sp3d/>
+    <dgm:txPr/>
+    <dgm:style>
+      <a:lnRef idx="2">
+        <a:scrgbClr r="0" g="0" b="0"/>
+      </a:lnRef>
+      <a:fillRef idx="1">
+        <a:scrgbClr r="0" g="0" b="0"/>
+      </a:fillRef>
+      <a:effectRef idx="0">
+        <a:scrgbClr r="0" g="0" b="0"/>
+      </a:effectRef>
+      <a:fontRef idx="minor">
+        <a:schemeClr val="lt1"/>
+      </a:fontRef>
+    </dgm:style>
+  </dgm:styleLbl>
+  <dgm:styleLbl name="vennNode1">
+    <dgm:scene3d>
+      <a:camera prst="orthographicFront"/>
+      <a:lightRig rig="threePt" dir="t"/>
+    </dgm:scene3d>
+    <dgm:sp3d/>
+    <dgm:txPr/>
+    <dgm:style>
+      <a:lnRef idx="2">
+        <a:scrgbClr r="0" g="0" b="0"/>
+      </a:lnRef>
+      <a:fillRef idx="1">
+        <a:scrgbClr r="0" g="0" b="0"/>
+      </a:fillRef>
+      <a:effectRef idx="0">
+        <a:scrgbClr r="0" g="0" b="0"/>
+      </a:effectRef>
+      <a:fontRef idx="minor">
+        <a:schemeClr val="tx1"/>
+      </a:fontRef>
+    </dgm:style>
+  </dgm:styleLbl>
+  <dgm:styleLbl name="alignNode1">
+    <dgm:scene3d>
+      <a:camera prst="orthographicFront"/>
+      <a:lightRig rig="threePt" dir="t"/>
+    </dgm:scene3d>
+    <dgm:sp3d/>
+    <dgm:txPr/>
+    <dgm:style>
+      <a:lnRef idx="2">
+        <a:scrgbClr r="0" g="0" b="0"/>
+      </a:lnRef>
+      <a:fillRef idx="1">
+        <a:scrgbClr r="0" g="0" b="0"/>
+      </a:fillRef>
+      <a:effectRef idx="0">
+        <a:scrgbClr r="0" g="0" b="0"/>
+      </a:effectRef>
+      <a:fontRef idx="minor">
+        <a:schemeClr val="lt1"/>
+      </a:fontRef>
+    </dgm:style>
+  </dgm:styleLbl>
+  <dgm:styleLbl name="node1">
+    <dgm:scene3d>
+      <a:camera prst="orthographicFront"/>
+      <a:lightRig rig="threePt" dir="t"/>
+    </dgm:scene3d>
+    <dgm:sp3d/>
+    <dgm:txPr/>
+    <dgm:style>
+      <a:lnRef idx="2">
+        <a:scrgbClr r="0" g="0" b="0"/>
+      </a:lnRef>
+      <a:fillRef idx="1">
+        <a:scrgbClr r="0" g="0" b="0"/>
+      </a:fillRef>
+      <a:effectRef idx="0">
+        <a:scrgbClr r="0" g="0" b="0"/>
+      </a:effectRef>
+      <a:fontRef idx="minor">
+        <a:schemeClr val="lt1"/>
+      </a:fontRef>
+    </dgm:style>
+  </dgm:styleLbl>
+  <dgm:styleLbl name="node2">
+    <dgm:scene3d>
+      <a:camera prst="orthographicFront"/>
+      <a:lightRig rig="threePt" dir="t"/>
+    </dgm:scene3d>
+    <dgm:sp3d/>
+    <dgm:txPr/>
+    <dgm:style>
+      <a:lnRef idx="2">
+        <a:scrgbClr r="0" g="0" b="0"/>
+      </a:lnRef>
+      <a:fillRef idx="1">
+        <a:scrgbClr r="0" g="0" b="0"/>
+      </a:fillRef>
+      <a:effectRef idx="0">
+        <a:scrgbClr r="0" g="0" b="0"/>
+      </a:effectRef>
+      <a:fontRef idx="minor">
+        <a:schemeClr val="lt1"/>
+      </a:fontRef>
+    </dgm:style>
+  </dgm:styleLbl>
+  <dgm:styleLbl name="node3">
+    <dgm:scene3d>
+      <a:camera prst="orthographicFront"/>
+      <a:lightRig rig="threePt" dir="t"/>
+    </dgm:scene3d>
+    <dgm:sp3d/>
+    <dgm:txPr/>
+    <dgm:style>
+      <a:lnRef idx="2">
+        <a:scrgbClr r="0" g="0" b="0"/>
+      </a:lnRef>
+      <a:fillRef idx="1">
+        <a:scrgbClr r="0" g="0" b="0"/>
+      </a:fillRef>
+      <a:effectRef idx="0">
+        <a:scrgbClr r="0" g="0" b="0"/>
+      </a:effectRef>
+      <a:fontRef idx="minor">
+        <a:schemeClr val="lt1"/>
+      </a:fontRef>
+    </dgm:style>
+  </dgm:styleLbl>
+  <dgm:styleLbl name="node4">
+    <dgm:scene3d>
+      <a:camera prst="orthographicFront"/>
+      <a:lightRig rig="threePt" dir="t"/>
+    </dgm:scene3d>
+    <dgm:sp3d/>
+    <dgm:txPr/>
+    <dgm:style>
+      <a:lnRef idx="2">
+        <a:scrgbClr r="0" g="0" b="0"/>
+      </a:lnRef>
+      <a:fillRef idx="1">
+        <a:scrgbClr r="0" g="0" b="0"/>
+      </a:fillRef>
+      <a:effectRef idx="0">
+        <a:scrgbClr r="0" g="0" b="0"/>
+      </a:effectRef>
+      <a:fontRef idx="minor">
+        <a:schemeClr val="lt1"/>
+      </a:fontRef>
+    </dgm:style>
+  </dgm:styleLbl>
+  <dgm:styleLbl name="fgImgPlace1">
+    <dgm:scene3d>
+      <a:camera prst="orthographicFront"/>
+      <a:lightRig rig="threePt" dir="t"/>
+    </dgm:scene3d>
+    <dgm:sp3d/>
+    <dgm:txPr/>
+    <dgm:style>
+      <a:lnRef idx="2">
+        <a:scrgbClr r="0" g="0" b="0"/>
+      </a:lnRef>
+      <a:fillRef idx="1">
+        <a:scrgbClr r="0" g="0" b="0"/>
+      </a:fillRef>
+      <a:effectRef idx="0">
+        <a:scrgbClr r="0" g="0" b="0"/>
+      </a:effectRef>
+      <a:fontRef idx="minor"/>
+    </dgm:style>
+  </dgm:styleLbl>
+  <dgm:styleLbl name="alignImgPlace1">
+    <dgm:scene3d>
+      <a:camera prst="orthographicFront"/>
+      <a:lightRig rig="threePt" dir="t"/>
+    </dgm:scene3d>
+    <dgm:sp3d/>
+    <dgm:txPr/>
+    <dgm:style>
+      <a:lnRef idx="2">
+        <a:scrgbClr r="0" g="0" b="0"/>
+      </a:lnRef>
+      <a:fillRef idx="1">
+        <a:scrgbClr r="0" g="0" b="0"/>
+      </a:fillRef>
+      <a:effectRef idx="0">
+        <a:scrgbClr r="0" g="0" b="0"/>
+      </a:effectRef>
+      <a:fontRef idx="minor"/>
+    </dgm:style>
+  </dgm:styleLbl>
+  <dgm:styleLbl name="bgImgPlace1">
+    <dgm:scene3d>
+      <a:camera prst="orthographicFront"/>
+      <a:lightRig rig="threePt" dir="t"/>
+    </dgm:scene3d>
+    <dgm:sp3d/>
+    <dgm:txPr/>
+    <dgm:style>
+      <a:lnRef idx="2">
+        <a:scrgbClr r="0" g="0" b="0"/>
+      </a:lnRef>
+      <a:fillRef idx="1">
+        <a:scrgbClr r="0" g="0" b="0"/>
+      </a:fillRef>
+      <a:effectRef idx="0">
+        <a:scrgbClr r="0" g="0" b="0"/>
+      </a:effectRef>
+      <a:fontRef idx="minor"/>
+    </dgm:style>
+  </dgm:styleLbl>
+  <dgm:styleLbl name="sibTrans2D1">
+    <dgm:scene3d>
+      <a:camera prst="orthographicFront"/>
+      <a:lightRig rig="threePt" dir="t"/>
+    </dgm:scene3d>
+    <dgm:sp3d/>
+    <dgm:txPr/>
+    <dgm:style>
+      <a:lnRef idx="0">
+        <a:scrgbClr r="0" g="0" b="0"/>
+      </a:lnRef>
+      <a:fillRef idx="1">
+        <a:scrgbClr r="0" g="0" b="0"/>
+      </a:fillRef>
+      <a:effectRef idx="0">
+        <a:scrgbClr r="0" g="0" b="0"/>
+      </a:effectRef>
+      <a:fontRef idx="minor">
+        <a:schemeClr val="lt1"/>
+      </a:fontRef>
+    </dgm:style>
+  </dgm:styleLbl>
+  <dgm:styleLbl name="fgSibTrans2D1">
+    <dgm:scene3d>
+      <a:camera prst="orthographicFront"/>
+      <a:lightRig rig="threePt" dir="t"/>
+    </dgm:scene3d>
+    <dgm:sp3d/>
+    <dgm:txPr/>
+    <dgm:style>
+      <a:lnRef idx="0">
+        <a:scrgbClr r="0" g="0" b="0"/>
+      </a:lnRef>
+      <a:fillRef idx="1">
+        <a:scrgbClr r="0" g="0" b="0"/>
+      </a:fillRef>
+      <a:effectRef idx="0">
+        <a:scrgbClr r="0" g="0" b="0"/>
+      </a:effectRef>
+      <a:fontRef idx="minor">
+        <a:schemeClr val="lt1"/>
+      </a:fontRef>
+    </dgm:style>
+  </dgm:styleLbl>
+  <dgm:styleLbl name="bgSibTrans2D1">
+    <dgm:scene3d>
+      <a:camera prst="orthographicFront"/>
+      <a:lightRig rig="threePt" dir="t"/>
+    </dgm:scene3d>
+    <dgm:sp3d/>
+    <dgm:txPr/>
+    <dgm:style>
+      <a:lnRef idx="0">
+        <a:scrgbClr r="0" g="0" b="0"/>
+      </a:lnRef>
+      <a:fillRef idx="1">
+        <a:scrgbClr r="0" g="0" b="0"/>
+      </a:fillRef>
+      <a:effectRef idx="0">
+        <a:scrgbClr r="0" g="0" b="0"/>
+      </a:effectRef>
+      <a:fontRef idx="minor">
+        <a:schemeClr val="lt1"/>
+      </a:fontRef>
+    </dgm:style>
+  </dgm:styleLbl>
+  <dgm:styleLbl name="sibTrans1D1">
+    <dgm:scene3d>
+      <a:camera prst="orthographicFront"/>
+      <a:lightRig rig="threePt" dir="t"/>
+    </dgm:scene3d>
+    <dgm:sp3d/>
+    <dgm:txPr/>
+    <dgm:style>
+      <a:lnRef idx="1">
+        <a:scrgbClr r="0" g="0" b="0"/>
+      </a:lnRef>
+      <a:fillRef idx="0">
+        <a:scrgbClr r="0" g="0" b="0"/>
+      </a:fillRef>
+      <a:effectRef idx="0">
+        <a:scrgbClr r="0" g="0" b="0"/>
+      </a:effectRef>
+      <a:fontRef idx="minor"/>
+    </dgm:style>
+  </dgm:styleLbl>
+  <dgm:styleLbl name="callout">
+    <dgm:scene3d>
+      <a:camera prst="orthographicFront"/>
+      <a:lightRig rig="threePt" dir="t"/>
+    </dgm:scene3d>
+    <dgm:sp3d/>
+    <dgm:txPr/>
+    <dgm:style>
+      <a:lnRef idx="2">
+        <a:scrgbClr r="0" g="0" b="0"/>
+      </a:lnRef>
+      <a:fillRef idx="1">
+        <a:scrgbClr r="0" g="0" b="0"/>
+      </a:fillRef>
+      <a:effectRef idx="0">
+        <a:scrgbClr r="0" g="0" b="0"/>
+      </a:effectRef>
+      <a:fontRef idx="minor"/>
+    </dgm:style>
+  </dgm:styleLbl>
+  <dgm:styleLbl name="asst0">
+    <dgm:scene3d>
+      <a:camera prst="orthographicFront"/>
+      <a:lightRig rig="threePt" dir="t"/>
+    </dgm:scene3d>
+    <dgm:sp3d/>
+    <dgm:txPr/>
+    <dgm:style>
+      <a:lnRef idx="2">
+        <a:scrgbClr r="0" g="0" b="0"/>
+      </a:lnRef>
+      <a:fillRef idx="1">
+        <a:scrgbClr r="0" g="0" b="0"/>
+      </a:fillRef>
+      <a:effectRef idx="0">
+        <a:scrgbClr r="0" g="0" b="0"/>
+      </a:effectRef>
+      <a:fontRef idx="minor">
+        <a:schemeClr val="lt1"/>
+      </a:fontRef>
+    </dgm:style>
+  </dgm:styleLbl>
+  <dgm:styleLbl name="asst1">
+    <dgm:scene3d>
+      <a:camera prst="orthographicFront"/>
+      <a:lightRig rig="threePt" dir="t"/>
+    </dgm:scene3d>
+    <dgm:sp3d/>
+    <dgm:txPr/>
+    <dgm:style>
+      <a:lnRef idx="2">
+        <a:scrgbClr r="0" g="0" b="0"/>
+      </a:lnRef>
+      <a:fillRef idx="1">
+        <a:scrgbClr r="0" g="0" b="0"/>
+      </a:fillRef>
+      <a:effectRef idx="0">
+        <a:scrgbClr r="0" g="0" b="0"/>
+      </a:effectRef>
+      <a:fontRef idx="minor">
+        <a:schemeClr val="lt1"/>
+      </a:fontRef>
+    </dgm:style>
+  </dgm:styleLbl>
+  <dgm:styleLbl name="asst2">
+    <dgm:scene3d>
+      <a:camera prst="orthographicFront"/>
+      <a:lightRig rig="threePt" dir="t"/>
+    </dgm:scene3d>
+    <dgm:sp3d/>
+    <dgm:txPr/>
+    <dgm:style>
+      <a:lnRef idx="2">
+        <a:scrgbClr r="0" g="0" b="0"/>
+      </a:lnRef>
+      <a:fillRef idx="1">
+        <a:scrgbClr r="0" g="0" b="0"/>
+      </a:fillRef>
+      <a:effectRef idx="0">
+        <a:scrgbClr r="0" g="0" b="0"/>
+      </a:effectRef>
+      <a:fontRef idx="minor">
+        <a:schemeClr val="lt1"/>
+      </a:fontRef>
+    </dgm:style>
+  </dgm:styleLbl>
+  <dgm:styleLbl name="asst3">
+    <dgm:scene3d>
+      <a:camera prst="orthographicFront"/>
+      <a:lightRig rig="threePt" dir="t"/>
+    </dgm:scene3d>
+    <dgm:sp3d/>
+    <dgm:txPr/>
+    <dgm:style>
+      <a:lnRef idx="2">
+        <a:scrgbClr r="0" g="0" b="0"/>
+      </a:lnRef>
+      <a:fillRef idx="1">
+        <a:scrgbClr r="0" g="0" b="0"/>
+      </a:fillRef>
+      <a:effectRef idx="0">
+        <a:scrgbClr r="0" g="0" b="0"/>
+      </a:effectRef>
+      <a:fontRef idx="minor">
+        <a:schemeClr val="lt1"/>
+      </a:fontRef>
+    </dgm:style>
+  </dgm:styleLbl>
+  <dgm:styleLbl name="asst4">
+    <dgm:scene3d>
+      <a:camera prst="orthographicFront"/>
+      <a:lightRig rig="threePt" dir="t"/>
+    </dgm:scene3d>
+    <dgm:sp3d/>
+    <dgm:txPr/>
+    <dgm:style>
+      <a:lnRef idx="2">
+        <a:scrgbClr r="0" g="0" b="0"/>
+      </a:lnRef>
+      <a:fillRef idx="1">
+        <a:scrgbClr r="0" g="0" b="0"/>
+      </a:fillRef>
+      <a:effectRef idx="0">
+        <a:scrgbClr r="0" g="0" b="0"/>
+      </a:effectRef>
+      <a:fontRef idx="minor">
+        <a:schemeClr val="lt1"/>
+      </a:fontRef>
+    </dgm:style>
+  </dgm:styleLbl>
+  <dgm:styleLbl name="parChTrans2D1">
+    <dgm:scene3d>
+      <a:camera prst="orthographicFront"/>
+      <a:lightRig rig="threePt" dir="t"/>
+    </dgm:scene3d>
+    <dgm:sp3d/>
+    <dgm:txPr/>
+    <dgm:style>
+      <a:lnRef idx="2">
+        <a:scrgbClr r="0" g="0" b="0"/>
+      </a:lnRef>
+      <a:fillRef idx="1">
+        <a:scrgbClr r="0" g="0" b="0"/>
+      </a:fillRef>
+      <a:effectRef idx="0">
+        <a:scrgbClr r="0" g="0" b="0"/>
+      </a:effectRef>
+      <a:fontRef idx="minor">
+        <a:schemeClr val="lt1"/>
+      </a:fontRef>
+    </dgm:style>
+  </dgm:styleLbl>
+  <dgm:styleLbl name="parChTrans2D2">
+    <dgm:scene3d>
+      <a:camera prst="orthographicFront"/>
+      <a:lightRig rig="threePt" dir="t"/>
+    </dgm:scene3d>
+    <dgm:sp3d/>
+    <dgm:txPr/>
+    <dgm:style>
+      <a:lnRef idx="2">
+        <a:scrgbClr r="0" g="0" b="0"/>
+      </a:lnRef>
+      <a:fillRef idx="1">
+        <a:scrgbClr r="0" g="0" b="0"/>
+      </a:fillRef>
+      <a:effectRef idx="0">
+        <a:scrgbClr r="0" g="0" b="0"/>
+      </a:effectRef>
+      <a:fontRef idx="minor">
+        <a:schemeClr val="lt1"/>
+      </a:fontRef>
+    </dgm:style>
+  </dgm:styleLbl>
+  <dgm:styleLbl name="parChTrans2D3">
+    <dgm:scene3d>
+      <a:camera prst="orthographicFront"/>
+      <a:lightRig rig="threePt" dir="t"/>
+    </dgm:scene3d>
+    <dgm:sp3d/>
+    <dgm:txPr/>
+    <dgm:style>
+      <a:lnRef idx="2">
+        <a:scrgbClr r="0" g="0" b="0"/>
+      </a:lnRef>
+      <a:fillRef idx="1">
+        <a:scrgbClr r="0" g="0" b="0"/>
+      </a:fillRef>
+      <a:effectRef idx="0">
+        <a:scrgbClr r="0" g="0" b="0"/>
+      </a:effectRef>
+      <a:fontRef idx="minor">
+        <a:schemeClr val="lt1"/>
+      </a:fontRef>
+    </dgm:style>
+  </dgm:styleLbl>
+  <dgm:styleLbl name="parChTrans2D4">
+    <dgm:scene3d>
+      <a:camera prst="orthographicFront"/>
+      <a:lightRig rig="threePt" dir="t"/>
+    </dgm:scene3d>
+    <dgm:sp3d/>
+    <dgm:txPr/>
+    <dgm:style>
+      <a:lnRef idx="2">
+        <a:scrgbClr r="0" g="0" b="0"/>
+      </a:lnRef>
+      <a:fillRef idx="1">
+        <a:scrgbClr r="0" g="0" b="0"/>
+      </a:fillRef>
+      <a:effectRef idx="0">
+        <a:scrgbClr r="0" g="0" b="0"/>
+      </a:effectRef>
+      <a:fontRef idx="minor">
+        <a:schemeClr val="lt1"/>
+      </a:fontRef>
+    </dgm:style>
+  </dgm:styleLbl>
+  <dgm:styleLbl name="parChTrans1D1">
+    <dgm:scene3d>
+      <a:camera prst="orthographicFront"/>
+      <a:lightRig rig="threePt" dir="t"/>
+    </dgm:scene3d>
+    <dgm:sp3d/>
+    <dgm:txPr/>
+    <dgm:style>
+      <a:lnRef idx="2">
+        <a:scrgbClr r="0" g="0" b="0"/>
+      </a:lnRef>
+      <a:fillRef idx="0">
+        <a:scrgbClr r="0" g="0" b="0"/>
+      </a:fillRef>
+      <a:effectRef idx="0">
+        <a:scrgbClr r="0" g="0" b="0"/>
+      </a:effectRef>
+      <a:fontRef idx="minor"/>
+    </dgm:style>
+  </dgm:styleLbl>
+  <dgm:styleLbl name="parChTrans1D2">
+    <dgm:scene3d>
+      <a:camera prst="orthographicFront"/>
+      <a:lightRig rig="threePt" dir="t"/>
+    </dgm:scene3d>
+    <dgm:sp3d/>
+    <dgm:txPr/>
+    <dgm:style>
+      <a:lnRef idx="2">
+        <a:scrgbClr r="0" g="0" b="0"/>
+      </a:lnRef>
+      <a:fillRef idx="0">
+        <a:scrgbClr r="0" g="0" b="0"/>
+      </a:fillRef>
+      <a:effectRef idx="0">
+        <a:scrgbClr r="0" g="0" b="0"/>
+      </a:effectRef>
+      <a:fontRef idx="minor"/>
+    </dgm:style>
+  </dgm:styleLbl>
+  <dgm:styleLbl name="parChTrans1D3">
+    <dgm:scene3d>
+      <a:camera prst="orthographicFront"/>
+      <a:lightRig rig="threePt" dir="t"/>
+    </dgm:scene3d>
+    <dgm:sp3d/>
+    <dgm:txPr/>
+    <dgm:style>
+      <a:lnRef idx="2">
+        <a:scrgbClr r="0" g="0" b="0"/>
+      </a:lnRef>
+      <a:fillRef idx="0">
+        <a:scrgbClr r="0" g="0" b="0"/>
+      </a:fillRef>
+      <a:effectRef idx="0">
+        <a:scrgbClr r="0" g="0" b="0"/>
+      </a:effectRef>
+      <a:fontRef idx="minor"/>
+    </dgm:style>
+  </dgm:styleLbl>
+  <dgm:styleLbl name="parChTrans1D4">
+    <dgm:scene3d>
+      <a:camera prst="orthographicFront"/>
+      <a:lightRig rig="threePt" dir="t"/>
+    </dgm:scene3d>
+    <dgm:sp3d/>
+    <dgm:txPr/>
+    <dgm:style>
+      <a:lnRef idx="2">
+        <a:scrgbClr r="0" g="0" b="0"/>
+      </a:lnRef>
+      <a:fillRef idx="0">
+        <a:scrgbClr r="0" g="0" b="0"/>
+      </a:fillRef>
+      <a:effectRef idx="0">
+        <a:scrgbClr r="0" g="0" b="0"/>
+      </a:effectRef>
+      <a:fontRef idx="minor"/>
+    </dgm:style>
+  </dgm:styleLbl>
+  <dgm:styleLbl name="fgAcc1">
+    <dgm:scene3d>
+      <a:camera prst="orthographicFront"/>
+      <a:lightRig rig="threePt" dir="t"/>
+    </dgm:scene3d>
+    <dgm:sp3d/>
+    <dgm:txPr/>
+    <dgm:style>
+      <a:lnRef idx="2">
+        <a:scrgbClr r="0" g="0" b="0"/>
+      </a:lnRef>
+      <a:fillRef idx="1">
+        <a:scrgbClr r="0" g="0" b="0"/>
+      </a:fillRef>
+      <a:effectRef idx="0">
+        <a:scrgbClr r="0" g="0" b="0"/>
+      </a:effectRef>
+      <a:fontRef idx="minor"/>
+    </dgm:style>
+  </dgm:styleLbl>
+  <dgm:styleLbl name="conFgAcc1">
+    <dgm:scene3d>
+      <a:camera prst="orthographicFront"/>
+      <a:lightRig rig="threePt" dir="t"/>
+    </dgm:scene3d>
+    <dgm:sp3d/>
+    <dgm:txPr/>
+    <dgm:style>
+      <a:lnRef idx="2">
+        <a:scrgbClr r="0" g="0" b="0"/>
+      </a:lnRef>
+      <a:fillRef idx="1">
+        <a:scrgbClr r="0" g="0" b="0"/>
+      </a:fillRef>
+      <a:effectRef idx="0">
+        <a:scrgbClr r="0" g="0" b="0"/>
+      </a:effectRef>
+      <a:fontRef idx="minor"/>
+    </dgm:style>
+  </dgm:styleLbl>
+  <dgm:styleLbl name="alignAcc1">
+    <dgm:scene3d>
+      <a:camera prst="orthographicFront"/>
+      <a:lightRig rig="threePt" dir="t"/>
+    </dgm:scene3d>
+    <dgm:sp3d/>
+    <dgm:txPr/>
+    <dgm:style>
+      <a:lnRef idx="2">
+        <a:scrgbClr r="0" g="0" b="0"/>
+      </a:lnRef>
+      <a:fillRef idx="1">
+        <a:scrgbClr r="0" g="0" b="0"/>
+      </a:fillRef>
+      <a:effectRef idx="0">
+        <a:scrgbClr r="0" g="0" b="0"/>
+      </a:effectRef>
+      <a:fontRef idx="minor"/>
+    </dgm:style>
+  </dgm:styleLbl>
+  <dgm:styleLbl name="trAlignAcc1">
+    <dgm:scene3d>
+      <a:camera prst="orthographicFront"/>
+      <a:lightRig rig="threePt" dir="t"/>
+    </dgm:scene3d>
+    <dgm:sp3d/>
+    <dgm:txPr/>
+    <dgm:style>
+      <a:lnRef idx="1">
+        <a:scrgbClr r="0" g="0" b="0"/>
+      </a:lnRef>
+      <a:fillRef idx="1">
+        <a:scrgbClr r="0" g="0" b="0"/>
+      </a:fillRef>
+      <a:effectRef idx="0">
+        <a:scrgbClr r="0" g="0" b="0"/>
+      </a:effectRef>
+      <a:fontRef idx="minor"/>
+    </dgm:style>
+  </dgm:styleLbl>
+  <dgm:styleLbl name="bgAcc1">
+    <dgm:scene3d>
+      <a:camera prst="orthographicFront"/>
+      <a:lightRig rig="threePt" dir="t"/>
+    </dgm:scene3d>
+    <dgm:sp3d/>
+    <dgm:txPr/>
+    <dgm:style>
+      <a:lnRef idx="2">
+        <a:scrgbClr r="0" g="0" b="0"/>
+      </a:lnRef>
+      <a:fillRef idx="1">
+        <a:scrgbClr r="0" g="0" b="0"/>
+      </a:fillRef>
+      <a:effectRef idx="0">
+        <a:scrgbClr r="0" g="0" b="0"/>
+      </a:effectRef>
+      <a:fontRef idx="minor"/>
+    </dgm:style>
+  </dgm:styleLbl>
+  <dgm:styleLbl name="solidFgAcc1">
+    <dgm:scene3d>
+      <a:camera prst="orthographicFront"/>
+      <a:lightRig rig="threePt" dir="t"/>
+    </dgm:scene3d>
+    <dgm:sp3d/>
+    <dgm:txPr/>
+    <dgm:style>
+      <a:lnRef idx="2">
+        <a:scrgbClr r="0" g="0" b="0"/>
+      </a:lnRef>
+      <a:fillRef idx="1">
+        <a:scrgbClr r="0" g="0" b="0"/>
+      </a:fillRef>
+      <a:effectRef idx="0">
+        <a:scrgbClr r="0" g="0" b="0"/>
+      </a:effectRef>
+      <a:fontRef idx="minor"/>
+    </dgm:style>
+  </dgm:styleLbl>
+  <dgm:styleLbl name="solidAlignAcc1">
+    <dgm:scene3d>
+      <a:camera prst="orthographicFront"/>
+      <a:lightRig rig="threePt" dir="t"/>
+    </dgm:scene3d>
+    <dgm:sp3d/>
+    <dgm:txPr/>
+    <dgm:style>
+      <a:lnRef idx="2">
+        <a:scrgbClr r="0" g="0" b="0"/>
+      </a:lnRef>
+      <a:fillRef idx="1">
+        <a:scrgbClr r="0" g="0" b="0"/>
+      </a:fillRef>
+      <a:effectRef idx="0">
+        <a:scrgbClr r="0" g="0" b="0"/>
+      </a:effectRef>
+      <a:fontRef idx="minor"/>
+    </dgm:style>
+  </dgm:styleLbl>
+  <dgm:styleLbl name="solidBgAcc1">
+    <dgm:scene3d>
+      <a:camera prst="orthographicFront"/>
+      <a:lightRig rig="threePt" dir="t"/>
+    </dgm:scene3d>
+    <dgm:sp3d/>
+    <dgm:txPr/>
+    <dgm:style>
+      <a:lnRef idx="2">
+        <a:scrgbClr r="0" g="0" b="0"/>
+      </a:lnRef>
+      <a:fillRef idx="1">
+        <a:scrgbClr r="0" g="0" b="0"/>
+      </a:fillRef>
+      <a:effectRef idx="0">
+        <a:scrgbClr r="0" g="0" b="0"/>
+      </a:effectRef>
+      <a:fontRef idx="minor"/>
+    </dgm:style>
+  </dgm:styleLbl>
+  <dgm:styleLbl name="fgAccFollowNode1">
+    <dgm:scene3d>
+      <a:camera prst="orthographicFront"/>
+      <a:lightRig rig="threePt" dir="t"/>
+    </dgm:scene3d>
+    <dgm:sp3d/>
+    <dgm:txPr/>
+    <dgm:style>
+      <a:lnRef idx="2">
+        <a:scrgbClr r="0" g="0" b="0"/>
+      </a:lnRef>
+      <a:fillRef idx="1">
+        <a:scrgbClr r="0" g="0" b="0"/>
+      </a:fillRef>
+      <a:effectRef idx="0">
+        <a:scrgbClr r="0" g="0" b="0"/>
+      </a:effectRef>
+      <a:fontRef idx="minor"/>
+    </dgm:style>
+  </dgm:styleLbl>
+  <dgm:styleLbl name="alignAccFollowNode1">
+    <dgm:scene3d>
+      <a:camera prst="orthographicFront"/>
+      <a:lightRig rig="threePt" dir="t"/>
+    </dgm:scene3d>
+    <dgm:sp3d/>
+    <dgm:txPr/>
+    <dgm:style>
+      <a:lnRef idx="2">
+        <a:scrgbClr r="0" g="0" b="0"/>
+      </a:lnRef>
+      <a:fillRef idx="1">
+        <a:scrgbClr r="0" g="0" b="0"/>
+      </a:fillRef>
+      <a:effectRef idx="0">
+        <a:scrgbClr r="0" g="0" b="0"/>
+      </a:effectRef>
+      <a:fontRef idx="minor"/>
+    </dgm:style>
+  </dgm:styleLbl>
+  <dgm:styleLbl name="bgAccFollowNode1">
+    <dgm:scene3d>
+      <a:camera prst="orthographicFront"/>
+      <a:lightRig rig="threePt" dir="t"/>
+    </dgm:scene3d>
+    <dgm:sp3d/>
+    <dgm:txPr/>
+    <dgm:style>
+      <a:lnRef idx="2">
+        <a:scrgbClr r="0" g="0" b="0"/>
+      </a:lnRef>
+      <a:fillRef idx="1">
+        <a:scrgbClr r="0" g="0" b="0"/>
+      </a:fillRef>
+      <a:effectRef idx="0">
+        <a:scrgbClr r="0" g="0" b="0"/>
+      </a:effectRef>
+      <a:fontRef idx="minor"/>
+    </dgm:style>
+  </dgm:styleLbl>
+  <dgm:styleLbl name="fgAcc0">
+    <dgm:scene3d>
+      <a:camera prst="orthographicFront"/>
+      <a:lightRig rig="threePt" dir="t"/>
+    </dgm:scene3d>
+    <dgm:sp3d/>
+    <dgm:txPr/>
+    <dgm:style>
+      <a:lnRef idx="2">
+        <a:scrgbClr r="0" g="0" b="0"/>
+      </a:lnRef>
+      <a:fillRef idx="1">
+        <a:scrgbClr r="0" g="0" b="0"/>
+      </a:fillRef>
+      <a:effectRef idx="0">
+        <a:scrgbClr r="0" g="0" b="0"/>
+      </a:effectRef>
+      <a:fontRef idx="minor"/>
+    </dgm:style>
+  </dgm:styleLbl>
+  <dgm:styleLbl name="fgAcc2">
+    <dgm:scene3d>
+      <a:camera prst="orthographicFront"/>
+      <a:lightRig rig="threePt" dir="t"/>
+    </dgm:scene3d>
+    <dgm:sp3d/>
+    <dgm:txPr/>
+    <dgm:style>
+      <a:lnRef idx="2">
+        <a:scrgbClr r="0" g="0" b="0"/>
+      </a:lnRef>
+      <a:fillRef idx="1">
+        <a:scrgbClr r="0" g="0" b="0"/>
+      </a:fillRef>
+      <a:effectRef idx="0">
+        <a:scrgbClr r="0" g="0" b="0"/>
+      </a:effectRef>
+      <a:fontRef idx="minor"/>
+    </dgm:style>
+  </dgm:styleLbl>
+  <dgm:styleLbl name="fgAcc3">
+    <dgm:scene3d>
+      <a:camera prst="orthographicFront"/>
+      <a:lightRig rig="threePt" dir="t"/>
+    </dgm:scene3d>
+    <dgm:sp3d/>
+    <dgm:txPr/>
+    <dgm:style>
+      <a:lnRef idx="2">
+        <a:scrgbClr r="0" g="0" b="0"/>
+      </a:lnRef>
+      <a:fillRef idx="1">
+        <a:scrgbClr r="0" g="0" b="0"/>
+      </a:fillRef>
+      <a:effectRef idx="0">
+        <a:scrgbClr r="0" g="0" b="0"/>
+      </a:effectRef>
+      <a:fontRef idx="minor"/>
+    </dgm:style>
+  </dgm:styleLbl>
+  <dgm:styleLbl name="fgAcc4">
+    <dgm:scene3d>
+      <a:camera prst="orthographicFront"/>
+      <a:lightRig rig="threePt" dir="t"/>
+    </dgm:scene3d>
+    <dgm:sp3d/>
+    <dgm:txPr/>
+    <dgm:style>
+      <a:lnRef idx="2">
+        <a:scrgbClr r="0" g="0" b="0"/>
+      </a:lnRef>
+      <a:fillRef idx="1">
+        <a:scrgbClr r="0" g="0" b="0"/>
+      </a:fillRef>
+      <a:effectRef idx="0">
+        <a:scrgbClr r="0" g="0" b="0"/>
+      </a:effectRef>
+      <a:fontRef idx="minor"/>
+    </dgm:style>
+  </dgm:styleLbl>
+  <dgm:styleLbl name="bgShp">
+    <dgm:scene3d>
+      <a:camera prst="orthographicFront"/>
+      <a:lightRig rig="threePt" dir="t"/>
+    </dgm:scene3d>
+    <dgm:sp3d/>
+    <dgm:txPr/>
+    <dgm:style>
+      <a:lnRef idx="0">
+        <a:scrgbClr r="0" g="0" b="0"/>
+      </a:lnRef>
+      <a:fillRef idx="1">
+        <a:scrgbClr r="0" g="0" b="0"/>
+      </a:fillRef>
+      <a:effectRef idx="0">
+        <a:scrgbClr r="0" g="0" b="0"/>
+      </a:effectRef>
+      <a:fontRef idx="minor"/>
+    </dgm:style>
+  </dgm:styleLbl>
+  <dgm:styleLbl name="dkBgShp">
+    <dgm:scene3d>
+      <a:camera prst="orthographicFront"/>
+      <a:lightRig rig="threePt" dir="t"/>
+    </dgm:scene3d>
+    <dgm:sp3d/>
+    <dgm:txPr/>
+    <dgm:style>
+      <a:lnRef idx="0">
+        <a:scrgbClr r="0" g="0" b="0"/>
+      </a:lnRef>
+      <a:fillRef idx="1">
+        <a:scrgbClr r="0" g="0" b="0"/>
+      </a:fillRef>
+      <a:effectRef idx="0">
+        <a:scrgbClr r="0" g="0" b="0"/>
+      </a:effectRef>
+      <a:fontRef idx="minor"/>
+    </dgm:style>
+  </dgm:styleLbl>
+  <dgm:styleLbl name="trBgShp">
+    <dgm:scene3d>
+      <a:camera prst="orthographicFront"/>
+      <a:lightRig rig="threePt" dir="t"/>
+    </dgm:scene3d>
+    <dgm:sp3d/>
+    <dgm:txPr/>
+    <dgm:style>
+      <a:lnRef idx="0">
+        <a:scrgbClr r="0" g="0" b="0"/>
+      </a:lnRef>
+      <a:fillRef idx="1">
+        <a:scrgbClr r="0" g="0" b="0"/>
+      </a:fillRef>
+      <a:effectRef idx="0">
+        <a:scrgbClr r="0" g="0" b="0"/>
+      </a:effectRef>
+      <a:fontRef idx="minor"/>
+    </dgm:style>
+  </dgm:styleLbl>
+  <dgm:styleLbl name="fgShp">
+    <dgm:scene3d>
+      <a:camera prst="orthographicFront"/>
+      <a:lightRig rig="threePt" dir="t"/>
+    </dgm:scene3d>
+    <dgm:sp3d/>
+    <dgm:txPr/>
+    <dgm:style>
+      <a:lnRef idx="2">
+        <a:scrgbClr r="0" g="0" b="0"/>
+      </a:lnRef>
+      <a:fillRef idx="1">
+        <a:scrgbClr r="0" g="0" b="0"/>
+      </a:fillRef>
+      <a:effectRef idx="0">
+        <a:scrgbClr r="0" g="0" b="0"/>
+      </a:effectRef>
+      <a:fontRef idx="minor"/>
+    </dgm:style>
+  </dgm:styleLbl>
+  <dgm:styleLbl name="revTx">
+    <dgm:scene3d>
+      <a:camera prst="orthographicFront"/>
+      <a:lightRig rig="threePt" dir="t"/>
+    </dgm:scene3d>
+    <dgm:sp3d/>
+    <dgm:txPr/>
+    <dgm:style>
+      <a:lnRef idx="0">
+        <a:scrgbClr r="0" g="0" b="0"/>
+      </a:lnRef>
+      <a:fillRef idx="0">
+        <a:scrgbClr r="0" g="0" b="0"/>
+      </a:fillRef>
+      <a:effectRef idx="0">
+        <a:scrgbClr r="0" g="0" b="0"/>
+      </a:effectRef>
+      <a:fontRef idx="minor"/>
+    </dgm:style>
+  </dgm:styleLbl>
+</dgm:styleDef>
+</file>
+
 <file path=ppt/notesMasters/notesMaster1.xml><?xml version="1.0" encoding="utf-8"?>
 <p:notesMaster xmlns:a="http://schemas.openxmlformats.org/drawingml/2006/main" xmlns:r="http://schemas.openxmlformats.org/officeDocument/2006/relationships" xmlns:p="http://schemas.openxmlformats.org/presentationml/2006/main">
   <p:cSld>
@@ -6498,7 +10006,7 @@
           <a:p>
             <a:r>
               <a:rPr lang="en-US" dirty="0"/>
-              <a:t>There is a pretty even split between the 3 platform types when we only consider bookings made for hotels in the same country</a:t>
+              <a:t>Now we can look more closely at the actual countries that bookings are made from</a:t>
             </a:r>
           </a:p>
           <a:p>
@@ -6507,7 +10015,7 @@
           <a:p>
             <a:r>
               <a:rPr lang="en-US" dirty="0"/>
-              <a:t>This is much more skewed to mobile devices compared to the entire dataset which is much closer to a 50/50 split</a:t>
+              <a:t>I’ve picked out a few of the most notable pie charts for the countries from which customers are making bookings. The rest can be found in the file with my working.</a:t>
             </a:r>
           </a:p>
           <a:p>
@@ -6516,7 +10024,41 @@
           <a:p>
             <a:r>
               <a:rPr lang="en-US" dirty="0"/>
-              <a:t>So we can say that a customer booking a hotel in the same country is more likely to be using a mobile device.</a:t>
+              <a:t>Brazil is the only </a:t>
+            </a:r>
+            <a:r>
+              <a:rPr lang="en-US" dirty="0" err="1"/>
+              <a:t>latin</a:t>
+            </a:r>
+            <a:r>
+              <a:rPr lang="en-US" dirty="0"/>
+              <a:t> American country in this data set so just like we saw before, use of desktop is most prevalent here.</a:t>
+            </a:r>
+          </a:p>
+          <a:p>
+            <a:endParaRPr lang="en-US" dirty="0"/>
+          </a:p>
+          <a:p>
+            <a:r>
+              <a:rPr lang="en-US" dirty="0"/>
+              <a:t>Use of the mobile app is most popular in south </a:t>
+            </a:r>
+            <a:r>
+              <a:rPr lang="en-US" dirty="0" err="1"/>
+              <a:t>korea</a:t>
+            </a:r>
+            <a:r>
+              <a:rPr lang="en-US" dirty="0"/>
+              <a:t> at 34.2% which is significantly higher than most other countries which fall between 22 and 29%. </a:t>
+            </a:r>
+          </a:p>
+          <a:p>
+            <a:endParaRPr lang="en-US" dirty="0"/>
+          </a:p>
+          <a:p>
+            <a:r>
+              <a:rPr lang="en-US" dirty="0"/>
+              <a:t>And we can also see that the UK is where the mobile website is most popular.</a:t>
             </a:r>
           </a:p>
         </p:txBody>
@@ -6547,7 +10089,7 @@
     </p:spTree>
     <p:extLst>
       <p:ext uri="{BB962C8B-B14F-4D97-AF65-F5344CB8AC3E}">
-        <p14:creationId xmlns:p14="http://schemas.microsoft.com/office/powerpoint/2010/main" val="3660325183"/>
+        <p14:creationId xmlns:p14="http://schemas.microsoft.com/office/powerpoint/2010/main" val="3427135309"/>
       </p:ext>
     </p:extLst>
   </p:cSld>
@@ -6601,7 +10143,28 @@
           <a:bodyPr/>
           <a:lstStyle/>
           <a:p>
+            <a:r>
+              <a:rPr lang="en-US" dirty="0"/>
+              <a:t>There is a pretty even split between the 3 platform types when we only consider bookings made for hotels in the same country</a:t>
+            </a:r>
+          </a:p>
+          <a:p>
             <a:endParaRPr lang="en-US" dirty="0"/>
+          </a:p>
+          <a:p>
+            <a:r>
+              <a:rPr lang="en-US" dirty="0"/>
+              <a:t>This is much more skewed to mobile devices compared to the entire dataset which is much closer to a 50/50 split</a:t>
+            </a:r>
+          </a:p>
+          <a:p>
+            <a:endParaRPr lang="en-US" dirty="0"/>
+          </a:p>
+          <a:p>
+            <a:r>
+              <a:rPr lang="en-US" dirty="0"/>
+              <a:t>So we can say that a customer booking a hotel in the same country is more likely to be using a mobile device.</a:t>
+            </a:r>
           </a:p>
         </p:txBody>
       </p:sp>
@@ -6631,7 +10194,7 @@
     </p:spTree>
     <p:extLst>
       <p:ext uri="{BB962C8B-B14F-4D97-AF65-F5344CB8AC3E}">
-        <p14:creationId xmlns:p14="http://schemas.microsoft.com/office/powerpoint/2010/main" val="4046102169"/>
+        <p14:creationId xmlns:p14="http://schemas.microsoft.com/office/powerpoint/2010/main" val="3660325183"/>
       </p:ext>
     </p:extLst>
   </p:cSld>
@@ -6715,7 +10278,7 @@
     </p:spTree>
     <p:extLst>
       <p:ext uri="{BB962C8B-B14F-4D97-AF65-F5344CB8AC3E}">
-        <p14:creationId xmlns:p14="http://schemas.microsoft.com/office/powerpoint/2010/main" val="2839123301"/>
+        <p14:creationId xmlns:p14="http://schemas.microsoft.com/office/powerpoint/2010/main" val="4046102169"/>
       </p:ext>
     </p:extLst>
   </p:cSld>
@@ -6769,28 +10332,7 @@
           <a:bodyPr/>
           <a:lstStyle/>
           <a:p>
-            <a:r>
-              <a:rPr lang="en-US" dirty="0"/>
-              <a:t>This line graph shows the time between when a booking is made and when the customer checked in. Its clear to see that bookings with very small windows are more likely to be made through a mobile device </a:t>
-            </a:r>
-          </a:p>
-          <a:p>
             <a:endParaRPr lang="en-US" dirty="0"/>
-          </a:p>
-          <a:p>
-            <a:r>
-              <a:rPr lang="en-US" dirty="0"/>
-              <a:t>In fact 59.5% of bookings made 0 to 3 days before check in are made through mobile (compared to 54% which is the average across all of the data.</a:t>
-            </a:r>
-          </a:p>
-          <a:p>
-            <a:endParaRPr lang="en-US" dirty="0"/>
-          </a:p>
-          <a:p>
-            <a:r>
-              <a:rPr lang="en-US" dirty="0"/>
-              <a:t>Aside from this the differences are relatively small and I would say more likely down to natural variation</a:t>
-            </a:r>
           </a:p>
         </p:txBody>
       </p:sp>
@@ -6820,7 +10362,7 @@
     </p:spTree>
     <p:extLst>
       <p:ext uri="{BB962C8B-B14F-4D97-AF65-F5344CB8AC3E}">
-        <p14:creationId xmlns:p14="http://schemas.microsoft.com/office/powerpoint/2010/main" val="1072741504"/>
+        <p14:creationId xmlns:p14="http://schemas.microsoft.com/office/powerpoint/2010/main" val="2839123301"/>
       </p:ext>
     </p:extLst>
   </p:cSld>
@@ -6876,7 +10418,7 @@
           <a:p>
             <a:r>
               <a:rPr lang="en-US" dirty="0"/>
-              <a:t>To investigate this I looked at the Net Gross Booking Value divided by the number of orders, so its actually the average amount spent per traveler.</a:t>
+              <a:t>This line graph shows the time between when a booking is made and when the customer checked in. Its clear to see that bookings with very small windows are more likely to be made through a mobile device </a:t>
             </a:r>
           </a:p>
           <a:p>
@@ -6885,7 +10427,7 @@
           <a:p>
             <a:r>
               <a:rPr lang="en-US" dirty="0"/>
-              <a:t>The boxplots show that there is definitely a skew towards higher value bookings being made through desktop</a:t>
+              <a:t>In fact 59.5% of bookings made 0 to 3 days before check in are made through mobile (compared to 54% which is the average across all of the data.</a:t>
             </a:r>
           </a:p>
           <a:p>
@@ -6894,32 +10436,8 @@
           <a:p>
             <a:r>
               <a:rPr lang="en-US" dirty="0"/>
-              <a:t>The values are approximately normally distributed so I conducted a t-test which is a hypothesis test to determine of the means of the two sets are significantly different.</a:t>
+              <a:t>Aside from this the differences are relatively small and I would say more likely down to natural variation</a:t>
             </a:r>
-          </a:p>
-          <a:p>
-            <a:endParaRPr lang="en-US" dirty="0"/>
-          </a:p>
-          <a:p>
-            <a:r>
-              <a:rPr lang="en-US" dirty="0"/>
-              <a:t>I carried this out both with and without the “outlier” values and in both cases, the p value was 0 to at least about 20 decimal places – which means that the data very strongly suggests that higher value bookings are made with a desktop.</a:t>
-            </a:r>
-          </a:p>
-          <a:p>
-            <a:endParaRPr lang="en-US" dirty="0"/>
-          </a:p>
-          <a:p>
-            <a:r>
-              <a:rPr lang="en-US" dirty="0"/>
-              <a:t>Orange line is median, green dashed is mean</a:t>
-            </a:r>
-          </a:p>
-          <a:p>
-            <a:endParaRPr lang="en-US" dirty="0"/>
-          </a:p>
-          <a:p>
-            <a:endParaRPr lang="en-US" dirty="0"/>
           </a:p>
         </p:txBody>
       </p:sp>
@@ -6949,7 +10467,7 @@
     </p:spTree>
     <p:extLst>
       <p:ext uri="{BB962C8B-B14F-4D97-AF65-F5344CB8AC3E}">
-        <p14:creationId xmlns:p14="http://schemas.microsoft.com/office/powerpoint/2010/main" val="3230401460"/>
+        <p14:creationId xmlns:p14="http://schemas.microsoft.com/office/powerpoint/2010/main" val="1072741504"/>
       </p:ext>
     </p:extLst>
   </p:cSld>
@@ -7005,7 +10523,7 @@
           <a:p>
             <a:r>
               <a:rPr lang="en-US" dirty="0"/>
-              <a:t>Smaller sized bookings, specifically those for 5 people and below are more likely to be made through a mobile device </a:t>
+              <a:t>To investigate this I looked at the Net Gross Booking Value divided by the number of orders, so its actually the average amount spent per traveler.</a:t>
             </a:r>
           </a:p>
           <a:p>
@@ -7014,8 +10532,41 @@
           <a:p>
             <a:r>
               <a:rPr lang="en-US" dirty="0"/>
-              <a:t>As booking size increases, we see that desktop begins to take over, and we see that a user making a large group booking is more likely to do it via a desktop.</a:t>
+              <a:t>The boxplots show that there is definitely a skew towards higher value bookings being made through desktop</a:t>
             </a:r>
+          </a:p>
+          <a:p>
+            <a:endParaRPr lang="en-US" dirty="0"/>
+          </a:p>
+          <a:p>
+            <a:r>
+              <a:rPr lang="en-US" dirty="0"/>
+              <a:t>The values are approximately normally distributed so I conducted a t-test which is a hypothesis test to determine of the means of the two sets are significantly different.</a:t>
+            </a:r>
+          </a:p>
+          <a:p>
+            <a:endParaRPr lang="en-US" dirty="0"/>
+          </a:p>
+          <a:p>
+            <a:r>
+              <a:rPr lang="en-US" dirty="0"/>
+              <a:t>I carried this out both with and without the “outlier” values and in both cases, the p value was 0 to at least about 20 decimal places – which means that the data very strongly suggests that higher value bookings are made with a desktop.</a:t>
+            </a:r>
+          </a:p>
+          <a:p>
+            <a:endParaRPr lang="en-US" dirty="0"/>
+          </a:p>
+          <a:p>
+            <a:r>
+              <a:rPr lang="en-US" dirty="0"/>
+              <a:t>Orange line is median, green dashed is mean</a:t>
+            </a:r>
+          </a:p>
+          <a:p>
+            <a:endParaRPr lang="en-US" dirty="0"/>
+          </a:p>
+          <a:p>
+            <a:endParaRPr lang="en-US" dirty="0"/>
           </a:p>
         </p:txBody>
       </p:sp>
@@ -7045,7 +10596,7 @@
     </p:spTree>
     <p:extLst>
       <p:ext uri="{BB962C8B-B14F-4D97-AF65-F5344CB8AC3E}">
-        <p14:creationId xmlns:p14="http://schemas.microsoft.com/office/powerpoint/2010/main" val="2129565134"/>
+        <p14:creationId xmlns:p14="http://schemas.microsoft.com/office/powerpoint/2010/main" val="3230401460"/>
       </p:ext>
     </p:extLst>
   </p:cSld>
@@ -7099,227 +10650,19 @@
           <a:bodyPr/>
           <a:lstStyle/>
           <a:p>
-            <a:pPr marL="0" marR="0" lvl="0" indent="0" algn="l" defTabSz="914400" rtl="0" eaLnBrk="1" fontAlgn="auto" latinLnBrk="0" hangingPunct="1">
-              <a:lnSpc>
-                <a:spcPct val="100000"/>
-              </a:lnSpc>
-              <a:spcBef>
-                <a:spcPts val="0"/>
-              </a:spcBef>
-              <a:spcAft>
-                <a:spcPts val="0"/>
-              </a:spcAft>
-              <a:buClrTx/>
-              <a:buSzTx/>
-              <a:buFontTx/>
-              <a:buNone/>
-              <a:tabLst/>
-              <a:defRPr/>
-            </a:pPr>
-            <a:r>
-              <a:rPr lang="en-US" sz="1200" dirty="0"/>
-              <a:t>Invest in development of the mobile application, since this is the fastest growing market. Making is quicker and easier to book a hotel will attract and retain more of the users who are booking for individuals and small groups at less expensive hotels</a:t>
-            </a:r>
-          </a:p>
-          <a:p>
-            <a:pPr marL="0" marR="0" lvl="0" indent="0" algn="l" defTabSz="914400" rtl="0" eaLnBrk="1" fontAlgn="auto" latinLnBrk="0" hangingPunct="1">
-              <a:lnSpc>
-                <a:spcPct val="100000"/>
-              </a:lnSpc>
-              <a:spcBef>
-                <a:spcPts val="0"/>
-              </a:spcBef>
-              <a:spcAft>
-                <a:spcPts val="0"/>
-              </a:spcAft>
-              <a:buClrTx/>
-              <a:buSzTx/>
-              <a:buFontTx/>
-              <a:buNone/>
-              <a:tabLst/>
-              <a:defRPr/>
-            </a:pPr>
-            <a:endParaRPr lang="en-US" sz="1200" dirty="0"/>
-          </a:p>
-          <a:p>
-            <a:pPr marL="0" marR="0" lvl="0" indent="0" algn="l" defTabSz="914400" rtl="0" eaLnBrk="1" fontAlgn="auto" latinLnBrk="0" hangingPunct="1">
-              <a:lnSpc>
-                <a:spcPct val="100000"/>
-              </a:lnSpc>
-              <a:spcBef>
-                <a:spcPts val="0"/>
-              </a:spcBef>
-              <a:spcAft>
-                <a:spcPts val="0"/>
-              </a:spcAft>
-              <a:buClrTx/>
-              <a:buSzTx/>
-              <a:buFontTx/>
-              <a:buNone/>
-              <a:tabLst/>
-              <a:defRPr/>
-            </a:pPr>
-            <a:r>
-              <a:rPr lang="en-US" sz="1200" dirty="0"/>
-              <a:t>Ensure that the app is highlighting the best deals to users, again since we’ve seen that these customers are spending less, an offer may be more likely to be clicked on through a mobile device than on desktop</a:t>
-            </a:r>
-          </a:p>
-          <a:p>
-            <a:pPr marL="0" marR="0" lvl="0" indent="0" algn="l" defTabSz="914400" rtl="0" eaLnBrk="1" fontAlgn="auto" latinLnBrk="0" hangingPunct="1">
-              <a:lnSpc>
-                <a:spcPct val="100000"/>
-              </a:lnSpc>
-              <a:spcBef>
-                <a:spcPts val="0"/>
-              </a:spcBef>
-              <a:spcAft>
-                <a:spcPts val="0"/>
-              </a:spcAft>
-              <a:buClrTx/>
-              <a:buSzTx/>
-              <a:buFontTx/>
-              <a:buNone/>
-              <a:tabLst/>
-              <a:defRPr/>
-            </a:pPr>
-            <a:endParaRPr lang="en-US" sz="1200" dirty="0"/>
-          </a:p>
-          <a:p>
-            <a:pPr marL="0" marR="0" lvl="0" indent="0" algn="l" defTabSz="914400" rtl="0" eaLnBrk="1" fontAlgn="auto" latinLnBrk="0" hangingPunct="1">
-              <a:lnSpc>
-                <a:spcPct val="100000"/>
-              </a:lnSpc>
-              <a:spcBef>
-                <a:spcPts val="0"/>
-              </a:spcBef>
-              <a:spcAft>
-                <a:spcPts val="0"/>
-              </a:spcAft>
-              <a:buClrTx/>
-              <a:buSzTx/>
-              <a:buFontTx/>
-              <a:buNone/>
-              <a:tabLst/>
-              <a:defRPr/>
-            </a:pPr>
-            <a:r>
-              <a:rPr lang="en-US" sz="1200" dirty="0"/>
-              <a:t>Increase advertising for the application in Latin America and EMEA since use of desktop was most common here. Making booking more convenient in these areas could help to capture the market of users looking to quickly book less expensive hotels</a:t>
-            </a:r>
-          </a:p>
-          <a:p>
-            <a:pPr marL="0" marR="0" lvl="0" indent="0" algn="l" defTabSz="914400" rtl="0" eaLnBrk="1" fontAlgn="auto" latinLnBrk="0" hangingPunct="1">
-              <a:lnSpc>
-                <a:spcPct val="100000"/>
-              </a:lnSpc>
-              <a:spcBef>
-                <a:spcPts val="0"/>
-              </a:spcBef>
-              <a:spcAft>
-                <a:spcPts val="0"/>
-              </a:spcAft>
-              <a:buClrTx/>
-              <a:buSzTx/>
-              <a:buFontTx/>
-              <a:buNone/>
-              <a:tabLst/>
-              <a:defRPr/>
-            </a:pPr>
-            <a:endParaRPr lang="en-US" sz="1200" dirty="0"/>
-          </a:p>
-          <a:p>
-            <a:pPr marL="0" marR="0" lvl="0" indent="0" algn="l" defTabSz="914400" rtl="0" eaLnBrk="1" fontAlgn="auto" latinLnBrk="0" hangingPunct="1">
-              <a:lnSpc>
-                <a:spcPct val="100000"/>
-              </a:lnSpc>
-              <a:spcBef>
-                <a:spcPts val="0"/>
-              </a:spcBef>
-              <a:spcAft>
-                <a:spcPts val="0"/>
-              </a:spcAft>
-              <a:buClrTx/>
-              <a:buSzTx/>
-              <a:buFontTx/>
-              <a:buNone/>
-              <a:tabLst/>
-              <a:defRPr/>
-            </a:pPr>
             <a:r>
               <a:rPr lang="en-US" dirty="0"/>
-              <a:t>Further develop the desktop site experience with reviews/details of hotels</a:t>
+              <a:t>Smaller sized bookings, specifically those for 5 people and below are more likely to be made through a mobile device </a:t>
             </a:r>
-            <a:r>
-              <a:rPr lang="en-US" sz="1200" dirty="0"/>
-              <a:t>. Since users are typically booking more expensive hotels through a desktop, they will likely spend more time and effort deciding, so streamlining this process would be beneficial</a:t>
-            </a:r>
-          </a:p>
-          <a:p>
-            <a:pPr marL="0" marR="0" lvl="0" indent="0" algn="l" defTabSz="914400" rtl="0" eaLnBrk="1" fontAlgn="auto" latinLnBrk="0" hangingPunct="1">
-              <a:lnSpc>
-                <a:spcPct val="100000"/>
-              </a:lnSpc>
-              <a:spcBef>
-                <a:spcPts val="0"/>
-              </a:spcBef>
-              <a:spcAft>
-                <a:spcPts val="0"/>
-              </a:spcAft>
-              <a:buClrTx/>
-              <a:buSzTx/>
-              <a:buFontTx/>
-              <a:buNone/>
-              <a:tabLst/>
-              <a:defRPr/>
-            </a:pPr>
-            <a:endParaRPr lang="en-US" sz="1200" dirty="0"/>
-          </a:p>
-          <a:p>
-            <a:pPr marL="0" marR="0" lvl="0" indent="0" algn="l" defTabSz="914400" rtl="0" eaLnBrk="1" fontAlgn="auto" latinLnBrk="0" hangingPunct="1">
-              <a:lnSpc>
-                <a:spcPct val="100000"/>
-              </a:lnSpc>
-              <a:spcBef>
-                <a:spcPts val="0"/>
-              </a:spcBef>
-              <a:spcAft>
-                <a:spcPts val="0"/>
-              </a:spcAft>
-              <a:buClrTx/>
-              <a:buSzTx/>
-              <a:buFontTx/>
-              <a:buNone/>
-              <a:tabLst/>
-              <a:defRPr/>
-            </a:pPr>
+          </a:p>
+          <a:p>
+            <a:endParaRPr lang="en-US" dirty="0"/>
+          </a:p>
+          <a:p>
             <a:r>
               <a:rPr lang="en-US" dirty="0"/>
-              <a:t>Provide deals for large group bookings on the desktop site</a:t>
+              <a:t>As booking size increases, we see that desktop begins to take over, and we see that a user making a large group booking is more likely to do it via a desktop.</a:t>
             </a:r>
-            <a:r>
-              <a:rPr lang="en-US" sz="1200" dirty="0"/>
-              <a:t>, since we’ve seen that large family or company holidays are typically booked through a desktop</a:t>
-            </a:r>
-          </a:p>
-          <a:p>
-            <a:pPr marL="0" marR="0" lvl="0" indent="0" algn="l" defTabSz="914400" rtl="0" eaLnBrk="1" fontAlgn="auto" latinLnBrk="0" hangingPunct="1">
-              <a:lnSpc>
-                <a:spcPct val="100000"/>
-              </a:lnSpc>
-              <a:spcBef>
-                <a:spcPts val="0"/>
-              </a:spcBef>
-              <a:spcAft>
-                <a:spcPts val="0"/>
-              </a:spcAft>
-              <a:buClrTx/>
-              <a:buSzTx/>
-              <a:buFontTx/>
-              <a:buNone/>
-              <a:tabLst/>
-              <a:defRPr/>
-            </a:pPr>
-            <a:endParaRPr lang="en-US" sz="1200" dirty="0"/>
           </a:p>
         </p:txBody>
       </p:sp>
@@ -7349,7 +10692,7 @@
     </p:spTree>
     <p:extLst>
       <p:ext uri="{BB962C8B-B14F-4D97-AF65-F5344CB8AC3E}">
-        <p14:creationId xmlns:p14="http://schemas.microsoft.com/office/powerpoint/2010/main" val="3570048135"/>
+        <p14:creationId xmlns:p14="http://schemas.microsoft.com/office/powerpoint/2010/main" val="2129565134"/>
       </p:ext>
     </p:extLst>
   </p:cSld>
@@ -7421,12 +10764,209 @@
               <a:defRPr/>
             </a:pPr>
             <a:r>
+              <a:rPr lang="en-US" sz="1200" dirty="0"/>
+              <a:t>Invest in development of the mobile application, since this is the fastest growing market. Making is quicker and easier to book a hotel will attract and retain more of the users who are booking for individuals and small groups at less expensive hotels</a:t>
+            </a:r>
+          </a:p>
+          <a:p>
+            <a:pPr marL="0" marR="0" lvl="0" indent="0" algn="l" defTabSz="914400" rtl="0" eaLnBrk="1" fontAlgn="auto" latinLnBrk="0" hangingPunct="1">
+              <a:lnSpc>
+                <a:spcPct val="100000"/>
+              </a:lnSpc>
+              <a:spcBef>
+                <a:spcPts val="0"/>
+              </a:spcBef>
+              <a:spcAft>
+                <a:spcPts val="0"/>
+              </a:spcAft>
+              <a:buClrTx/>
+              <a:buSzTx/>
+              <a:buFontTx/>
+              <a:buNone/>
+              <a:tabLst/>
+              <a:defRPr/>
+            </a:pPr>
+            <a:endParaRPr lang="en-US" sz="1200" dirty="0"/>
+          </a:p>
+          <a:p>
+            <a:pPr marL="0" marR="0" lvl="0" indent="0" algn="l" defTabSz="914400" rtl="0" eaLnBrk="1" fontAlgn="auto" latinLnBrk="0" hangingPunct="1">
+              <a:lnSpc>
+                <a:spcPct val="100000"/>
+              </a:lnSpc>
+              <a:spcBef>
+                <a:spcPts val="0"/>
+              </a:spcBef>
+              <a:spcAft>
+                <a:spcPts val="0"/>
+              </a:spcAft>
+              <a:buClrTx/>
+              <a:buSzTx/>
+              <a:buFontTx/>
+              <a:buNone/>
+              <a:tabLst/>
+              <a:defRPr/>
+            </a:pPr>
+            <a:r>
+              <a:rPr lang="en-US" sz="1200" dirty="0"/>
+              <a:t>Ensure that the app is highlighting the best deals to users, again since we’ve seen that these customers are spending less, an offer may be more likely to be clicked on through a mobile device than on desktop</a:t>
+            </a:r>
+          </a:p>
+          <a:p>
+            <a:pPr marL="0" marR="0" lvl="0" indent="0" algn="l" defTabSz="914400" rtl="0" eaLnBrk="1" fontAlgn="auto" latinLnBrk="0" hangingPunct="1">
+              <a:lnSpc>
+                <a:spcPct val="100000"/>
+              </a:lnSpc>
+              <a:spcBef>
+                <a:spcPts val="0"/>
+              </a:spcBef>
+              <a:spcAft>
+                <a:spcPts val="0"/>
+              </a:spcAft>
+              <a:buClrTx/>
+              <a:buSzTx/>
+              <a:buFontTx/>
+              <a:buNone/>
+              <a:tabLst/>
+              <a:defRPr/>
+            </a:pPr>
+            <a:endParaRPr lang="en-US" sz="1200" dirty="0"/>
+          </a:p>
+          <a:p>
+            <a:pPr marL="0" marR="0" lvl="0" indent="0" algn="l" defTabSz="914400" rtl="0" eaLnBrk="1" fontAlgn="auto" latinLnBrk="0" hangingPunct="1">
+              <a:lnSpc>
+                <a:spcPct val="100000"/>
+              </a:lnSpc>
+              <a:spcBef>
+                <a:spcPts val="0"/>
+              </a:spcBef>
+              <a:spcAft>
+                <a:spcPts val="0"/>
+              </a:spcAft>
+              <a:buClrTx/>
+              <a:buSzTx/>
+              <a:buFontTx/>
+              <a:buNone/>
+              <a:tabLst/>
+              <a:defRPr/>
+            </a:pPr>
+            <a:r>
+              <a:rPr lang="en-US" sz="1200" dirty="0"/>
+              <a:t>Increase advertising for the application in Latin America and EMEA since use of desktop was most common here. Making booking more convenient in these areas could help to capture the market of users looking to quickly book less expensive hotels</a:t>
+            </a:r>
+          </a:p>
+          <a:p>
+            <a:pPr marL="0" marR="0" lvl="0" indent="0" algn="l" defTabSz="914400" rtl="0" eaLnBrk="1" fontAlgn="auto" latinLnBrk="0" hangingPunct="1">
+              <a:lnSpc>
+                <a:spcPct val="100000"/>
+              </a:lnSpc>
+              <a:spcBef>
+                <a:spcPts val="0"/>
+              </a:spcBef>
+              <a:spcAft>
+                <a:spcPts val="0"/>
+              </a:spcAft>
+              <a:buClrTx/>
+              <a:buSzTx/>
+              <a:buFontTx/>
+              <a:buNone/>
+              <a:tabLst/>
+              <a:defRPr/>
+            </a:pPr>
+            <a:endParaRPr lang="en-US" sz="1200" dirty="0"/>
+          </a:p>
+          <a:p>
+            <a:pPr marL="0" marR="0" lvl="0" indent="0" algn="l" defTabSz="914400" rtl="0" eaLnBrk="1" fontAlgn="auto" latinLnBrk="0" hangingPunct="1">
+              <a:lnSpc>
+                <a:spcPct val="100000"/>
+              </a:lnSpc>
+              <a:spcBef>
+                <a:spcPts val="0"/>
+              </a:spcBef>
+              <a:spcAft>
+                <a:spcPts val="0"/>
+              </a:spcAft>
+              <a:buClrTx/>
+              <a:buSzTx/>
+              <a:buFontTx/>
+              <a:buNone/>
+              <a:tabLst/>
+              <a:defRPr/>
+            </a:pPr>
+            <a:r>
               <a:rPr lang="en-US" dirty="0"/>
-              <a:t>Given a more precise date/time of when bookings are made, could look for trends in when mobile devices are more commonly used</a:t>
+              <a:t>Further develop the desktop site experience with reviews/details of hotels</a:t>
             </a:r>
-          </a:p>
-          <a:p>
-            <a:endParaRPr lang="en-US" dirty="0"/>
+            <a:r>
+              <a:rPr lang="en-US" sz="1200" dirty="0"/>
+              <a:t>. Since users are typically booking more expensive hotels through a desktop, they will likely spend more time and effort deciding, so streamlining this process would be beneficial</a:t>
+            </a:r>
+          </a:p>
+          <a:p>
+            <a:pPr marL="0" marR="0" lvl="0" indent="0" algn="l" defTabSz="914400" rtl="0" eaLnBrk="1" fontAlgn="auto" latinLnBrk="0" hangingPunct="1">
+              <a:lnSpc>
+                <a:spcPct val="100000"/>
+              </a:lnSpc>
+              <a:spcBef>
+                <a:spcPts val="0"/>
+              </a:spcBef>
+              <a:spcAft>
+                <a:spcPts val="0"/>
+              </a:spcAft>
+              <a:buClrTx/>
+              <a:buSzTx/>
+              <a:buFontTx/>
+              <a:buNone/>
+              <a:tabLst/>
+              <a:defRPr/>
+            </a:pPr>
+            <a:endParaRPr lang="en-US" sz="1200" dirty="0"/>
+          </a:p>
+          <a:p>
+            <a:pPr marL="0" marR="0" lvl="0" indent="0" algn="l" defTabSz="914400" rtl="0" eaLnBrk="1" fontAlgn="auto" latinLnBrk="0" hangingPunct="1">
+              <a:lnSpc>
+                <a:spcPct val="100000"/>
+              </a:lnSpc>
+              <a:spcBef>
+                <a:spcPts val="0"/>
+              </a:spcBef>
+              <a:spcAft>
+                <a:spcPts val="0"/>
+              </a:spcAft>
+              <a:buClrTx/>
+              <a:buSzTx/>
+              <a:buFontTx/>
+              <a:buNone/>
+              <a:tabLst/>
+              <a:defRPr/>
+            </a:pPr>
+            <a:r>
+              <a:rPr lang="en-US" dirty="0"/>
+              <a:t>Provide deals for large group bookings on the desktop site</a:t>
+            </a:r>
+            <a:r>
+              <a:rPr lang="en-US" sz="1200" dirty="0"/>
+              <a:t>, since we’ve seen that large family or company holidays are typically booked through a desktop</a:t>
+            </a:r>
+          </a:p>
+          <a:p>
+            <a:pPr marL="0" marR="0" lvl="0" indent="0" algn="l" defTabSz="914400" rtl="0" eaLnBrk="1" fontAlgn="auto" latinLnBrk="0" hangingPunct="1">
+              <a:lnSpc>
+                <a:spcPct val="100000"/>
+              </a:lnSpc>
+              <a:spcBef>
+                <a:spcPts val="0"/>
+              </a:spcBef>
+              <a:spcAft>
+                <a:spcPts val="0"/>
+              </a:spcAft>
+              <a:buClrTx/>
+              <a:buSzTx/>
+              <a:buFontTx/>
+              <a:buNone/>
+              <a:tabLst/>
+              <a:defRPr/>
+            </a:pPr>
+            <a:endParaRPr lang="en-US" sz="1200" dirty="0"/>
           </a:p>
         </p:txBody>
       </p:sp>
@@ -7456,7 +10996,198 @@
     </p:spTree>
     <p:extLst>
       <p:ext uri="{BB962C8B-B14F-4D97-AF65-F5344CB8AC3E}">
+        <p14:creationId xmlns:p14="http://schemas.microsoft.com/office/powerpoint/2010/main" val="3570048135"/>
+      </p:ext>
+    </p:extLst>
+  </p:cSld>
+  <p:clrMapOvr>
+    <a:masterClrMapping/>
+  </p:clrMapOvr>
+</p:notes>
+</file>
+
+<file path=ppt/notesSlides/notesSlide18.xml><?xml version="1.0" encoding="utf-8"?>
+<p:notes xmlns:a="http://schemas.openxmlformats.org/drawingml/2006/main" xmlns:r="http://schemas.openxmlformats.org/officeDocument/2006/relationships" xmlns:p="http://schemas.openxmlformats.org/presentationml/2006/main">
+  <p:cSld>
+    <p:spTree>
+      <p:nvGrpSpPr>
+        <p:cNvPr id="1" name=""/>
+        <p:cNvGrpSpPr/>
+        <p:nvPr/>
+      </p:nvGrpSpPr>
+      <p:grpSpPr>
+        <a:xfrm>
+          <a:off x="0" y="0"/>
+          <a:ext cx="0" cy="0"/>
+          <a:chOff x="0" y="0"/>
+          <a:chExt cx="0" cy="0"/>
+        </a:xfrm>
+      </p:grpSpPr>
+      <p:sp>
+        <p:nvSpPr>
+          <p:cNvPr id="2" name="Slide Image Placeholder 1"/>
+          <p:cNvSpPr>
+            <a:spLocks noGrp="1" noRot="1" noChangeAspect="1"/>
+          </p:cNvSpPr>
+          <p:nvPr>
+            <p:ph type="sldImg"/>
+          </p:nvPr>
+        </p:nvSpPr>
+        <p:spPr/>
+      </p:sp>
+      <p:sp>
+        <p:nvSpPr>
+          <p:cNvPr id="3" name="Notes Placeholder 2"/>
+          <p:cNvSpPr>
+            <a:spLocks noGrp="1"/>
+          </p:cNvSpPr>
+          <p:nvPr>
+            <p:ph type="body" idx="1"/>
+          </p:nvPr>
+        </p:nvSpPr>
+        <p:spPr/>
+        <p:txBody>
+          <a:bodyPr/>
+          <a:lstStyle/>
+          <a:p>
+            <a:pPr marL="0" marR="0" lvl="0" indent="0" algn="l" defTabSz="914400" rtl="0" eaLnBrk="1" fontAlgn="auto" latinLnBrk="0" hangingPunct="1">
+              <a:lnSpc>
+                <a:spcPct val="100000"/>
+              </a:lnSpc>
+              <a:spcBef>
+                <a:spcPts val="0"/>
+              </a:spcBef>
+              <a:spcAft>
+                <a:spcPts val="0"/>
+              </a:spcAft>
+              <a:buClrTx/>
+              <a:buSzTx/>
+              <a:buFontTx/>
+              <a:buNone/>
+              <a:tabLst/>
+              <a:defRPr/>
+            </a:pPr>
+            <a:r>
+              <a:rPr lang="en-US" dirty="0"/>
+              <a:t>Given a more precise date/time of when bookings are made, could look for trends in when mobile devices are more commonly used</a:t>
+            </a:r>
+          </a:p>
+          <a:p>
+            <a:endParaRPr lang="en-US" dirty="0"/>
+          </a:p>
+        </p:txBody>
+      </p:sp>
+      <p:sp>
+        <p:nvSpPr>
+          <p:cNvPr id="4" name="Slide Number Placeholder 3"/>
+          <p:cNvSpPr>
+            <a:spLocks noGrp="1"/>
+          </p:cNvSpPr>
+          <p:nvPr>
+            <p:ph type="sldNum" sz="quarter" idx="5"/>
+          </p:nvPr>
+        </p:nvSpPr>
+        <p:spPr/>
+        <p:txBody>
+          <a:bodyPr/>
+          <a:lstStyle/>
+          <a:p>
+            <a:fld id="{7CEC3EC3-207E-4042-B0A6-2EA2A234D235}" type="slidenum">
+              <a:rPr lang="en-US" smtClean="0"/>
+              <a:t>18</a:t>
+            </a:fld>
+            <a:endParaRPr lang="en-US"/>
+          </a:p>
+        </p:txBody>
+      </p:sp>
+    </p:spTree>
+    <p:extLst>
+      <p:ext uri="{BB962C8B-B14F-4D97-AF65-F5344CB8AC3E}">
         <p14:creationId xmlns:p14="http://schemas.microsoft.com/office/powerpoint/2010/main" val="2368143863"/>
+      </p:ext>
+    </p:extLst>
+  </p:cSld>
+  <p:clrMapOvr>
+    <a:masterClrMapping/>
+  </p:clrMapOvr>
+</p:notes>
+</file>
+
+<file path=ppt/notesSlides/notesSlide19.xml><?xml version="1.0" encoding="utf-8"?>
+<p:notes xmlns:a="http://schemas.openxmlformats.org/drawingml/2006/main" xmlns:r="http://schemas.openxmlformats.org/officeDocument/2006/relationships" xmlns:p="http://schemas.openxmlformats.org/presentationml/2006/main">
+  <p:cSld>
+    <p:spTree>
+      <p:nvGrpSpPr>
+        <p:cNvPr id="1" name=""/>
+        <p:cNvGrpSpPr/>
+        <p:nvPr/>
+      </p:nvGrpSpPr>
+      <p:grpSpPr>
+        <a:xfrm>
+          <a:off x="0" y="0"/>
+          <a:ext cx="0" cy="0"/>
+          <a:chOff x="0" y="0"/>
+          <a:chExt cx="0" cy="0"/>
+        </a:xfrm>
+      </p:grpSpPr>
+      <p:sp>
+        <p:nvSpPr>
+          <p:cNvPr id="2" name="Slide Image Placeholder 1"/>
+          <p:cNvSpPr>
+            <a:spLocks noGrp="1" noRot="1" noChangeAspect="1"/>
+          </p:cNvSpPr>
+          <p:nvPr>
+            <p:ph type="sldImg"/>
+          </p:nvPr>
+        </p:nvSpPr>
+        <p:spPr/>
+      </p:sp>
+      <p:sp>
+        <p:nvSpPr>
+          <p:cNvPr id="3" name="Notes Placeholder 2"/>
+          <p:cNvSpPr>
+            <a:spLocks noGrp="1"/>
+          </p:cNvSpPr>
+          <p:nvPr>
+            <p:ph type="body" idx="1"/>
+          </p:nvPr>
+        </p:nvSpPr>
+        <p:spPr/>
+        <p:txBody>
+          <a:bodyPr/>
+          <a:lstStyle/>
+          <a:p>
+            <a:endParaRPr lang="en-US"/>
+          </a:p>
+        </p:txBody>
+      </p:sp>
+      <p:sp>
+        <p:nvSpPr>
+          <p:cNvPr id="4" name="Slide Number Placeholder 3"/>
+          <p:cNvSpPr>
+            <a:spLocks noGrp="1"/>
+          </p:cNvSpPr>
+          <p:nvPr>
+            <p:ph type="sldNum" sz="quarter" idx="5"/>
+          </p:nvPr>
+        </p:nvSpPr>
+        <p:spPr/>
+        <p:txBody>
+          <a:bodyPr/>
+          <a:lstStyle/>
+          <a:p>
+            <a:fld id="{7CEC3EC3-207E-4042-B0A6-2EA2A234D235}" type="slidenum">
+              <a:rPr lang="en-US" smtClean="0"/>
+              <a:t>19</a:t>
+            </a:fld>
+            <a:endParaRPr lang="en-US"/>
+          </a:p>
+        </p:txBody>
+      </p:sp>
+    </p:spTree>
+    <p:extLst>
+      <p:ext uri="{BB962C8B-B14F-4D97-AF65-F5344CB8AC3E}">
+        <p14:creationId xmlns:p14="http://schemas.microsoft.com/office/powerpoint/2010/main" val="316505921"/>
       </p:ext>
     </p:extLst>
   </p:cSld>
@@ -7510,10 +11241,7 @@
           <a:bodyPr/>
           <a:lstStyle/>
           <a:p>
-            <a:r>
-              <a:rPr lang="en-US" dirty="0"/>
-              <a:t>Here is a quick summary of the insights and I’ll go into more detail for each of these</a:t>
-            </a:r>
+            <a:endParaRPr lang="en-US" dirty="0"/>
           </a:p>
         </p:txBody>
       </p:sp>
@@ -7543,7 +11271,7 @@
     </p:spTree>
     <p:extLst>
       <p:ext uri="{BB962C8B-B14F-4D97-AF65-F5344CB8AC3E}">
-        <p14:creationId xmlns:p14="http://schemas.microsoft.com/office/powerpoint/2010/main" val="308452940"/>
+        <p14:creationId xmlns:p14="http://schemas.microsoft.com/office/powerpoint/2010/main" val="1961099516"/>
       </p:ext>
     </p:extLst>
   </p:cSld>
@@ -7599,25 +11327,7 @@
           <a:p>
             <a:r>
               <a:rPr lang="en-US" dirty="0"/>
-              <a:t>Throughout the presentation I’ll mention hypothesis tests a couple of times, and I’ve used a significance level of 0.05</a:t>
-            </a:r>
-          </a:p>
-          <a:p>
-            <a:endParaRPr lang="en-US" dirty="0"/>
-          </a:p>
-          <a:p>
-            <a:r>
-              <a:rPr lang="en-US" dirty="0"/>
-              <a:t>and in case you aren’t familiar with this all you need to remember is if the p-value is less than 0.05 then we have some kind of significant result</a:t>
-            </a:r>
-          </a:p>
-          <a:p>
-            <a:endParaRPr lang="en-US" dirty="0"/>
-          </a:p>
-          <a:p>
-            <a:r>
-              <a:rPr lang="en-US" dirty="0"/>
-              <a:t>But I’ll be very clear about this as we go along</a:t>
+              <a:t>Here is a quick summary of the insights and I’ll go into more detail for each of these</a:t>
             </a:r>
           </a:p>
         </p:txBody>
@@ -7648,7 +11358,7 @@
     </p:spTree>
     <p:extLst>
       <p:ext uri="{BB962C8B-B14F-4D97-AF65-F5344CB8AC3E}">
-        <p14:creationId xmlns:p14="http://schemas.microsoft.com/office/powerpoint/2010/main" val="3587806415"/>
+        <p14:creationId xmlns:p14="http://schemas.microsoft.com/office/powerpoint/2010/main" val="308452940"/>
       </p:ext>
     </p:extLst>
   </p:cSld>
@@ -7704,7 +11414,7 @@
           <a:p>
             <a:r>
               <a:rPr lang="en-US" dirty="0"/>
-              <a:t>Between November 2016 and November 2017 there has been an overall increase in the number of bookings by 17%</a:t>
+              <a:t>Throughout the presentation I’ll mention hypothesis tests a couple of times, and I’ve used a significance level of 0.05</a:t>
             </a:r>
           </a:p>
           <a:p>
@@ -7713,7 +11423,7 @@
           <a:p>
             <a:r>
               <a:rPr lang="en-US" dirty="0"/>
-              <a:t>And desktop bookings have grown by 7.92%</a:t>
+              <a:t>and in case you aren’t familiar with this all you need to remember is if the p-value is less than 0.05 then we have some kind of significant result</a:t>
             </a:r>
           </a:p>
           <a:p>
@@ -7722,7 +11432,7 @@
           <a:p>
             <a:r>
               <a:rPr lang="en-US" dirty="0"/>
-              <a:t>Whereas mobile bookings have grown much quicker by 26.1%</a:t>
+              <a:t>But I’ll be very clear about this as we go along</a:t>
             </a:r>
           </a:p>
         </p:txBody>
@@ -7753,7 +11463,7 @@
     </p:spTree>
     <p:extLst>
       <p:ext uri="{BB962C8B-B14F-4D97-AF65-F5344CB8AC3E}">
-        <p14:creationId xmlns:p14="http://schemas.microsoft.com/office/powerpoint/2010/main" val="2762421624"/>
+        <p14:creationId xmlns:p14="http://schemas.microsoft.com/office/powerpoint/2010/main" val="3587806415"/>
       </p:ext>
     </p:extLst>
   </p:cSld>
@@ -7809,7 +11519,7 @@
           <a:p>
             <a:r>
               <a:rPr lang="en-US" dirty="0"/>
-              <a:t>Here we are looking at the proportions of bookings so the overall growth of the company is not accounted for and we can just look at how the distribution across different platforms has changed</a:t>
+              <a:t>Between November 2016 and November 2017 there has been an overall increase in the number of bookings by 17%</a:t>
             </a:r>
           </a:p>
           <a:p>
@@ -7818,7 +11528,7 @@
           <a:p>
             <a:r>
               <a:rPr lang="en-US" dirty="0"/>
-              <a:t>Here you can see how the bookings during November of 2016 and 2017 are split by device type</a:t>
+              <a:t>And desktop bookings have grown by 7.92%</a:t>
             </a:r>
           </a:p>
           <a:p>
@@ -7827,16 +11537,7 @@
           <a:p>
             <a:r>
               <a:rPr lang="en-US" dirty="0"/>
-              <a:t>There is about a 3.9% increase in the proportion of bookings made through the mobile app and website. </a:t>
-            </a:r>
-          </a:p>
-          <a:p>
-            <a:endParaRPr lang="en-US" dirty="0"/>
-          </a:p>
-          <a:p>
-            <a:r>
-              <a:rPr lang="en-US" dirty="0"/>
-              <a:t>I carried out a Mann-Whitney hypothesis test to see if this increase was significant which resulted in a p-value of 0.0143 and because this is comfortably less than 0.05, we can say that there HAS been a significant increase between the years.</a:t>
+              <a:t>Whereas mobile bookings have grown much quicker by 26.1%</a:t>
             </a:r>
           </a:p>
         </p:txBody>
@@ -7867,7 +11568,7 @@
     </p:spTree>
     <p:extLst>
       <p:ext uri="{BB962C8B-B14F-4D97-AF65-F5344CB8AC3E}">
-        <p14:creationId xmlns:p14="http://schemas.microsoft.com/office/powerpoint/2010/main" val="2270239311"/>
+        <p14:creationId xmlns:p14="http://schemas.microsoft.com/office/powerpoint/2010/main" val="2762421624"/>
       </p:ext>
     </p:extLst>
   </p:cSld>
@@ -7923,7 +11624,7 @@
           <a:p>
             <a:r>
               <a:rPr lang="en-US" dirty="0"/>
-              <a:t>More specifically, we can look at the mobile app and mobile website users.</a:t>
+              <a:t>Here we are looking at the proportions of bookings so the overall growth of the company is not accounted for and we can just look at how the distribution across different platforms has changed</a:t>
             </a:r>
           </a:p>
           <a:p>
@@ -7932,14 +11633,26 @@
           <a:p>
             <a:r>
               <a:rPr lang="en-US" dirty="0"/>
-              <a:t>The proportion of app users increased by 4%, and the proportion of website users actually decreased by 0.1%</a:t>
+              <a:t>Here you can see how the bookings during November of 2016 and 2017 are split by device type</a:t>
             </a:r>
           </a:p>
           <a:p>
             <a:endParaRPr lang="en-US" dirty="0"/>
           </a:p>
           <a:p>
+            <a:r>
+              <a:rPr lang="en-US" dirty="0"/>
+              <a:t>There is about a 3.9% increase in the proportion of bookings made through the mobile app and website. </a:t>
+            </a:r>
+          </a:p>
+          <a:p>
             <a:endParaRPr lang="en-US" dirty="0"/>
+          </a:p>
+          <a:p>
+            <a:r>
+              <a:rPr lang="en-US" dirty="0"/>
+              <a:t>I carried out a Mann-Whitney hypothesis test to see if this increase was significant which resulted in a p-value of 0.0143 and because this is comfortably less than 0.05, we can say that there HAS been a significant increase between the years.</a:t>
+            </a:r>
           </a:p>
         </p:txBody>
       </p:sp>
@@ -7969,7 +11682,7 @@
     </p:spTree>
     <p:extLst>
       <p:ext uri="{BB962C8B-B14F-4D97-AF65-F5344CB8AC3E}">
-        <p14:creationId xmlns:p14="http://schemas.microsoft.com/office/powerpoint/2010/main" val="2805201350"/>
+        <p14:creationId xmlns:p14="http://schemas.microsoft.com/office/powerpoint/2010/main" val="2270239311"/>
       </p:ext>
     </p:extLst>
   </p:cSld>
@@ -8025,7 +11738,7 @@
           <a:p>
             <a:r>
               <a:rPr lang="en-US" dirty="0"/>
-              <a:t>And so we can see that the overall increase in mobile users that we saw previously is mainly made up almost entirely of application users. The orange line hopefully makes this clearer.</a:t>
+              <a:t>More specifically, we can look at the mobile app and mobile website users.</a:t>
             </a:r>
           </a:p>
           <a:p>
@@ -8034,17 +11747,14 @@
           <a:p>
             <a:r>
               <a:rPr lang="en-US" dirty="0"/>
-              <a:t>And the p value corresponding to the app proportions is significant, whereas the website p value is not.</a:t>
+              <a:t>The proportion of app users increased by 4%, and the proportion of website users actually decreased by 0.1%</a:t>
             </a:r>
           </a:p>
           <a:p>
             <a:endParaRPr lang="en-US" dirty="0"/>
           </a:p>
           <a:p>
-            <a:r>
-              <a:rPr lang="en-US" dirty="0"/>
-              <a:t>Note that these are proportions and the raw number of bookings made through the mobile website has still increased, but has done so proportionally to the total growth in bookings</a:t>
-            </a:r>
+            <a:endParaRPr lang="en-US" dirty="0"/>
           </a:p>
         </p:txBody>
       </p:sp>
@@ -8074,7 +11784,7 @@
     </p:spTree>
     <p:extLst>
       <p:ext uri="{BB962C8B-B14F-4D97-AF65-F5344CB8AC3E}">
-        <p14:creationId xmlns:p14="http://schemas.microsoft.com/office/powerpoint/2010/main" val="715337569"/>
+        <p14:creationId xmlns:p14="http://schemas.microsoft.com/office/powerpoint/2010/main" val="2805201350"/>
       </p:ext>
     </p:extLst>
   </p:cSld>
@@ -8130,7 +11840,7 @@
           <a:p>
             <a:r>
               <a:rPr lang="en-US" dirty="0"/>
-              <a:t>Now we consider just the 2017 data since it is the closest there is to a “current state”</a:t>
+              <a:t>And so we can see that the overall increase in mobile users that we saw previously is mainly made up almost entirely of application users. The orange line hopefully makes this clearer.</a:t>
             </a:r>
           </a:p>
           <a:p>
@@ -8139,7 +11849,7 @@
           <a:p>
             <a:r>
               <a:rPr lang="en-US" dirty="0"/>
-              <a:t>These pie charts show how users within each super region are making their bookings.</a:t>
+              <a:t>And the p value corresponding to the app proportions is significant, whereas the website p value is not.</a:t>
             </a:r>
           </a:p>
           <a:p>
@@ -8148,16 +11858,7 @@
           <a:p>
             <a:r>
               <a:rPr lang="en-US" dirty="0"/>
-              <a:t>Most notably, Latin America is the only region where the majority of bookings are still made via desktop, but of the users who are using mobile devices, the app is slightly more popular</a:t>
-            </a:r>
-          </a:p>
-          <a:p>
-            <a:endParaRPr lang="en-US" dirty="0"/>
-          </a:p>
-          <a:p>
-            <a:r>
-              <a:rPr lang="en-US" dirty="0"/>
-              <a:t>The US has adapted the most to mobile devices, followed by APAC then EMEA</a:t>
+              <a:t>Note that these are proportions and the raw number of bookings made through the mobile website has still increased, but has done so proportionally to the total growth in bookings</a:t>
             </a:r>
           </a:p>
         </p:txBody>
@@ -8188,7 +11889,7 @@
     </p:spTree>
     <p:extLst>
       <p:ext uri="{BB962C8B-B14F-4D97-AF65-F5344CB8AC3E}">
-        <p14:creationId xmlns:p14="http://schemas.microsoft.com/office/powerpoint/2010/main" val="285480128"/>
+        <p14:creationId xmlns:p14="http://schemas.microsoft.com/office/powerpoint/2010/main" val="715337569"/>
       </p:ext>
     </p:extLst>
   </p:cSld>
@@ -8244,7 +11945,7 @@
           <a:p>
             <a:r>
               <a:rPr lang="en-US" dirty="0"/>
-              <a:t>Now we can look more closely at the actual countries that bookings are made from</a:t>
+              <a:t>Now we consider just the 2017 data since it is the closest there is to a “current state”</a:t>
             </a:r>
           </a:p>
           <a:p>
@@ -8253,7 +11954,7 @@
           <a:p>
             <a:r>
               <a:rPr lang="en-US" dirty="0"/>
-              <a:t>I’ve picked out a few of the most notable pie charts for the countries from which customers are making bookings. The rest can be found in the file with my working.</a:t>
+              <a:t>These pie charts show how users within each super region are making their bookings.</a:t>
             </a:r>
           </a:p>
           <a:p>
@@ -8262,41 +11963,16 @@
           <a:p>
             <a:r>
               <a:rPr lang="en-US" dirty="0"/>
-              <a:t>Brazil is the only </a:t>
+              <a:t>Most notably, Latin America is the only region where the majority of bookings are still made via desktop, but of the users who are using mobile devices, the app is slightly more popular</a:t>
             </a:r>
-            <a:r>
-              <a:rPr lang="en-US" dirty="0" err="1"/>
-              <a:t>latin</a:t>
-            </a:r>
+          </a:p>
+          <a:p>
+            <a:endParaRPr lang="en-US" dirty="0"/>
+          </a:p>
+          <a:p>
             <a:r>
               <a:rPr lang="en-US" dirty="0"/>
-              <a:t> American country in this data set so just like we saw before, use of desktop is most prevalent here.</a:t>
-            </a:r>
-          </a:p>
-          <a:p>
-            <a:endParaRPr lang="en-US" dirty="0"/>
-          </a:p>
-          <a:p>
-            <a:r>
-              <a:rPr lang="en-US" dirty="0"/>
-              <a:t>Use of the mobile app is most popular in south </a:t>
-            </a:r>
-            <a:r>
-              <a:rPr lang="en-US" dirty="0" err="1"/>
-              <a:t>korea</a:t>
-            </a:r>
-            <a:r>
-              <a:rPr lang="en-US" dirty="0"/>
-              <a:t> at 34.2% which is significantly higher than most other countries which fall between 22 and 29%. </a:t>
-            </a:r>
-          </a:p>
-          <a:p>
-            <a:endParaRPr lang="en-US" dirty="0"/>
-          </a:p>
-          <a:p>
-            <a:r>
-              <a:rPr lang="en-US" dirty="0"/>
-              <a:t>And we can also see that the UK is where the mobile website is most popular.</a:t>
+              <a:t>The US has adapted the most to mobile devices, followed by APAC then EMEA</a:t>
             </a:r>
           </a:p>
         </p:txBody>
@@ -8327,7 +12003,7 @@
     </p:spTree>
     <p:extLst>
       <p:ext uri="{BB962C8B-B14F-4D97-AF65-F5344CB8AC3E}">
-        <p14:creationId xmlns:p14="http://schemas.microsoft.com/office/powerpoint/2010/main" val="3427135309"/>
+        <p14:creationId xmlns:p14="http://schemas.microsoft.com/office/powerpoint/2010/main" val="285480128"/>
       </p:ext>
     </p:extLst>
   </p:cSld>
@@ -11768,6 +15444,170 @@
     <p:bg>
       <p:bgPr>
         <a:solidFill>
+          <a:srgbClr val="FFFFFF"/>
+        </a:solidFill>
+        <a:effectLst/>
+      </p:bgPr>
+    </p:bg>
+    <p:spTree>
+      <p:nvGrpSpPr>
+        <p:cNvPr id="1" name=""/>
+        <p:cNvGrpSpPr/>
+        <p:nvPr/>
+      </p:nvGrpSpPr>
+      <p:grpSpPr>
+        <a:xfrm>
+          <a:off x="0" y="0"/>
+          <a:ext cx="0" cy="0"/>
+          <a:chOff x="0" y="0"/>
+          <a:chExt cx="0" cy="0"/>
+        </a:xfrm>
+      </p:grpSpPr>
+      <p:sp>
+        <p:nvSpPr>
+          <p:cNvPr id="10" name="Title 1">
+            <a:extLst>
+              <a:ext uri="{FF2B5EF4-FFF2-40B4-BE49-F238E27FC236}">
+                <a16:creationId xmlns:a16="http://schemas.microsoft.com/office/drawing/2014/main" id="{44867C08-996B-19E5-E7B1-9E478E988B72}"/>
+              </a:ext>
+            </a:extLst>
+          </p:cNvPr>
+          <p:cNvSpPr>
+            <a:spLocks noGrp="1"/>
+          </p:cNvSpPr>
+          <p:nvPr>
+            <p:ph type="title"/>
+          </p:nvPr>
+        </p:nvSpPr>
+        <p:spPr>
+          <a:xfrm>
+            <a:off x="1432860" y="350095"/>
+            <a:ext cx="9326280" cy="1188720"/>
+          </a:xfrm>
+          <a:solidFill>
+            <a:schemeClr val="accent2"/>
+          </a:solidFill>
+        </p:spPr>
+        <p:txBody>
+          <a:bodyPr/>
+          <a:lstStyle/>
+          <a:p>
+            <a:r>
+              <a:rPr lang="en-US" dirty="0"/>
+              <a:t>Where is each platform the most popular?</a:t>
+            </a:r>
+          </a:p>
+        </p:txBody>
+      </p:sp>
+      <p:pic>
+        <p:nvPicPr>
+          <p:cNvPr id="3" name="Picture 2">
+            <a:extLst>
+              <a:ext uri="{FF2B5EF4-FFF2-40B4-BE49-F238E27FC236}">
+                <a16:creationId xmlns:a16="http://schemas.microsoft.com/office/drawing/2014/main" id="{3B436F58-A4C8-CA82-5230-E1A57AE36173}"/>
+              </a:ext>
+            </a:extLst>
+          </p:cNvPr>
+          <p:cNvPicPr>
+            <a:picLocks noChangeAspect="1"/>
+          </p:cNvPicPr>
+          <p:nvPr/>
+        </p:nvPicPr>
+        <p:blipFill>
+          <a:blip r:embed="rId3"/>
+          <a:stretch>
+            <a:fillRect/>
+          </a:stretch>
+        </p:blipFill>
+        <p:spPr>
+          <a:xfrm>
+            <a:off x="-107402" y="2338465"/>
+            <a:ext cx="4407450" cy="5703758"/>
+          </a:xfrm>
+          <a:prstGeom prst="rect">
+            <a:avLst/>
+          </a:prstGeom>
+        </p:spPr>
+      </p:pic>
+      <p:pic>
+        <p:nvPicPr>
+          <p:cNvPr id="5" name="Picture 4">
+            <a:extLst>
+              <a:ext uri="{FF2B5EF4-FFF2-40B4-BE49-F238E27FC236}">
+                <a16:creationId xmlns:a16="http://schemas.microsoft.com/office/drawing/2014/main" id="{FE1A44CE-2ABD-9A92-55EB-2ADA01BD49F7}"/>
+              </a:ext>
+            </a:extLst>
+          </p:cNvPr>
+          <p:cNvPicPr>
+            <a:picLocks noChangeAspect="1"/>
+          </p:cNvPicPr>
+          <p:nvPr/>
+        </p:nvPicPr>
+        <p:blipFill>
+          <a:blip r:embed="rId4"/>
+          <a:stretch>
+            <a:fillRect/>
+          </a:stretch>
+        </p:blipFill>
+        <p:spPr>
+          <a:xfrm>
+            <a:off x="3958496" y="2338465"/>
+            <a:ext cx="4407450" cy="5703758"/>
+          </a:xfrm>
+          <a:prstGeom prst="rect">
+            <a:avLst/>
+          </a:prstGeom>
+        </p:spPr>
+      </p:pic>
+      <p:pic>
+        <p:nvPicPr>
+          <p:cNvPr id="7" name="Picture 6">
+            <a:extLst>
+              <a:ext uri="{FF2B5EF4-FFF2-40B4-BE49-F238E27FC236}">
+                <a16:creationId xmlns:a16="http://schemas.microsoft.com/office/drawing/2014/main" id="{1731514B-C42D-F1A4-3A75-B79FC8E1F8C6}"/>
+              </a:ext>
+            </a:extLst>
+          </p:cNvPr>
+          <p:cNvPicPr>
+            <a:picLocks noChangeAspect="1"/>
+          </p:cNvPicPr>
+          <p:nvPr/>
+        </p:nvPicPr>
+        <p:blipFill>
+          <a:blip r:embed="rId5"/>
+          <a:stretch>
+            <a:fillRect/>
+          </a:stretch>
+        </p:blipFill>
+        <p:spPr>
+          <a:xfrm>
+            <a:off x="7891954" y="2338465"/>
+            <a:ext cx="4407450" cy="5703758"/>
+          </a:xfrm>
+          <a:prstGeom prst="rect">
+            <a:avLst/>
+          </a:prstGeom>
+        </p:spPr>
+      </p:pic>
+    </p:spTree>
+    <p:extLst>
+      <p:ext uri="{BB962C8B-B14F-4D97-AF65-F5344CB8AC3E}">
+        <p14:creationId xmlns:p14="http://schemas.microsoft.com/office/powerpoint/2010/main" val="2485664291"/>
+      </p:ext>
+    </p:extLst>
+  </p:cSld>
+  <p:clrMapOvr>
+    <a:masterClrMapping/>
+  </p:clrMapOvr>
+</p:sld>
+</file>
+
+<file path=ppt/slides/slide11.xml><?xml version="1.0" encoding="utf-8"?>
+<p:sld xmlns:a="http://schemas.openxmlformats.org/drawingml/2006/main" xmlns:r="http://schemas.openxmlformats.org/officeDocument/2006/relationships" xmlns:p="http://schemas.openxmlformats.org/presentationml/2006/main">
+  <p:cSld>
+    <p:bg>
+      <p:bgPr>
+        <a:solidFill>
           <a:schemeClr val="bg1">
             <a:lumMod val="95000"/>
           </a:schemeClr>
@@ -12259,7 +16099,7 @@
 </p:sld>
 </file>
 
-<file path=ppt/slides/slide11.xml><?xml version="1.0" encoding="utf-8"?>
+<file path=ppt/slides/slide12.xml><?xml version="1.0" encoding="utf-8"?>
 <p:sld xmlns:a="http://schemas.openxmlformats.org/drawingml/2006/main" xmlns:r="http://schemas.openxmlformats.org/officeDocument/2006/relationships" xmlns:p="http://schemas.openxmlformats.org/presentationml/2006/main" show="0">
   <p:cSld>
     <p:bg>
@@ -12453,7 +16293,7 @@
 </p:sld>
 </file>
 
-<file path=ppt/slides/slide12.xml><?xml version="1.0" encoding="utf-8"?>
+<file path=ppt/slides/slide13.xml><?xml version="1.0" encoding="utf-8"?>
 <p:sld xmlns:a="http://schemas.openxmlformats.org/drawingml/2006/main" xmlns:r="http://schemas.openxmlformats.org/officeDocument/2006/relationships" xmlns:p="http://schemas.openxmlformats.org/presentationml/2006/main" show="0">
   <p:cSld>
     <p:bg>
@@ -12718,7 +16558,7 @@
 </p:sld>
 </file>
 
-<file path=ppt/slides/slide13.xml><?xml version="1.0" encoding="utf-8"?>
+<file path=ppt/slides/slide14.xml><?xml version="1.0" encoding="utf-8"?>
 <p:sld xmlns:a="http://schemas.openxmlformats.org/drawingml/2006/main" xmlns:r="http://schemas.openxmlformats.org/officeDocument/2006/relationships" xmlns:p="http://schemas.openxmlformats.org/presentationml/2006/main">
   <p:cSld>
     <p:bg>
@@ -13075,7 +16915,7 @@
 </p:sld>
 </file>
 
-<file path=ppt/slides/slide14.xml><?xml version="1.0" encoding="utf-8"?>
+<file path=ppt/slides/slide15.xml><?xml version="1.0" encoding="utf-8"?>
 <p:sld xmlns:a="http://schemas.openxmlformats.org/drawingml/2006/main" xmlns:r="http://schemas.openxmlformats.org/officeDocument/2006/relationships" xmlns:p="http://schemas.openxmlformats.org/presentationml/2006/main">
   <p:cSld>
     <p:bg>
@@ -13488,7 +17328,7 @@
 </p:sld>
 </file>
 
-<file path=ppt/slides/slide15.xml><?xml version="1.0" encoding="utf-8"?>
+<file path=ppt/slides/slide16.xml><?xml version="1.0" encoding="utf-8"?>
 <p:sld xmlns:a="http://schemas.openxmlformats.org/drawingml/2006/main" xmlns:r="http://schemas.openxmlformats.org/officeDocument/2006/relationships" xmlns:p="http://schemas.openxmlformats.org/presentationml/2006/main">
   <p:cSld>
     <p:bg>
@@ -13833,7 +17673,7 @@
 </p:sld>
 </file>
 
-<file path=ppt/slides/slide16.xml><?xml version="1.0" encoding="utf-8"?>
+<file path=ppt/slides/slide17.xml><?xml version="1.0" encoding="utf-8"?>
 <p:sld xmlns:a="http://schemas.openxmlformats.org/drawingml/2006/main" xmlns:r="http://schemas.openxmlformats.org/officeDocument/2006/relationships" xmlns:p="http://schemas.openxmlformats.org/presentationml/2006/main">
   <p:cSld>
     <p:bg>
@@ -14187,7 +18027,7 @@
 </p:sld>
 </file>
 
-<file path=ppt/slides/slide17.xml><?xml version="1.0" encoding="utf-8"?>
+<file path=ppt/slides/slide18.xml><?xml version="1.0" encoding="utf-8"?>
 <p:sld xmlns:a="http://schemas.openxmlformats.org/drawingml/2006/main" xmlns:r="http://schemas.openxmlformats.org/officeDocument/2006/relationships" xmlns:p="http://schemas.openxmlformats.org/presentationml/2006/main">
   <p:cSld>
     <p:bg>
@@ -14293,7 +18133,7 @@
 </p:sld>
 </file>
 
-<file path=ppt/slides/slide18.xml><?xml version="1.0" encoding="utf-8"?>
+<file path=ppt/slides/slide19.xml><?xml version="1.0" encoding="utf-8"?>
 <p:sld xmlns:a="http://schemas.openxmlformats.org/drawingml/2006/main" xmlns:r="http://schemas.openxmlformats.org/officeDocument/2006/relationships" xmlns:p="http://schemas.openxmlformats.org/presentationml/2006/main">
   <p:cSld>
     <p:bg>
@@ -14423,6 +18263,244 @@
 </file>
 
 <file path=ppt/slides/slide2.xml><?xml version="1.0" encoding="utf-8"?>
+<p:sld xmlns:a="http://schemas.openxmlformats.org/drawingml/2006/main" xmlns:r="http://schemas.openxmlformats.org/officeDocument/2006/relationships" xmlns:p="http://schemas.openxmlformats.org/presentationml/2006/main">
+  <p:cSld>
+    <p:bg>
+      <p:bgPr>
+        <a:solidFill>
+          <a:schemeClr val="bg1"/>
+        </a:solidFill>
+        <a:effectLst/>
+      </p:bgPr>
+    </p:bg>
+    <p:spTree>
+      <p:nvGrpSpPr>
+        <p:cNvPr id="1" name=""/>
+        <p:cNvGrpSpPr/>
+        <p:nvPr/>
+      </p:nvGrpSpPr>
+      <p:grpSpPr>
+        <a:xfrm>
+          <a:off x="0" y="0"/>
+          <a:ext cx="0" cy="0"/>
+          <a:chOff x="0" y="0"/>
+          <a:chExt cx="0" cy="0"/>
+        </a:xfrm>
+      </p:grpSpPr>
+      <p:sp>
+        <p:nvSpPr>
+          <p:cNvPr id="9" name="Rectangle 8">
+            <a:extLst>
+              <a:ext uri="{FF2B5EF4-FFF2-40B4-BE49-F238E27FC236}">
+                <a16:creationId xmlns:a16="http://schemas.microsoft.com/office/drawing/2014/main" id="{4E866FF9-A729-45F0-A163-10E89E871602}"/>
+              </a:ext>
+              <a:ext uri="{C183D7F6-B498-43B3-948B-1728B52AA6E4}">
+                <adec:decorative xmlns:adec="http://schemas.microsoft.com/office/drawing/2017/decorative" val="1"/>
+              </a:ext>
+            </a:extLst>
+          </p:cNvPr>
+          <p:cNvSpPr>
+            <a:spLocks noGrp="1" noRot="1" noChangeAspect="1" noMove="1" noResize="1" noEditPoints="1" noAdjustHandles="1" noChangeArrowheads="1" noChangeShapeType="1" noTextEdit="1"/>
+          </p:cNvSpPr>
+          <p:nvPr>
+            <p:extLst>
+              <p:ext uri="{386F3935-93C4-4BCD-93E2-E3B085C9AB24}">
+                <p16:designElem xmlns:p16="http://schemas.microsoft.com/office/powerpoint/2015/main" val="1"/>
+              </p:ext>
+            </p:extLst>
+          </p:nvPr>
+        </p:nvSpPr>
+        <p:spPr>
+          <a:xfrm>
+            <a:off x="0" y="0"/>
+            <a:ext cx="4738255" cy="6858000"/>
+          </a:xfrm>
+          <a:prstGeom prst="rect">
+            <a:avLst/>
+          </a:prstGeom>
+          <a:solidFill>
+            <a:schemeClr val="accent6">
+              <a:lumMod val="60000"/>
+              <a:lumOff val="40000"/>
+            </a:schemeClr>
+          </a:solidFill>
+          <a:ln>
+            <a:noFill/>
+          </a:ln>
+        </p:spPr>
+        <p:style>
+          <a:lnRef idx="2">
+            <a:schemeClr val="accent1">
+              <a:shade val="50000"/>
+            </a:schemeClr>
+          </a:lnRef>
+          <a:fillRef idx="1">
+            <a:schemeClr val="accent1"/>
+          </a:fillRef>
+          <a:effectRef idx="0">
+            <a:schemeClr val="accent1"/>
+          </a:effectRef>
+          <a:fontRef idx="minor">
+            <a:schemeClr val="lt1"/>
+          </a:fontRef>
+        </p:style>
+        <p:txBody>
+          <a:bodyPr rtlCol="0" anchor="ctr"/>
+          <a:lstStyle/>
+          <a:p>
+            <a:pPr algn="ctr"/>
+            <a:endParaRPr lang="en-US"/>
+          </a:p>
+        </p:txBody>
+      </p:sp>
+      <p:sp>
+        <p:nvSpPr>
+          <p:cNvPr id="2" name="Title 1">
+            <a:extLst>
+              <a:ext uri="{FF2B5EF4-FFF2-40B4-BE49-F238E27FC236}">
+                <a16:creationId xmlns:a16="http://schemas.microsoft.com/office/drawing/2014/main" id="{EBD80BE9-2C78-23DC-7B75-F9AE1F3CCBF0}"/>
+              </a:ext>
+            </a:extLst>
+          </p:cNvPr>
+          <p:cNvSpPr>
+            <a:spLocks noGrp="1"/>
+          </p:cNvSpPr>
+          <p:nvPr>
+            <p:ph type="title"/>
+          </p:nvPr>
+        </p:nvSpPr>
+        <p:spPr>
+          <a:xfrm>
+            <a:off x="640080" y="2681105"/>
+            <a:ext cx="3401568" cy="1495794"/>
+          </a:xfrm>
+          <a:solidFill>
+            <a:srgbClr val="FFFFFF"/>
+          </a:solidFill>
+          <a:ln>
+            <a:solidFill>
+              <a:srgbClr val="262626"/>
+            </a:solidFill>
+          </a:ln>
+        </p:spPr>
+        <p:txBody>
+          <a:bodyPr>
+            <a:normAutofit/>
+          </a:bodyPr>
+          <a:lstStyle/>
+          <a:p>
+            <a:r>
+              <a:rPr lang="en-US" dirty="0"/>
+              <a:t>Contents </a:t>
+            </a:r>
+          </a:p>
+        </p:txBody>
+      </p:sp>
+      <p:sp useBgFill="1">
+        <p:nvSpPr>
+          <p:cNvPr id="11" name="Rectangle 10">
+            <a:extLst>
+              <a:ext uri="{FF2B5EF4-FFF2-40B4-BE49-F238E27FC236}">
+                <a16:creationId xmlns:a16="http://schemas.microsoft.com/office/drawing/2014/main" id="{A804366F-2366-4688-98E7-B101C7BC6146}"/>
+              </a:ext>
+              <a:ext uri="{C183D7F6-B498-43B3-948B-1728B52AA6E4}">
+                <adec:decorative xmlns:adec="http://schemas.microsoft.com/office/drawing/2017/decorative" val="1"/>
+              </a:ext>
+            </a:extLst>
+          </p:cNvPr>
+          <p:cNvSpPr>
+            <a:spLocks noGrp="1" noRot="1" noChangeAspect="1" noMove="1" noResize="1" noEditPoints="1" noAdjustHandles="1" noChangeArrowheads="1" noChangeShapeType="1" noTextEdit="1"/>
+          </p:cNvSpPr>
+          <p:nvPr>
+            <p:extLst>
+              <p:ext uri="{386F3935-93C4-4BCD-93E2-E3B085C9AB24}">
+                <p16:designElem xmlns:p16="http://schemas.microsoft.com/office/powerpoint/2015/main" val="1"/>
+              </p:ext>
+            </p:extLst>
+          </p:nvPr>
+        </p:nvSpPr>
+        <p:spPr>
+          <a:xfrm>
+            <a:off x="4753278" y="0"/>
+            <a:ext cx="7438722" cy="6857999"/>
+          </a:xfrm>
+          <a:prstGeom prst="rect">
+            <a:avLst/>
+          </a:prstGeom>
+          <a:ln>
+            <a:noFill/>
+          </a:ln>
+        </p:spPr>
+        <p:style>
+          <a:lnRef idx="2">
+            <a:schemeClr val="accent1">
+              <a:shade val="50000"/>
+            </a:schemeClr>
+          </a:lnRef>
+          <a:fillRef idx="1">
+            <a:schemeClr val="accent1"/>
+          </a:fillRef>
+          <a:effectRef idx="0">
+            <a:schemeClr val="accent1"/>
+          </a:effectRef>
+          <a:fontRef idx="minor">
+            <a:schemeClr val="lt1"/>
+          </a:fontRef>
+        </p:style>
+        <p:txBody>
+          <a:bodyPr rtlCol="0" anchor="ctr"/>
+          <a:lstStyle/>
+          <a:p>
+            <a:pPr algn="ctr"/>
+            <a:endParaRPr lang="en-US"/>
+          </a:p>
+        </p:txBody>
+      </p:sp>
+      <p:graphicFrame>
+        <p:nvGraphicFramePr>
+          <p:cNvPr id="5" name="Content Placeholder 2">
+            <a:extLst>
+              <a:ext uri="{FF2B5EF4-FFF2-40B4-BE49-F238E27FC236}">
+                <a16:creationId xmlns:a16="http://schemas.microsoft.com/office/drawing/2014/main" id="{4629FBD3-6499-3AF4-B054-1D30AE20B915}"/>
+              </a:ext>
+            </a:extLst>
+          </p:cNvPr>
+          <p:cNvGraphicFramePr>
+            <a:graphicFrameLocks noGrp="1"/>
+          </p:cNvGraphicFramePr>
+          <p:nvPr>
+            <p:ph idx="1"/>
+            <p:extLst>
+              <p:ext uri="{D42A27DB-BD31-4B8C-83A1-F6EECF244321}">
+                <p14:modId xmlns:p14="http://schemas.microsoft.com/office/powerpoint/2010/main" val="3891785620"/>
+              </p:ext>
+            </p:extLst>
+          </p:nvPr>
+        </p:nvGraphicFramePr>
+        <p:xfrm>
+          <a:off x="5397500" y="639763"/>
+          <a:ext cx="6151563" cy="5276850"/>
+        </p:xfrm>
+        <a:graphic>
+          <a:graphicData uri="http://schemas.openxmlformats.org/drawingml/2006/diagram">
+            <dgm:relIds xmlns:dgm="http://schemas.openxmlformats.org/drawingml/2006/diagram" xmlns:r="http://schemas.openxmlformats.org/officeDocument/2006/relationships" r:dm="rId3" r:lo="rId4" r:qs="rId5" r:cs="rId6"/>
+          </a:graphicData>
+        </a:graphic>
+      </p:graphicFrame>
+    </p:spTree>
+    <p:extLst>
+      <p:ext uri="{BB962C8B-B14F-4D97-AF65-F5344CB8AC3E}">
+        <p14:creationId xmlns:p14="http://schemas.microsoft.com/office/powerpoint/2010/main" val="683061571"/>
+      </p:ext>
+    </p:extLst>
+  </p:cSld>
+  <p:clrMapOvr>
+    <a:masterClrMapping/>
+  </p:clrMapOvr>
+</p:sld>
+</file>
+
+<file path=ppt/slides/slide3.xml><?xml version="1.0" encoding="utf-8"?>
 <p:sld xmlns:a="http://schemas.openxmlformats.org/drawingml/2006/main" xmlns:r="http://schemas.openxmlformats.org/officeDocument/2006/relationships" xmlns:p="http://schemas.openxmlformats.org/presentationml/2006/main">
   <p:cSld>
     <p:bg>
@@ -14717,19 +18795,7 @@
           <a:p>
             <a:r>
               <a:rPr lang="en-US" sz="2000" dirty="0"/>
-              <a:t>The growth in mobile bookings is greater than that of desktop bookings</a:t>
-            </a:r>
-          </a:p>
-          <a:p>
-            <a:r>
-              <a:rPr lang="en-US" sz="2000" dirty="0"/>
               <a:t>Statistically significant increase in use of mobile devices - mainly the application</a:t>
-            </a:r>
-          </a:p>
-          <a:p>
-            <a:r>
-              <a:rPr lang="en-US" sz="2000" dirty="0"/>
-              <a:t>Mobile devices are most popular in the US and least popular in Latin America</a:t>
             </a:r>
           </a:p>
           <a:p>
@@ -14737,6 +18803,13 @@
               <a:rPr lang="en-US" sz="2000" dirty="0"/>
               <a:t>Bookings with a smaller window are more likely to be made via a mobile device, but bookings with longer windows are not more likely to be made on a desktop device</a:t>
             </a:r>
+          </a:p>
+          <a:p>
+            <a:r>
+              <a:rPr lang="en-US" sz="2000"/>
+              <a:t>Mobile devices are most popular in the US and least popular in Latin America</a:t>
+            </a:r>
+            <a:endParaRPr lang="en-US" sz="2000" dirty="0"/>
           </a:p>
           <a:p>
             <a:r>
@@ -14765,7 +18838,7 @@
 </p:sld>
 </file>
 
-<file path=ppt/slides/slide3.xml><?xml version="1.0" encoding="utf-8"?>
+<file path=ppt/slides/slide4.xml><?xml version="1.0" encoding="utf-8"?>
 <p:sld xmlns:a="http://schemas.openxmlformats.org/drawingml/2006/main" xmlns:r="http://schemas.openxmlformats.org/officeDocument/2006/relationships" xmlns:p="http://schemas.openxmlformats.org/presentationml/2006/main">
   <p:cSld>
     <p:spTree>
@@ -14855,7 +18928,7 @@
 </p:sld>
 </file>
 
-<file path=ppt/slides/slide4.xml><?xml version="1.0" encoding="utf-8"?>
+<file path=ppt/slides/slide5.xml><?xml version="1.0" encoding="utf-8"?>
 <p:sld xmlns:a="http://schemas.openxmlformats.org/drawingml/2006/main" xmlns:r="http://schemas.openxmlformats.org/officeDocument/2006/relationships" xmlns:p="http://schemas.openxmlformats.org/presentationml/2006/main">
   <p:cSld>
     <p:bg>
@@ -14926,7 +18999,7 @@
 </p:sld>
 </file>
 
-<file path=ppt/slides/slide5.xml><?xml version="1.0" encoding="utf-8"?>
+<file path=ppt/slides/slide6.xml><?xml version="1.0" encoding="utf-8"?>
 <p:sld xmlns:a="http://schemas.openxmlformats.org/drawingml/2006/main" xmlns:r="http://schemas.openxmlformats.org/officeDocument/2006/relationships" xmlns:p="http://schemas.openxmlformats.org/presentationml/2006/main">
   <p:cSld>
     <p:bg>
@@ -15430,7 +19503,7 @@
 </p:sld>
 </file>
 
-<file path=ppt/slides/slide6.xml><?xml version="1.0" encoding="utf-8"?>
+<file path=ppt/slides/slide7.xml><?xml version="1.0" encoding="utf-8"?>
 <p:sld xmlns:a="http://schemas.openxmlformats.org/drawingml/2006/main" xmlns:r="http://schemas.openxmlformats.org/officeDocument/2006/relationships" xmlns:p="http://schemas.openxmlformats.org/presentationml/2006/main">
   <p:cSld>
     <p:bg>
@@ -16140,7 +20213,7 @@
 </p:sld>
 </file>
 
-<file path=ppt/slides/slide7.xml><?xml version="1.0" encoding="utf-8"?>
+<file path=ppt/slides/slide8.xml><?xml version="1.0" encoding="utf-8"?>
 <p:sld xmlns:a="http://schemas.openxmlformats.org/drawingml/2006/main" xmlns:r="http://schemas.openxmlformats.org/officeDocument/2006/relationships" xmlns:p="http://schemas.openxmlformats.org/presentationml/2006/main">
   <p:cSld>
     <p:bg>
@@ -16913,7 +20986,7 @@
 </p:sld>
 </file>
 
-<file path=ppt/slides/slide8.xml><?xml version="1.0" encoding="utf-8"?>
+<file path=ppt/slides/slide9.xml><?xml version="1.0" encoding="utf-8"?>
 <p:sld xmlns:a="http://schemas.openxmlformats.org/drawingml/2006/main" xmlns:r="http://schemas.openxmlformats.org/officeDocument/2006/relationships" xmlns:p="http://schemas.openxmlformats.org/presentationml/2006/main">
   <p:cSld>
     <p:bg>
@@ -17098,170 +21171,6 @@
     <p:extLst>
       <p:ext uri="{BB962C8B-B14F-4D97-AF65-F5344CB8AC3E}">
         <p14:creationId xmlns:p14="http://schemas.microsoft.com/office/powerpoint/2010/main" val="3623476793"/>
-      </p:ext>
-    </p:extLst>
-  </p:cSld>
-  <p:clrMapOvr>
-    <a:masterClrMapping/>
-  </p:clrMapOvr>
-</p:sld>
-</file>
-
-<file path=ppt/slides/slide9.xml><?xml version="1.0" encoding="utf-8"?>
-<p:sld xmlns:a="http://schemas.openxmlformats.org/drawingml/2006/main" xmlns:r="http://schemas.openxmlformats.org/officeDocument/2006/relationships" xmlns:p="http://schemas.openxmlformats.org/presentationml/2006/main">
-  <p:cSld>
-    <p:bg>
-      <p:bgPr>
-        <a:solidFill>
-          <a:srgbClr val="FFFFFF"/>
-        </a:solidFill>
-        <a:effectLst/>
-      </p:bgPr>
-    </p:bg>
-    <p:spTree>
-      <p:nvGrpSpPr>
-        <p:cNvPr id="1" name=""/>
-        <p:cNvGrpSpPr/>
-        <p:nvPr/>
-      </p:nvGrpSpPr>
-      <p:grpSpPr>
-        <a:xfrm>
-          <a:off x="0" y="0"/>
-          <a:ext cx="0" cy="0"/>
-          <a:chOff x="0" y="0"/>
-          <a:chExt cx="0" cy="0"/>
-        </a:xfrm>
-      </p:grpSpPr>
-      <p:sp>
-        <p:nvSpPr>
-          <p:cNvPr id="10" name="Title 1">
-            <a:extLst>
-              <a:ext uri="{FF2B5EF4-FFF2-40B4-BE49-F238E27FC236}">
-                <a16:creationId xmlns:a16="http://schemas.microsoft.com/office/drawing/2014/main" id="{44867C08-996B-19E5-E7B1-9E478E988B72}"/>
-              </a:ext>
-            </a:extLst>
-          </p:cNvPr>
-          <p:cNvSpPr>
-            <a:spLocks noGrp="1"/>
-          </p:cNvSpPr>
-          <p:nvPr>
-            <p:ph type="title"/>
-          </p:nvPr>
-        </p:nvSpPr>
-        <p:spPr>
-          <a:xfrm>
-            <a:off x="1432860" y="350095"/>
-            <a:ext cx="9326280" cy="1188720"/>
-          </a:xfrm>
-          <a:solidFill>
-            <a:schemeClr val="accent2"/>
-          </a:solidFill>
-        </p:spPr>
-        <p:txBody>
-          <a:bodyPr/>
-          <a:lstStyle/>
-          <a:p>
-            <a:r>
-              <a:rPr lang="en-US" dirty="0"/>
-              <a:t>Where is each platform the most popular?</a:t>
-            </a:r>
-          </a:p>
-        </p:txBody>
-      </p:sp>
-      <p:pic>
-        <p:nvPicPr>
-          <p:cNvPr id="3" name="Picture 2">
-            <a:extLst>
-              <a:ext uri="{FF2B5EF4-FFF2-40B4-BE49-F238E27FC236}">
-                <a16:creationId xmlns:a16="http://schemas.microsoft.com/office/drawing/2014/main" id="{3B436F58-A4C8-CA82-5230-E1A57AE36173}"/>
-              </a:ext>
-            </a:extLst>
-          </p:cNvPr>
-          <p:cNvPicPr>
-            <a:picLocks noChangeAspect="1"/>
-          </p:cNvPicPr>
-          <p:nvPr/>
-        </p:nvPicPr>
-        <p:blipFill>
-          <a:blip r:embed="rId3"/>
-          <a:stretch>
-            <a:fillRect/>
-          </a:stretch>
-        </p:blipFill>
-        <p:spPr>
-          <a:xfrm>
-            <a:off x="-107402" y="2338465"/>
-            <a:ext cx="4407450" cy="5703758"/>
-          </a:xfrm>
-          <a:prstGeom prst="rect">
-            <a:avLst/>
-          </a:prstGeom>
-        </p:spPr>
-      </p:pic>
-      <p:pic>
-        <p:nvPicPr>
-          <p:cNvPr id="5" name="Picture 4">
-            <a:extLst>
-              <a:ext uri="{FF2B5EF4-FFF2-40B4-BE49-F238E27FC236}">
-                <a16:creationId xmlns:a16="http://schemas.microsoft.com/office/drawing/2014/main" id="{FE1A44CE-2ABD-9A92-55EB-2ADA01BD49F7}"/>
-              </a:ext>
-            </a:extLst>
-          </p:cNvPr>
-          <p:cNvPicPr>
-            <a:picLocks noChangeAspect="1"/>
-          </p:cNvPicPr>
-          <p:nvPr/>
-        </p:nvPicPr>
-        <p:blipFill>
-          <a:blip r:embed="rId4"/>
-          <a:stretch>
-            <a:fillRect/>
-          </a:stretch>
-        </p:blipFill>
-        <p:spPr>
-          <a:xfrm>
-            <a:off x="3958496" y="2338465"/>
-            <a:ext cx="4407450" cy="5703758"/>
-          </a:xfrm>
-          <a:prstGeom prst="rect">
-            <a:avLst/>
-          </a:prstGeom>
-        </p:spPr>
-      </p:pic>
-      <p:pic>
-        <p:nvPicPr>
-          <p:cNvPr id="7" name="Picture 6">
-            <a:extLst>
-              <a:ext uri="{FF2B5EF4-FFF2-40B4-BE49-F238E27FC236}">
-                <a16:creationId xmlns:a16="http://schemas.microsoft.com/office/drawing/2014/main" id="{1731514B-C42D-F1A4-3A75-B79FC8E1F8C6}"/>
-              </a:ext>
-            </a:extLst>
-          </p:cNvPr>
-          <p:cNvPicPr>
-            <a:picLocks noChangeAspect="1"/>
-          </p:cNvPicPr>
-          <p:nvPr/>
-        </p:nvPicPr>
-        <p:blipFill>
-          <a:blip r:embed="rId5"/>
-          <a:stretch>
-            <a:fillRect/>
-          </a:stretch>
-        </p:blipFill>
-        <p:spPr>
-          <a:xfrm>
-            <a:off x="7891954" y="2338465"/>
-            <a:ext cx="4407450" cy="5703758"/>
-          </a:xfrm>
-          <a:prstGeom prst="rect">
-            <a:avLst/>
-          </a:prstGeom>
-        </p:spPr>
-      </p:pic>
-    </p:spTree>
-    <p:extLst>
-      <p:ext uri="{BB962C8B-B14F-4D97-AF65-F5344CB8AC3E}">
-        <p14:creationId xmlns:p14="http://schemas.microsoft.com/office/powerpoint/2010/main" val="2485664291"/>
       </p:ext>
     </p:extLst>
   </p:cSld>
